--- a/module3/session2/class1-part4-distributed-ml-frameworks.pptx
+++ b/module3/session2/class1-part4-distributed-ml-frameworks.pptx
@@ -5,27 +5,28 @@
     <p:sldMasterId id="2147483648" r:id="rId1"/>
   </p:sldMasterIdLst>
   <p:notesMasterIdLst>
-    <p:notesMasterId r:id="rId20"/>
+    <p:notesMasterId r:id="rId21"/>
   </p:notesMasterIdLst>
   <p:sldIdLst>
     <p:sldId id="256" r:id="rId2"/>
     <p:sldId id="307" r:id="rId3"/>
-    <p:sldId id="308" r:id="rId4"/>
-    <p:sldId id="309" r:id="rId5"/>
-    <p:sldId id="311" r:id="rId6"/>
-    <p:sldId id="312" r:id="rId7"/>
-    <p:sldId id="296" r:id="rId8"/>
-    <p:sldId id="298" r:id="rId9"/>
-    <p:sldId id="297" r:id="rId10"/>
-    <p:sldId id="299" r:id="rId11"/>
-    <p:sldId id="302" r:id="rId12"/>
-    <p:sldId id="303" r:id="rId13"/>
-    <p:sldId id="305" r:id="rId14"/>
-    <p:sldId id="306" r:id="rId15"/>
-    <p:sldId id="304" r:id="rId16"/>
-    <p:sldId id="295" r:id="rId17"/>
-    <p:sldId id="300" r:id="rId18"/>
-    <p:sldId id="313" r:id="rId19"/>
+    <p:sldId id="314" r:id="rId4"/>
+    <p:sldId id="308" r:id="rId5"/>
+    <p:sldId id="309" r:id="rId6"/>
+    <p:sldId id="311" r:id="rId7"/>
+    <p:sldId id="312" r:id="rId8"/>
+    <p:sldId id="296" r:id="rId9"/>
+    <p:sldId id="298" r:id="rId10"/>
+    <p:sldId id="297" r:id="rId11"/>
+    <p:sldId id="299" r:id="rId12"/>
+    <p:sldId id="302" r:id="rId13"/>
+    <p:sldId id="303" r:id="rId14"/>
+    <p:sldId id="305" r:id="rId15"/>
+    <p:sldId id="306" r:id="rId16"/>
+    <p:sldId id="304" r:id="rId17"/>
+    <p:sldId id="295" r:id="rId18"/>
+    <p:sldId id="300" r:id="rId19"/>
+    <p:sldId id="313" r:id="rId20"/>
   </p:sldIdLst>
   <p:sldSz cx="12192000" cy="6858000"/>
   <p:notesSz cx="6858000" cy="9144000"/>
@@ -214,7 +215,7 @@
           <a:p>
             <a:fld id="{1D5A14A2-EB60-EF4A-B038-28FE46E554F8}" type="datetimeFigureOut">
               <a:rPr lang="fr-FR" smtClean="0"/>
-              <a:t>14/07/2021</a:t>
+              <a:t>23/02/2022</a:t>
             </a:fld>
             <a:endParaRPr lang="fr-FR"/>
           </a:p>
@@ -373,7 +374,7 @@
           <a:p>
             <a:fld id="{F227E76C-66F5-024B-825B-D5B546EAB0A7}" type="slidenum">
               <a:rPr lang="fr-FR" smtClean="0"/>
-              <a:t>‹#›</a:t>
+              <a:t>‹N°›</a:t>
             </a:fld>
             <a:endParaRPr lang="fr-FR"/>
           </a:p>
@@ -829,7 +830,7 @@
     </p:spTree>
     <p:extLst>
       <p:ext uri="{BB962C8B-B14F-4D97-AF65-F5344CB8AC3E}">
-        <p14:creationId xmlns:p14="http://schemas.microsoft.com/office/powerpoint/2010/main" val="1855229781"/>
+        <p14:creationId xmlns:p14="http://schemas.microsoft.com/office/powerpoint/2010/main" val="1669431260"/>
       </p:ext>
     </p:extLst>
   </p:cSld>
@@ -883,40 +884,6 @@
           <a:bodyPr/>
           <a:lstStyle/>
           <a:p>
-            <a:r>
-              <a:rPr lang="fr-FR" dirty="0" err="1"/>
-              <a:t>PyTorch</a:t>
-            </a:r>
-            <a:r>
-              <a:rPr lang="fr-FR" dirty="0"/>
-              <a:t> : no </a:t>
-            </a:r>
-            <a:r>
-              <a:rPr lang="fr-FR" dirty="0" err="1"/>
-              <a:t>specific</a:t>
-            </a:r>
-            <a:r>
-              <a:rPr lang="fr-FR" dirty="0"/>
-              <a:t> </a:t>
-            </a:r>
-            <a:r>
-              <a:rPr lang="fr-FR" dirty="0" err="1"/>
-              <a:t>functions</a:t>
-            </a:r>
-            <a:r>
-              <a:rPr lang="fr-FR" dirty="0"/>
-              <a:t>, can use plain python ; can use </a:t>
-            </a:r>
-            <a:r>
-              <a:rPr lang="fr-FR" dirty="0" err="1"/>
-              <a:t>varying</a:t>
-            </a:r>
-            <a:r>
-              <a:rPr lang="fr-FR" dirty="0"/>
-              <a:t> data size e.g. for NLP</a:t>
-            </a:r>
-          </a:p>
-          <a:p>
             <a:endParaRPr lang="fr-FR" dirty="0"/>
           </a:p>
         </p:txBody>
@@ -947,7 +914,7 @@
     </p:spTree>
     <p:extLst>
       <p:ext uri="{BB962C8B-B14F-4D97-AF65-F5344CB8AC3E}">
-        <p14:creationId xmlns:p14="http://schemas.microsoft.com/office/powerpoint/2010/main" val="2608030411"/>
+        <p14:creationId xmlns:p14="http://schemas.microsoft.com/office/powerpoint/2010/main" val="1855229781"/>
       </p:ext>
     </p:extLst>
   </p:cSld>
@@ -1065,7 +1032,7 @@
     </p:spTree>
     <p:extLst>
       <p:ext uri="{BB962C8B-B14F-4D97-AF65-F5344CB8AC3E}">
-        <p14:creationId xmlns:p14="http://schemas.microsoft.com/office/powerpoint/2010/main" val="2269492860"/>
+        <p14:creationId xmlns:p14="http://schemas.microsoft.com/office/powerpoint/2010/main" val="2608030411"/>
       </p:ext>
     </p:extLst>
   </p:cSld>
@@ -1183,7 +1150,7 @@
     </p:spTree>
     <p:extLst>
       <p:ext uri="{BB962C8B-B14F-4D97-AF65-F5344CB8AC3E}">
-        <p14:creationId xmlns:p14="http://schemas.microsoft.com/office/powerpoint/2010/main" val="166613044"/>
+        <p14:creationId xmlns:p14="http://schemas.microsoft.com/office/powerpoint/2010/main" val="2269492860"/>
       </p:ext>
     </p:extLst>
   </p:cSld>
@@ -1237,6 +1204,40 @@
           <a:bodyPr/>
           <a:lstStyle/>
           <a:p>
+            <a:r>
+              <a:rPr lang="fr-FR" dirty="0" err="1"/>
+              <a:t>PyTorch</a:t>
+            </a:r>
+            <a:r>
+              <a:rPr lang="fr-FR" dirty="0"/>
+              <a:t> : no </a:t>
+            </a:r>
+            <a:r>
+              <a:rPr lang="fr-FR" dirty="0" err="1"/>
+              <a:t>specific</a:t>
+            </a:r>
+            <a:r>
+              <a:rPr lang="fr-FR" dirty="0"/>
+              <a:t> </a:t>
+            </a:r>
+            <a:r>
+              <a:rPr lang="fr-FR" dirty="0" err="1"/>
+              <a:t>functions</a:t>
+            </a:r>
+            <a:r>
+              <a:rPr lang="fr-FR" dirty="0"/>
+              <a:t>, can use plain python ; can use </a:t>
+            </a:r>
+            <a:r>
+              <a:rPr lang="fr-FR" dirty="0" err="1"/>
+              <a:t>varying</a:t>
+            </a:r>
+            <a:r>
+              <a:rPr lang="fr-FR" dirty="0"/>
+              <a:t> data size e.g. for NLP</a:t>
+            </a:r>
+          </a:p>
+          <a:p>
             <a:endParaRPr lang="fr-FR" dirty="0"/>
           </a:p>
         </p:txBody>
@@ -1259,6 +1260,90 @@
             <a:fld id="{F227E76C-66F5-024B-825B-D5B546EAB0A7}" type="slidenum">
               <a:rPr lang="fr-FR" smtClean="0"/>
               <a:t>7</a:t>
+            </a:fld>
+            <a:endParaRPr lang="fr-FR"/>
+          </a:p>
+        </p:txBody>
+      </p:sp>
+    </p:spTree>
+    <p:extLst>
+      <p:ext uri="{BB962C8B-B14F-4D97-AF65-F5344CB8AC3E}">
+        <p14:creationId xmlns:p14="http://schemas.microsoft.com/office/powerpoint/2010/main" val="166613044"/>
+      </p:ext>
+    </p:extLst>
+  </p:cSld>
+  <p:clrMapOvr>
+    <a:masterClrMapping/>
+  </p:clrMapOvr>
+</p:notes>
+</file>
+
+<file path=ppt/notesSlides/notesSlide8.xml><?xml version="1.0" encoding="utf-8"?>
+<p:notes xmlns:a="http://schemas.openxmlformats.org/drawingml/2006/main" xmlns:r="http://schemas.openxmlformats.org/officeDocument/2006/relationships" xmlns:p="http://schemas.openxmlformats.org/presentationml/2006/main">
+  <p:cSld>
+    <p:spTree>
+      <p:nvGrpSpPr>
+        <p:cNvPr id="1" name=""/>
+        <p:cNvGrpSpPr/>
+        <p:nvPr/>
+      </p:nvGrpSpPr>
+      <p:grpSpPr>
+        <a:xfrm>
+          <a:off x="0" y="0"/>
+          <a:ext cx="0" cy="0"/>
+          <a:chOff x="0" y="0"/>
+          <a:chExt cx="0" cy="0"/>
+        </a:xfrm>
+      </p:grpSpPr>
+      <p:sp>
+        <p:nvSpPr>
+          <p:cNvPr id="2" name="Espace réservé de l'image des diapositives 1"/>
+          <p:cNvSpPr>
+            <a:spLocks noGrp="1" noRot="1" noChangeAspect="1"/>
+          </p:cNvSpPr>
+          <p:nvPr>
+            <p:ph type="sldImg"/>
+          </p:nvPr>
+        </p:nvSpPr>
+        <p:spPr/>
+      </p:sp>
+      <p:sp>
+        <p:nvSpPr>
+          <p:cNvPr id="3" name="Espace réservé des notes 2"/>
+          <p:cNvSpPr>
+            <a:spLocks noGrp="1"/>
+          </p:cNvSpPr>
+          <p:nvPr>
+            <p:ph type="body" idx="1"/>
+          </p:nvPr>
+        </p:nvSpPr>
+        <p:spPr/>
+        <p:txBody>
+          <a:bodyPr/>
+          <a:lstStyle/>
+          <a:p>
+            <a:endParaRPr lang="fr-FR" dirty="0"/>
+          </a:p>
+        </p:txBody>
+      </p:sp>
+      <p:sp>
+        <p:nvSpPr>
+          <p:cNvPr id="4" name="Espace réservé du numéro de diapositive 3"/>
+          <p:cNvSpPr>
+            <a:spLocks noGrp="1"/>
+          </p:cNvSpPr>
+          <p:nvPr>
+            <p:ph type="sldNum" sz="quarter" idx="5"/>
+          </p:nvPr>
+        </p:nvSpPr>
+        <p:spPr/>
+        <p:txBody>
+          <a:bodyPr/>
+          <a:lstStyle/>
+          <a:p>
+            <a:fld id="{F227E76C-66F5-024B-825B-D5B546EAB0A7}" type="slidenum">
+              <a:rPr lang="fr-FR" smtClean="0"/>
+              <a:t>8</a:t>
             </a:fld>
             <a:endParaRPr lang="fr-FR"/>
           </a:p>
@@ -1426,7 +1511,7 @@
           <a:p>
             <a:fld id="{1FF0CD5B-E471-DE44-8E60-5CB7BE069846}" type="datetimeFigureOut">
               <a:rPr lang="fr-FR" smtClean="0"/>
-              <a:t>14/07/2021</a:t>
+              <a:t>23/02/2022</a:t>
             </a:fld>
             <a:endParaRPr lang="fr-FR"/>
           </a:p>
@@ -1480,7 +1565,7 @@
           <a:p>
             <a:fld id="{C5940A84-42AB-B84E-9315-DE283BC5385A}" type="slidenum">
               <a:rPr lang="fr-FR" smtClean="0"/>
-              <a:t>‹#›</a:t>
+              <a:t>‹N°›</a:t>
             </a:fld>
             <a:endParaRPr lang="fr-FR"/>
           </a:p>
@@ -1626,7 +1711,7 @@
           <a:p>
             <a:fld id="{1FF0CD5B-E471-DE44-8E60-5CB7BE069846}" type="datetimeFigureOut">
               <a:rPr lang="fr-FR" smtClean="0"/>
-              <a:t>14/07/2021</a:t>
+              <a:t>23/02/2022</a:t>
             </a:fld>
             <a:endParaRPr lang="fr-FR"/>
           </a:p>
@@ -1680,7 +1765,7 @@
           <a:p>
             <a:fld id="{C5940A84-42AB-B84E-9315-DE283BC5385A}" type="slidenum">
               <a:rPr lang="fr-FR" smtClean="0"/>
-              <a:t>‹#›</a:t>
+              <a:t>‹N°›</a:t>
             </a:fld>
             <a:endParaRPr lang="fr-FR"/>
           </a:p>
@@ -1836,7 +1921,7 @@
           <a:p>
             <a:fld id="{1FF0CD5B-E471-DE44-8E60-5CB7BE069846}" type="datetimeFigureOut">
               <a:rPr lang="fr-FR" smtClean="0"/>
-              <a:t>14/07/2021</a:t>
+              <a:t>23/02/2022</a:t>
             </a:fld>
             <a:endParaRPr lang="fr-FR"/>
           </a:p>
@@ -1890,7 +1975,7 @@
           <a:p>
             <a:fld id="{C5940A84-42AB-B84E-9315-DE283BC5385A}" type="slidenum">
               <a:rPr lang="fr-FR" smtClean="0"/>
-              <a:t>‹#›</a:t>
+              <a:t>‹N°›</a:t>
             </a:fld>
             <a:endParaRPr lang="fr-FR"/>
           </a:p>
@@ -2036,7 +2121,7 @@
           <a:p>
             <a:fld id="{1FF0CD5B-E471-DE44-8E60-5CB7BE069846}" type="datetimeFigureOut">
               <a:rPr lang="fr-FR" smtClean="0"/>
-              <a:t>14/07/2021</a:t>
+              <a:t>23/02/2022</a:t>
             </a:fld>
             <a:endParaRPr lang="fr-FR"/>
           </a:p>
@@ -2090,7 +2175,7 @@
           <a:p>
             <a:fld id="{C5940A84-42AB-B84E-9315-DE283BC5385A}" type="slidenum">
               <a:rPr lang="fr-FR" smtClean="0"/>
-              <a:t>‹#›</a:t>
+              <a:t>‹N°›</a:t>
             </a:fld>
             <a:endParaRPr lang="fr-FR"/>
           </a:p>
@@ -2312,7 +2397,7 @@
           <a:p>
             <a:fld id="{1FF0CD5B-E471-DE44-8E60-5CB7BE069846}" type="datetimeFigureOut">
               <a:rPr lang="fr-FR" smtClean="0"/>
-              <a:t>14/07/2021</a:t>
+              <a:t>23/02/2022</a:t>
             </a:fld>
             <a:endParaRPr lang="fr-FR"/>
           </a:p>
@@ -2366,7 +2451,7 @@
           <a:p>
             <a:fld id="{C5940A84-42AB-B84E-9315-DE283BC5385A}" type="slidenum">
               <a:rPr lang="fr-FR" smtClean="0"/>
-              <a:t>‹#›</a:t>
+              <a:t>‹N°›</a:t>
             </a:fld>
             <a:endParaRPr lang="fr-FR"/>
           </a:p>
@@ -2580,7 +2665,7 @@
           <a:p>
             <a:fld id="{1FF0CD5B-E471-DE44-8E60-5CB7BE069846}" type="datetimeFigureOut">
               <a:rPr lang="fr-FR" smtClean="0"/>
-              <a:t>14/07/2021</a:t>
+              <a:t>23/02/2022</a:t>
             </a:fld>
             <a:endParaRPr lang="fr-FR"/>
           </a:p>
@@ -2634,7 +2719,7 @@
           <a:p>
             <a:fld id="{C5940A84-42AB-B84E-9315-DE283BC5385A}" type="slidenum">
               <a:rPr lang="fr-FR" smtClean="0"/>
-              <a:t>‹#›</a:t>
+              <a:t>‹N°›</a:t>
             </a:fld>
             <a:endParaRPr lang="fr-FR"/>
           </a:p>
@@ -2995,7 +3080,7 @@
           <a:p>
             <a:fld id="{1FF0CD5B-E471-DE44-8E60-5CB7BE069846}" type="datetimeFigureOut">
               <a:rPr lang="fr-FR" smtClean="0"/>
-              <a:t>14/07/2021</a:t>
+              <a:t>23/02/2022</a:t>
             </a:fld>
             <a:endParaRPr lang="fr-FR"/>
           </a:p>
@@ -3049,7 +3134,7 @@
           <a:p>
             <a:fld id="{C5940A84-42AB-B84E-9315-DE283BC5385A}" type="slidenum">
               <a:rPr lang="fr-FR" smtClean="0"/>
-              <a:t>‹#›</a:t>
+              <a:t>‹N°›</a:t>
             </a:fld>
             <a:endParaRPr lang="fr-FR"/>
           </a:p>
@@ -3137,7 +3222,7 @@
           <a:p>
             <a:fld id="{1FF0CD5B-E471-DE44-8E60-5CB7BE069846}" type="datetimeFigureOut">
               <a:rPr lang="fr-FR" smtClean="0"/>
-              <a:t>14/07/2021</a:t>
+              <a:t>23/02/2022</a:t>
             </a:fld>
             <a:endParaRPr lang="fr-FR"/>
           </a:p>
@@ -3191,7 +3276,7 @@
           <a:p>
             <a:fld id="{C5940A84-42AB-B84E-9315-DE283BC5385A}" type="slidenum">
               <a:rPr lang="fr-FR" smtClean="0"/>
-              <a:t>‹#›</a:t>
+              <a:t>‹N°›</a:t>
             </a:fld>
             <a:endParaRPr lang="fr-FR"/>
           </a:p>
@@ -3250,7 +3335,7 @@
           <a:p>
             <a:fld id="{1FF0CD5B-E471-DE44-8E60-5CB7BE069846}" type="datetimeFigureOut">
               <a:rPr lang="fr-FR" smtClean="0"/>
-              <a:t>14/07/2021</a:t>
+              <a:t>23/02/2022</a:t>
             </a:fld>
             <a:endParaRPr lang="fr-FR"/>
           </a:p>
@@ -3304,7 +3389,7 @@
           <a:p>
             <a:fld id="{C5940A84-42AB-B84E-9315-DE283BC5385A}" type="slidenum">
               <a:rPr lang="fr-FR" smtClean="0"/>
-              <a:t>‹#›</a:t>
+              <a:t>‹N°›</a:t>
             </a:fld>
             <a:endParaRPr lang="fr-FR"/>
           </a:p>
@@ -3563,7 +3648,7 @@
           <a:p>
             <a:fld id="{1FF0CD5B-E471-DE44-8E60-5CB7BE069846}" type="datetimeFigureOut">
               <a:rPr lang="fr-FR" smtClean="0"/>
-              <a:t>14/07/2021</a:t>
+              <a:t>23/02/2022</a:t>
             </a:fld>
             <a:endParaRPr lang="fr-FR"/>
           </a:p>
@@ -3617,7 +3702,7 @@
           <a:p>
             <a:fld id="{C5940A84-42AB-B84E-9315-DE283BC5385A}" type="slidenum">
               <a:rPr lang="fr-FR" smtClean="0"/>
-              <a:t>‹#›</a:t>
+              <a:t>‹N°›</a:t>
             </a:fld>
             <a:endParaRPr lang="fr-FR"/>
           </a:p>
@@ -3852,7 +3937,7 @@
           <a:p>
             <a:fld id="{1FF0CD5B-E471-DE44-8E60-5CB7BE069846}" type="datetimeFigureOut">
               <a:rPr lang="fr-FR" smtClean="0"/>
-              <a:t>14/07/2021</a:t>
+              <a:t>23/02/2022</a:t>
             </a:fld>
             <a:endParaRPr lang="fr-FR"/>
           </a:p>
@@ -3906,7 +3991,7 @@
           <a:p>
             <a:fld id="{C5940A84-42AB-B84E-9315-DE283BC5385A}" type="slidenum">
               <a:rPr lang="fr-FR" smtClean="0"/>
-              <a:t>‹#›</a:t>
+              <a:t>‹N°›</a:t>
             </a:fld>
             <a:endParaRPr lang="fr-FR"/>
           </a:p>
@@ -4095,7 +4180,7 @@
           <a:p>
             <a:fld id="{1FF0CD5B-E471-DE44-8E60-5CB7BE069846}" type="datetimeFigureOut">
               <a:rPr lang="fr-FR" smtClean="0"/>
-              <a:t>14/07/2021</a:t>
+              <a:t>23/02/2022</a:t>
             </a:fld>
             <a:endParaRPr lang="fr-FR"/>
           </a:p>
@@ -4185,7 +4270,7 @@
           <a:p>
             <a:fld id="{C5940A84-42AB-B84E-9315-DE283BC5385A}" type="slidenum">
               <a:rPr lang="fr-FR" smtClean="0"/>
-              <a:t>‹#›</a:t>
+              <a:t>‹N°›</a:t>
             </a:fld>
             <a:endParaRPr lang="fr-FR"/>
           </a:p>
@@ -4590,6 +4675,1534 @@
       </p:grpSpPr>
       <p:sp>
         <p:nvSpPr>
+          <p:cNvPr id="788" name="Title 1">
+            <a:extLst>
+              <a:ext uri="{FF2B5EF4-FFF2-40B4-BE49-F238E27FC236}">
+                <a16:creationId xmlns:a16="http://schemas.microsoft.com/office/drawing/2014/main" id="{0C9B6291-4386-4D73-9B28-DC39DFF6A1ED}"/>
+              </a:ext>
+            </a:extLst>
+          </p:cNvPr>
+          <p:cNvSpPr>
+            <a:spLocks noGrp="1"/>
+          </p:cNvSpPr>
+          <p:nvPr>
+            <p:ph type="title"/>
+          </p:nvPr>
+        </p:nvSpPr>
+        <p:spPr>
+          <a:xfrm>
+            <a:off x="838200" y="365125"/>
+            <a:ext cx="10515600" cy="1325563"/>
+          </a:xfrm>
+        </p:spPr>
+        <p:txBody>
+          <a:bodyPr/>
+          <a:lstStyle/>
+          <a:p>
+            <a:r>
+              <a:rPr lang="fr-FR" dirty="0"/>
+              <a:t>Spark </a:t>
+            </a:r>
+            <a:r>
+              <a:rPr lang="fr-FR" dirty="0" err="1"/>
+              <a:t>MLlib</a:t>
+            </a:r>
+            <a:r>
+              <a:rPr lang="fr-FR" dirty="0"/>
+              <a:t> – Concepts</a:t>
+            </a:r>
+          </a:p>
+        </p:txBody>
+      </p:sp>
+      <p:pic>
+        <p:nvPicPr>
+          <p:cNvPr id="587" name="Image 586">
+            <a:extLst>
+              <a:ext uri="{FF2B5EF4-FFF2-40B4-BE49-F238E27FC236}">
+                <a16:creationId xmlns:a16="http://schemas.microsoft.com/office/drawing/2014/main" id="{930EF8FB-8F99-42B6-AA90-F83A71EA2270}"/>
+              </a:ext>
+            </a:extLst>
+          </p:cNvPr>
+          <p:cNvPicPr>
+            <a:picLocks noChangeAspect="1"/>
+          </p:cNvPicPr>
+          <p:nvPr/>
+        </p:nvPicPr>
+        <p:blipFill>
+          <a:blip r:embed="rId2"/>
+          <a:stretch>
+            <a:fillRect/>
+          </a:stretch>
+        </p:blipFill>
+        <p:spPr>
+          <a:xfrm>
+            <a:off x="1617879" y="1522244"/>
+            <a:ext cx="1094498" cy="894850"/>
+          </a:xfrm>
+          <a:prstGeom prst="rect">
+            <a:avLst/>
+          </a:prstGeom>
+        </p:spPr>
+      </p:pic>
+      <p:sp>
+        <p:nvSpPr>
+          <p:cNvPr id="588" name="Rectangle : coins arrondis 587">
+            <a:extLst>
+              <a:ext uri="{FF2B5EF4-FFF2-40B4-BE49-F238E27FC236}">
+                <a16:creationId xmlns:a16="http://schemas.microsoft.com/office/drawing/2014/main" id="{B6ED828A-F37B-434C-95B1-3C8838B87618}"/>
+              </a:ext>
+            </a:extLst>
+          </p:cNvPr>
+          <p:cNvSpPr/>
+          <p:nvPr/>
+        </p:nvSpPr>
+        <p:spPr>
+          <a:xfrm>
+            <a:off x="3812897" y="1587947"/>
+            <a:ext cx="1527952" cy="763445"/>
+          </a:xfrm>
+          <a:prstGeom prst="roundRect">
+            <a:avLst/>
+          </a:prstGeom>
+        </p:spPr>
+        <p:style>
+          <a:lnRef idx="1">
+            <a:schemeClr val="accent5"/>
+          </a:lnRef>
+          <a:fillRef idx="2">
+            <a:schemeClr val="accent5"/>
+          </a:fillRef>
+          <a:effectRef idx="1">
+            <a:schemeClr val="accent5"/>
+          </a:effectRef>
+          <a:fontRef idx="minor">
+            <a:schemeClr val="dk1"/>
+          </a:fontRef>
+        </p:style>
+        <p:txBody>
+          <a:bodyPr rtlCol="0" anchor="ctr"/>
+          <a:lstStyle/>
+          <a:p>
+            <a:pPr algn="ctr"/>
+            <a:r>
+              <a:rPr lang="fr-FR" dirty="0" err="1"/>
+              <a:t>Estimator</a:t>
+            </a:r>
+            <a:endParaRPr lang="fr-FR" dirty="0"/>
+          </a:p>
+        </p:txBody>
+      </p:sp>
+      <p:sp>
+        <p:nvSpPr>
+          <p:cNvPr id="631" name="Rectangle : coins arrondis 630">
+            <a:extLst>
+              <a:ext uri="{FF2B5EF4-FFF2-40B4-BE49-F238E27FC236}">
+                <a16:creationId xmlns:a16="http://schemas.microsoft.com/office/drawing/2014/main" id="{3B60CDBA-B1CA-48F7-A92F-7DC4019757AE}"/>
+              </a:ext>
+            </a:extLst>
+          </p:cNvPr>
+          <p:cNvSpPr/>
+          <p:nvPr/>
+        </p:nvSpPr>
+        <p:spPr>
+          <a:xfrm>
+            <a:off x="5816358" y="2581972"/>
+            <a:ext cx="1527954" cy="763446"/>
+          </a:xfrm>
+          <a:prstGeom prst="roundRect">
+            <a:avLst/>
+          </a:prstGeom>
+        </p:spPr>
+        <p:style>
+          <a:lnRef idx="1">
+            <a:schemeClr val="accent6"/>
+          </a:lnRef>
+          <a:fillRef idx="2">
+            <a:schemeClr val="accent6"/>
+          </a:fillRef>
+          <a:effectRef idx="1">
+            <a:schemeClr val="accent6"/>
+          </a:effectRef>
+          <a:fontRef idx="minor">
+            <a:schemeClr val="dk1"/>
+          </a:fontRef>
+        </p:style>
+        <p:txBody>
+          <a:bodyPr rtlCol="0" anchor="ctr"/>
+          <a:lstStyle/>
+          <a:p>
+            <a:pPr algn="ctr"/>
+            <a:r>
+              <a:rPr lang="fr-FR" dirty="0"/>
+              <a:t>Transformer</a:t>
+            </a:r>
+          </a:p>
+        </p:txBody>
+      </p:sp>
+      <p:cxnSp>
+        <p:nvCxnSpPr>
+          <p:cNvPr id="590" name="Connecteur droit avec flèche 589">
+            <a:extLst>
+              <a:ext uri="{FF2B5EF4-FFF2-40B4-BE49-F238E27FC236}">
+                <a16:creationId xmlns:a16="http://schemas.microsoft.com/office/drawing/2014/main" id="{42B9537C-BE6C-48F7-B4F2-F887CF5F0C9A}"/>
+              </a:ext>
+            </a:extLst>
+          </p:cNvPr>
+          <p:cNvCxnSpPr>
+            <a:stCxn id="587" idx="3"/>
+            <a:endCxn id="588" idx="1"/>
+          </p:cNvCxnSpPr>
+          <p:nvPr/>
+        </p:nvCxnSpPr>
+        <p:spPr>
+          <a:xfrm>
+            <a:off x="2712377" y="1969669"/>
+            <a:ext cx="1100520" cy="1"/>
+          </a:xfrm>
+          <a:prstGeom prst="straightConnector1">
+            <a:avLst/>
+          </a:prstGeom>
+          <a:ln>
+            <a:tailEnd type="triangle"/>
+          </a:ln>
+        </p:spPr>
+        <p:style>
+          <a:lnRef idx="1">
+            <a:schemeClr val="accent1"/>
+          </a:lnRef>
+          <a:fillRef idx="0">
+            <a:schemeClr val="accent1"/>
+          </a:fillRef>
+          <a:effectRef idx="0">
+            <a:schemeClr val="accent1"/>
+          </a:effectRef>
+          <a:fontRef idx="minor">
+            <a:schemeClr val="tx1"/>
+          </a:fontRef>
+        </p:style>
+      </p:cxnSp>
+      <p:cxnSp>
+        <p:nvCxnSpPr>
+          <p:cNvPr id="594" name="Connecteur : en angle 593">
+            <a:extLst>
+              <a:ext uri="{FF2B5EF4-FFF2-40B4-BE49-F238E27FC236}">
+                <a16:creationId xmlns:a16="http://schemas.microsoft.com/office/drawing/2014/main" id="{0DBC16B8-84E3-4066-9164-BDE74781F5F9}"/>
+              </a:ext>
+            </a:extLst>
+          </p:cNvPr>
+          <p:cNvCxnSpPr>
+            <a:stCxn id="588" idx="3"/>
+            <a:endCxn id="631" idx="0"/>
+          </p:cNvCxnSpPr>
+          <p:nvPr/>
+        </p:nvCxnSpPr>
+        <p:spPr>
+          <a:xfrm>
+            <a:off x="5340849" y="1969670"/>
+            <a:ext cx="1239486" cy="612302"/>
+          </a:xfrm>
+          <a:prstGeom prst="bentConnector2">
+            <a:avLst/>
+          </a:prstGeom>
+          <a:ln>
+            <a:tailEnd type="triangle"/>
+          </a:ln>
+        </p:spPr>
+        <p:style>
+          <a:lnRef idx="1">
+            <a:schemeClr val="accent1"/>
+          </a:lnRef>
+          <a:fillRef idx="0">
+            <a:schemeClr val="accent1"/>
+          </a:fillRef>
+          <a:effectRef idx="0">
+            <a:schemeClr val="accent1"/>
+          </a:effectRef>
+          <a:fontRef idx="minor">
+            <a:schemeClr val="tx1"/>
+          </a:fontRef>
+        </p:style>
+      </p:cxnSp>
+      <p:sp>
+        <p:nvSpPr>
+          <p:cNvPr id="595" name="ZoneTexte 594">
+            <a:extLst>
+              <a:ext uri="{FF2B5EF4-FFF2-40B4-BE49-F238E27FC236}">
+                <a16:creationId xmlns:a16="http://schemas.microsoft.com/office/drawing/2014/main" id="{4F50C0E6-9648-4B02-A235-071F9FD653A8}"/>
+              </a:ext>
+            </a:extLst>
+          </p:cNvPr>
+          <p:cNvSpPr txBox="1"/>
+          <p:nvPr/>
+        </p:nvSpPr>
+        <p:spPr>
+          <a:xfrm>
+            <a:off x="5782705" y="1686141"/>
+            <a:ext cx="487634" cy="338554"/>
+          </a:xfrm>
+          <a:prstGeom prst="rect">
+            <a:avLst/>
+          </a:prstGeom>
+          <a:noFill/>
+        </p:spPr>
+        <p:txBody>
+          <a:bodyPr wrap="none" rtlCol="0">
+            <a:spAutoFit/>
+          </a:bodyPr>
+          <a:lstStyle/>
+          <a:p>
+            <a:r>
+              <a:rPr lang="fr-FR" sz="1600" i="1" dirty="0"/>
+              <a:t>fit()</a:t>
+            </a:r>
+          </a:p>
+        </p:txBody>
+      </p:sp>
+      <p:sp>
+        <p:nvSpPr>
+          <p:cNvPr id="598" name="ZoneTexte 597">
+            <a:extLst>
+              <a:ext uri="{FF2B5EF4-FFF2-40B4-BE49-F238E27FC236}">
+                <a16:creationId xmlns:a16="http://schemas.microsoft.com/office/drawing/2014/main" id="{25DA31AF-C909-43E0-B9A2-A3B83D10C795}"/>
+              </a:ext>
+            </a:extLst>
+          </p:cNvPr>
+          <p:cNvSpPr txBox="1"/>
+          <p:nvPr/>
+        </p:nvSpPr>
+        <p:spPr>
+          <a:xfrm>
+            <a:off x="6270339" y="2311491"/>
+            <a:ext cx="668773" cy="215444"/>
+          </a:xfrm>
+          <a:prstGeom prst="rect">
+            <a:avLst/>
+          </a:prstGeom>
+          <a:noFill/>
+        </p:spPr>
+        <p:txBody>
+          <a:bodyPr wrap="none" rtlCol="0">
+            <a:spAutoFit/>
+          </a:bodyPr>
+          <a:lstStyle/>
+          <a:p>
+            <a:r>
+              <a:rPr lang="fr-FR" sz="800" i="1" dirty="0" err="1">
+                <a:solidFill>
+                  <a:schemeClr val="tx1">
+                    <a:lumMod val="50000"/>
+                    <a:lumOff val="50000"/>
+                  </a:schemeClr>
+                </a:solidFill>
+              </a:rPr>
+              <a:t>parameters</a:t>
+            </a:r>
+            <a:endParaRPr lang="fr-FR" sz="800" i="1" dirty="0">
+              <a:solidFill>
+                <a:schemeClr val="tx1">
+                  <a:lumMod val="50000"/>
+                  <a:lumOff val="50000"/>
+                </a:schemeClr>
+              </a:solidFill>
+            </a:endParaRPr>
+          </a:p>
+        </p:txBody>
+      </p:sp>
+      <p:pic>
+        <p:nvPicPr>
+          <p:cNvPr id="642" name="Image 641">
+            <a:extLst>
+              <a:ext uri="{FF2B5EF4-FFF2-40B4-BE49-F238E27FC236}">
+                <a16:creationId xmlns:a16="http://schemas.microsoft.com/office/drawing/2014/main" id="{52F355C6-6DCC-493C-8849-7CC5B05F6289}"/>
+              </a:ext>
+            </a:extLst>
+          </p:cNvPr>
+          <p:cNvPicPr>
+            <a:picLocks noChangeAspect="1"/>
+          </p:cNvPicPr>
+          <p:nvPr/>
+        </p:nvPicPr>
+        <p:blipFill>
+          <a:blip r:embed="rId2"/>
+          <a:stretch>
+            <a:fillRect/>
+          </a:stretch>
+        </p:blipFill>
+        <p:spPr>
+          <a:xfrm>
+            <a:off x="8411249" y="2516270"/>
+            <a:ext cx="1094498" cy="894850"/>
+          </a:xfrm>
+          <a:prstGeom prst="rect">
+            <a:avLst/>
+          </a:prstGeom>
+        </p:spPr>
+      </p:pic>
+      <p:cxnSp>
+        <p:nvCxnSpPr>
+          <p:cNvPr id="600" name="Connecteur droit avec flèche 599">
+            <a:extLst>
+              <a:ext uri="{FF2B5EF4-FFF2-40B4-BE49-F238E27FC236}">
+                <a16:creationId xmlns:a16="http://schemas.microsoft.com/office/drawing/2014/main" id="{2BA4A1D4-BE50-4656-B74A-9764DE09D053}"/>
+              </a:ext>
+            </a:extLst>
+          </p:cNvPr>
+          <p:cNvCxnSpPr>
+            <a:stCxn id="631" idx="3"/>
+            <a:endCxn id="642" idx="1"/>
+          </p:cNvCxnSpPr>
+          <p:nvPr/>
+        </p:nvCxnSpPr>
+        <p:spPr>
+          <a:xfrm>
+            <a:off x="7344312" y="2963695"/>
+            <a:ext cx="1066937" cy="0"/>
+          </a:xfrm>
+          <a:prstGeom prst="straightConnector1">
+            <a:avLst/>
+          </a:prstGeom>
+          <a:ln>
+            <a:tailEnd type="triangle"/>
+          </a:ln>
+        </p:spPr>
+        <p:style>
+          <a:lnRef idx="1">
+            <a:schemeClr val="accent1"/>
+          </a:lnRef>
+          <a:fillRef idx="0">
+            <a:schemeClr val="accent1"/>
+          </a:fillRef>
+          <a:effectRef idx="0">
+            <a:schemeClr val="accent1"/>
+          </a:effectRef>
+          <a:fontRef idx="minor">
+            <a:schemeClr val="tx1"/>
+          </a:fontRef>
+        </p:style>
+      </p:cxnSp>
+      <p:sp>
+        <p:nvSpPr>
+          <p:cNvPr id="645" name="Rectangle : coins arrondis 644">
+            <a:extLst>
+              <a:ext uri="{FF2B5EF4-FFF2-40B4-BE49-F238E27FC236}">
+                <a16:creationId xmlns:a16="http://schemas.microsoft.com/office/drawing/2014/main" id="{14A9210F-804C-4A82-925B-22A9C20F51CD}"/>
+              </a:ext>
+            </a:extLst>
+          </p:cNvPr>
+          <p:cNvSpPr/>
+          <p:nvPr/>
+        </p:nvSpPr>
+        <p:spPr>
+          <a:xfrm>
+            <a:off x="1470390" y="4101534"/>
+            <a:ext cx="1093966" cy="546603"/>
+          </a:xfrm>
+          <a:prstGeom prst="roundRect">
+            <a:avLst/>
+          </a:prstGeom>
+        </p:spPr>
+        <p:style>
+          <a:lnRef idx="1">
+            <a:schemeClr val="accent5"/>
+          </a:lnRef>
+          <a:fillRef idx="2">
+            <a:schemeClr val="accent5"/>
+          </a:fillRef>
+          <a:effectRef idx="1">
+            <a:schemeClr val="accent5"/>
+          </a:effectRef>
+          <a:fontRef idx="minor">
+            <a:schemeClr val="dk1"/>
+          </a:fontRef>
+        </p:style>
+        <p:txBody>
+          <a:bodyPr rtlCol="0" anchor="ctr"/>
+          <a:lstStyle/>
+          <a:p>
+            <a:pPr algn="ctr"/>
+            <a:r>
+              <a:rPr lang="fr-FR" sz="1400" dirty="0" err="1"/>
+              <a:t>Estimator</a:t>
+            </a:r>
+            <a:endParaRPr lang="fr-FR" sz="1400" dirty="0"/>
+          </a:p>
+        </p:txBody>
+      </p:sp>
+      <p:sp>
+        <p:nvSpPr>
+          <p:cNvPr id="646" name="Rectangle : coins arrondis 645">
+            <a:extLst>
+              <a:ext uri="{FF2B5EF4-FFF2-40B4-BE49-F238E27FC236}">
+                <a16:creationId xmlns:a16="http://schemas.microsoft.com/office/drawing/2014/main" id="{DADC8BD0-8485-49AB-B7BF-7C405DD9E9EF}"/>
+              </a:ext>
+            </a:extLst>
+          </p:cNvPr>
+          <p:cNvSpPr/>
+          <p:nvPr/>
+        </p:nvSpPr>
+        <p:spPr>
+          <a:xfrm>
+            <a:off x="2993386" y="4101534"/>
+            <a:ext cx="1093966" cy="546603"/>
+          </a:xfrm>
+          <a:prstGeom prst="roundRect">
+            <a:avLst/>
+          </a:prstGeom>
+        </p:spPr>
+        <p:style>
+          <a:lnRef idx="1">
+            <a:schemeClr val="accent5"/>
+          </a:lnRef>
+          <a:fillRef idx="2">
+            <a:schemeClr val="accent5"/>
+          </a:fillRef>
+          <a:effectRef idx="1">
+            <a:schemeClr val="accent5"/>
+          </a:effectRef>
+          <a:fontRef idx="minor">
+            <a:schemeClr val="dk1"/>
+          </a:fontRef>
+        </p:style>
+        <p:txBody>
+          <a:bodyPr rtlCol="0" anchor="ctr"/>
+          <a:lstStyle/>
+          <a:p>
+            <a:pPr algn="ctr"/>
+            <a:r>
+              <a:rPr lang="fr-FR" sz="1400" dirty="0" err="1"/>
+              <a:t>Estimator</a:t>
+            </a:r>
+            <a:endParaRPr lang="fr-FR" sz="1400" dirty="0"/>
+          </a:p>
+        </p:txBody>
+      </p:sp>
+      <p:cxnSp>
+        <p:nvCxnSpPr>
+          <p:cNvPr id="602" name="Connecteur droit avec flèche 601">
+            <a:extLst>
+              <a:ext uri="{FF2B5EF4-FFF2-40B4-BE49-F238E27FC236}">
+                <a16:creationId xmlns:a16="http://schemas.microsoft.com/office/drawing/2014/main" id="{DFB6EB42-0ABE-4195-8FC8-6442CD82FA1A}"/>
+              </a:ext>
+            </a:extLst>
+          </p:cNvPr>
+          <p:cNvCxnSpPr>
+            <a:stCxn id="645" idx="3"/>
+            <a:endCxn id="646" idx="1"/>
+          </p:cNvCxnSpPr>
+          <p:nvPr/>
+        </p:nvCxnSpPr>
+        <p:spPr>
+          <a:xfrm>
+            <a:off x="2564356" y="4374836"/>
+            <a:ext cx="429030" cy="0"/>
+          </a:xfrm>
+          <a:prstGeom prst="straightConnector1">
+            <a:avLst/>
+          </a:prstGeom>
+          <a:ln>
+            <a:tailEnd type="triangle"/>
+          </a:ln>
+        </p:spPr>
+        <p:style>
+          <a:lnRef idx="1">
+            <a:schemeClr val="accent1"/>
+          </a:lnRef>
+          <a:fillRef idx="0">
+            <a:schemeClr val="accent1"/>
+          </a:fillRef>
+          <a:effectRef idx="0">
+            <a:schemeClr val="accent1"/>
+          </a:effectRef>
+          <a:fontRef idx="minor">
+            <a:schemeClr val="tx1"/>
+          </a:fontRef>
+        </p:style>
+      </p:cxnSp>
+      <p:sp>
+        <p:nvSpPr>
+          <p:cNvPr id="649" name="Rectangle : coins arrondis 648">
+            <a:extLst>
+              <a:ext uri="{FF2B5EF4-FFF2-40B4-BE49-F238E27FC236}">
+                <a16:creationId xmlns:a16="http://schemas.microsoft.com/office/drawing/2014/main" id="{2E6989A3-6553-4454-84C1-466E8A013D23}"/>
+              </a:ext>
+            </a:extLst>
+          </p:cNvPr>
+          <p:cNvSpPr/>
+          <p:nvPr/>
+        </p:nvSpPr>
+        <p:spPr>
+          <a:xfrm>
+            <a:off x="5358805" y="4101534"/>
+            <a:ext cx="1093966" cy="546603"/>
+          </a:xfrm>
+          <a:prstGeom prst="roundRect">
+            <a:avLst/>
+          </a:prstGeom>
+        </p:spPr>
+        <p:style>
+          <a:lnRef idx="1">
+            <a:schemeClr val="accent5"/>
+          </a:lnRef>
+          <a:fillRef idx="2">
+            <a:schemeClr val="accent5"/>
+          </a:fillRef>
+          <a:effectRef idx="1">
+            <a:schemeClr val="accent5"/>
+          </a:effectRef>
+          <a:fontRef idx="minor">
+            <a:schemeClr val="dk1"/>
+          </a:fontRef>
+        </p:style>
+        <p:txBody>
+          <a:bodyPr rtlCol="0" anchor="ctr"/>
+          <a:lstStyle/>
+          <a:p>
+            <a:pPr algn="ctr"/>
+            <a:r>
+              <a:rPr lang="fr-FR" sz="1400" dirty="0" err="1"/>
+              <a:t>Estimator</a:t>
+            </a:r>
+            <a:endParaRPr lang="fr-FR" sz="1400" dirty="0"/>
+          </a:p>
+        </p:txBody>
+      </p:sp>
+      <p:cxnSp>
+        <p:nvCxnSpPr>
+          <p:cNvPr id="604" name="Connecteur droit avec flèche 603">
+            <a:extLst>
+              <a:ext uri="{FF2B5EF4-FFF2-40B4-BE49-F238E27FC236}">
+                <a16:creationId xmlns:a16="http://schemas.microsoft.com/office/drawing/2014/main" id="{EF05CB0A-5B9E-4BE2-A276-06833E3F9400}"/>
+              </a:ext>
+            </a:extLst>
+          </p:cNvPr>
+          <p:cNvCxnSpPr>
+            <a:cxnSpLocks/>
+          </p:cNvCxnSpPr>
+          <p:nvPr/>
+        </p:nvCxnSpPr>
+        <p:spPr>
+          <a:xfrm>
+            <a:off x="4085589" y="4377307"/>
+            <a:ext cx="429030" cy="0"/>
+          </a:xfrm>
+          <a:prstGeom prst="straightConnector1">
+            <a:avLst/>
+          </a:prstGeom>
+          <a:ln>
+            <a:tailEnd type="triangle"/>
+          </a:ln>
+        </p:spPr>
+        <p:style>
+          <a:lnRef idx="1">
+            <a:schemeClr val="accent1"/>
+          </a:lnRef>
+          <a:fillRef idx="0">
+            <a:schemeClr val="accent1"/>
+          </a:fillRef>
+          <a:effectRef idx="0">
+            <a:schemeClr val="accent1"/>
+          </a:effectRef>
+          <a:fontRef idx="minor">
+            <a:schemeClr val="tx1"/>
+          </a:fontRef>
+        </p:style>
+      </p:cxnSp>
+      <p:cxnSp>
+        <p:nvCxnSpPr>
+          <p:cNvPr id="654" name="Connecteur droit avec flèche 653">
+            <a:extLst>
+              <a:ext uri="{FF2B5EF4-FFF2-40B4-BE49-F238E27FC236}">
+                <a16:creationId xmlns:a16="http://schemas.microsoft.com/office/drawing/2014/main" id="{5D2EFC3F-7ED3-4C11-BB33-8B1209640488}"/>
+              </a:ext>
+            </a:extLst>
+          </p:cNvPr>
+          <p:cNvCxnSpPr>
+            <a:cxnSpLocks/>
+          </p:cNvCxnSpPr>
+          <p:nvPr/>
+        </p:nvCxnSpPr>
+        <p:spPr>
+          <a:xfrm>
+            <a:off x="4929775" y="4374835"/>
+            <a:ext cx="429030" cy="0"/>
+          </a:xfrm>
+          <a:prstGeom prst="straightConnector1">
+            <a:avLst/>
+          </a:prstGeom>
+          <a:ln>
+            <a:tailEnd type="triangle"/>
+          </a:ln>
+        </p:spPr>
+        <p:style>
+          <a:lnRef idx="1">
+            <a:schemeClr val="accent1"/>
+          </a:lnRef>
+          <a:fillRef idx="0">
+            <a:schemeClr val="accent1"/>
+          </a:fillRef>
+          <a:effectRef idx="0">
+            <a:schemeClr val="accent1"/>
+          </a:effectRef>
+          <a:fontRef idx="minor">
+            <a:schemeClr val="tx1"/>
+          </a:fontRef>
+        </p:style>
+      </p:cxnSp>
+      <p:sp>
+        <p:nvSpPr>
+          <p:cNvPr id="607" name="ZoneTexte 606">
+            <a:extLst>
+              <a:ext uri="{FF2B5EF4-FFF2-40B4-BE49-F238E27FC236}">
+                <a16:creationId xmlns:a16="http://schemas.microsoft.com/office/drawing/2014/main" id="{8804EEF8-1832-4328-969F-E139A8F831C3}"/>
+              </a:ext>
+            </a:extLst>
+          </p:cNvPr>
+          <p:cNvSpPr txBox="1"/>
+          <p:nvPr/>
+        </p:nvSpPr>
+        <p:spPr>
+          <a:xfrm>
+            <a:off x="4550515" y="4146065"/>
+            <a:ext cx="343364" cy="369332"/>
+          </a:xfrm>
+          <a:prstGeom prst="rect">
+            <a:avLst/>
+          </a:prstGeom>
+          <a:noFill/>
+        </p:spPr>
+        <p:txBody>
+          <a:bodyPr wrap="none" rtlCol="0">
+            <a:spAutoFit/>
+          </a:bodyPr>
+          <a:lstStyle/>
+          <a:p>
+            <a:r>
+              <a:rPr lang="fr-FR" dirty="0"/>
+              <a:t>…</a:t>
+            </a:r>
+          </a:p>
+        </p:txBody>
+      </p:sp>
+      <p:sp>
+        <p:nvSpPr>
+          <p:cNvPr id="656" name="Rectangle : coins arrondis 655">
+            <a:extLst>
+              <a:ext uri="{FF2B5EF4-FFF2-40B4-BE49-F238E27FC236}">
+                <a16:creationId xmlns:a16="http://schemas.microsoft.com/office/drawing/2014/main" id="{9C8CDDD8-ED4D-4431-8E56-2751BA980695}"/>
+              </a:ext>
+            </a:extLst>
+          </p:cNvPr>
+          <p:cNvSpPr/>
+          <p:nvPr/>
+        </p:nvSpPr>
+        <p:spPr>
+          <a:xfrm>
+            <a:off x="5214200" y="5532885"/>
+            <a:ext cx="1093966" cy="546603"/>
+          </a:xfrm>
+          <a:prstGeom prst="roundRect">
+            <a:avLst/>
+          </a:prstGeom>
+        </p:spPr>
+        <p:style>
+          <a:lnRef idx="1">
+            <a:schemeClr val="accent6"/>
+          </a:lnRef>
+          <a:fillRef idx="2">
+            <a:schemeClr val="accent6"/>
+          </a:fillRef>
+          <a:effectRef idx="1">
+            <a:schemeClr val="accent6"/>
+          </a:effectRef>
+          <a:fontRef idx="minor">
+            <a:schemeClr val="dk1"/>
+          </a:fontRef>
+        </p:style>
+        <p:txBody>
+          <a:bodyPr rtlCol="0" anchor="ctr"/>
+          <a:lstStyle/>
+          <a:p>
+            <a:pPr algn="ctr"/>
+            <a:r>
+              <a:rPr lang="fr-FR" sz="1200" dirty="0"/>
+              <a:t>Transformer</a:t>
+            </a:r>
+          </a:p>
+        </p:txBody>
+      </p:sp>
+      <p:sp>
+        <p:nvSpPr>
+          <p:cNvPr id="657" name="Rectangle : coins arrondis 656">
+            <a:extLst>
+              <a:ext uri="{FF2B5EF4-FFF2-40B4-BE49-F238E27FC236}">
+                <a16:creationId xmlns:a16="http://schemas.microsoft.com/office/drawing/2014/main" id="{F4766EC1-D9FB-4B50-AC63-596A5E34EC33}"/>
+              </a:ext>
+            </a:extLst>
+          </p:cNvPr>
+          <p:cNvSpPr/>
+          <p:nvPr/>
+        </p:nvSpPr>
+        <p:spPr>
+          <a:xfrm>
+            <a:off x="6737196" y="5532885"/>
+            <a:ext cx="1093966" cy="546603"/>
+          </a:xfrm>
+          <a:prstGeom prst="roundRect">
+            <a:avLst/>
+          </a:prstGeom>
+        </p:spPr>
+        <p:style>
+          <a:lnRef idx="1">
+            <a:schemeClr val="accent6"/>
+          </a:lnRef>
+          <a:fillRef idx="2">
+            <a:schemeClr val="accent6"/>
+          </a:fillRef>
+          <a:effectRef idx="1">
+            <a:schemeClr val="accent6"/>
+          </a:effectRef>
+          <a:fontRef idx="minor">
+            <a:schemeClr val="dk1"/>
+          </a:fontRef>
+        </p:style>
+        <p:txBody>
+          <a:bodyPr rtlCol="0" anchor="ctr"/>
+          <a:lstStyle/>
+          <a:p>
+            <a:pPr algn="ctr"/>
+            <a:r>
+              <a:rPr lang="fr-FR" sz="1200" dirty="0"/>
+              <a:t>Transformer</a:t>
+            </a:r>
+          </a:p>
+        </p:txBody>
+      </p:sp>
+      <p:cxnSp>
+        <p:nvCxnSpPr>
+          <p:cNvPr id="664" name="Connecteur droit avec flèche 663">
+            <a:extLst>
+              <a:ext uri="{FF2B5EF4-FFF2-40B4-BE49-F238E27FC236}">
+                <a16:creationId xmlns:a16="http://schemas.microsoft.com/office/drawing/2014/main" id="{8D9909BC-96AA-45E4-A28F-F63FA633626A}"/>
+              </a:ext>
+            </a:extLst>
+          </p:cNvPr>
+          <p:cNvCxnSpPr>
+            <a:stCxn id="656" idx="3"/>
+            <a:endCxn id="657" idx="1"/>
+          </p:cNvCxnSpPr>
+          <p:nvPr/>
+        </p:nvCxnSpPr>
+        <p:spPr>
+          <a:xfrm>
+            <a:off x="6308166" y="5806187"/>
+            <a:ext cx="429030" cy="0"/>
+          </a:xfrm>
+          <a:prstGeom prst="straightConnector1">
+            <a:avLst/>
+          </a:prstGeom>
+          <a:ln>
+            <a:tailEnd type="triangle"/>
+          </a:ln>
+        </p:spPr>
+        <p:style>
+          <a:lnRef idx="1">
+            <a:schemeClr val="accent1"/>
+          </a:lnRef>
+          <a:fillRef idx="0">
+            <a:schemeClr val="accent1"/>
+          </a:fillRef>
+          <a:effectRef idx="0">
+            <a:schemeClr val="accent1"/>
+          </a:effectRef>
+          <a:fontRef idx="minor">
+            <a:schemeClr val="tx1"/>
+          </a:fontRef>
+        </p:style>
+      </p:cxnSp>
+      <p:sp>
+        <p:nvSpPr>
+          <p:cNvPr id="665" name="Rectangle : coins arrondis 664">
+            <a:extLst>
+              <a:ext uri="{FF2B5EF4-FFF2-40B4-BE49-F238E27FC236}">
+                <a16:creationId xmlns:a16="http://schemas.microsoft.com/office/drawing/2014/main" id="{51666C73-4BB0-4A04-B8F9-D602830E9250}"/>
+              </a:ext>
+            </a:extLst>
+          </p:cNvPr>
+          <p:cNvSpPr/>
+          <p:nvPr/>
+        </p:nvSpPr>
+        <p:spPr>
+          <a:xfrm>
+            <a:off x="9102615" y="5532885"/>
+            <a:ext cx="1093966" cy="546603"/>
+          </a:xfrm>
+          <a:prstGeom prst="roundRect">
+            <a:avLst/>
+          </a:prstGeom>
+        </p:spPr>
+        <p:style>
+          <a:lnRef idx="1">
+            <a:schemeClr val="accent6"/>
+          </a:lnRef>
+          <a:fillRef idx="2">
+            <a:schemeClr val="accent6"/>
+          </a:fillRef>
+          <a:effectRef idx="1">
+            <a:schemeClr val="accent6"/>
+          </a:effectRef>
+          <a:fontRef idx="minor">
+            <a:schemeClr val="dk1"/>
+          </a:fontRef>
+        </p:style>
+        <p:txBody>
+          <a:bodyPr rtlCol="0" anchor="ctr"/>
+          <a:lstStyle/>
+          <a:p>
+            <a:pPr algn="ctr"/>
+            <a:r>
+              <a:rPr lang="fr-FR" sz="1200" dirty="0"/>
+              <a:t>Transformer</a:t>
+            </a:r>
+          </a:p>
+        </p:txBody>
+      </p:sp>
+      <p:cxnSp>
+        <p:nvCxnSpPr>
+          <p:cNvPr id="666" name="Connecteur droit avec flèche 665">
+            <a:extLst>
+              <a:ext uri="{FF2B5EF4-FFF2-40B4-BE49-F238E27FC236}">
+                <a16:creationId xmlns:a16="http://schemas.microsoft.com/office/drawing/2014/main" id="{EA54F460-C1FB-4C79-997D-E3CFA7ABDDC6}"/>
+              </a:ext>
+            </a:extLst>
+          </p:cNvPr>
+          <p:cNvCxnSpPr>
+            <a:cxnSpLocks/>
+          </p:cNvCxnSpPr>
+          <p:nvPr/>
+        </p:nvCxnSpPr>
+        <p:spPr>
+          <a:xfrm>
+            <a:off x="7829399" y="5808658"/>
+            <a:ext cx="429030" cy="0"/>
+          </a:xfrm>
+          <a:prstGeom prst="straightConnector1">
+            <a:avLst/>
+          </a:prstGeom>
+          <a:ln>
+            <a:tailEnd type="triangle"/>
+          </a:ln>
+        </p:spPr>
+        <p:style>
+          <a:lnRef idx="1">
+            <a:schemeClr val="accent1"/>
+          </a:lnRef>
+          <a:fillRef idx="0">
+            <a:schemeClr val="accent1"/>
+          </a:fillRef>
+          <a:effectRef idx="0">
+            <a:schemeClr val="accent1"/>
+          </a:effectRef>
+          <a:fontRef idx="minor">
+            <a:schemeClr val="tx1"/>
+          </a:fontRef>
+        </p:style>
+      </p:cxnSp>
+      <p:cxnSp>
+        <p:nvCxnSpPr>
+          <p:cNvPr id="667" name="Connecteur droit avec flèche 666">
+            <a:extLst>
+              <a:ext uri="{FF2B5EF4-FFF2-40B4-BE49-F238E27FC236}">
+                <a16:creationId xmlns:a16="http://schemas.microsoft.com/office/drawing/2014/main" id="{9445612B-6809-4C70-9C95-5705E518CCBF}"/>
+              </a:ext>
+            </a:extLst>
+          </p:cNvPr>
+          <p:cNvCxnSpPr>
+            <a:cxnSpLocks/>
+          </p:cNvCxnSpPr>
+          <p:nvPr/>
+        </p:nvCxnSpPr>
+        <p:spPr>
+          <a:xfrm>
+            <a:off x="8673585" y="5806186"/>
+            <a:ext cx="429030" cy="0"/>
+          </a:xfrm>
+          <a:prstGeom prst="straightConnector1">
+            <a:avLst/>
+          </a:prstGeom>
+          <a:ln>
+            <a:tailEnd type="triangle"/>
+          </a:ln>
+        </p:spPr>
+        <p:style>
+          <a:lnRef idx="1">
+            <a:schemeClr val="accent1"/>
+          </a:lnRef>
+          <a:fillRef idx="0">
+            <a:schemeClr val="accent1"/>
+          </a:fillRef>
+          <a:effectRef idx="0">
+            <a:schemeClr val="accent1"/>
+          </a:effectRef>
+          <a:fontRef idx="minor">
+            <a:schemeClr val="tx1"/>
+          </a:fontRef>
+        </p:style>
+      </p:cxnSp>
+      <p:sp>
+        <p:nvSpPr>
+          <p:cNvPr id="668" name="ZoneTexte 667">
+            <a:extLst>
+              <a:ext uri="{FF2B5EF4-FFF2-40B4-BE49-F238E27FC236}">
+                <a16:creationId xmlns:a16="http://schemas.microsoft.com/office/drawing/2014/main" id="{1A1FB2E4-CB3F-4720-9227-914F0269B7B4}"/>
+              </a:ext>
+            </a:extLst>
+          </p:cNvPr>
+          <p:cNvSpPr txBox="1"/>
+          <p:nvPr/>
+        </p:nvSpPr>
+        <p:spPr>
+          <a:xfrm>
+            <a:off x="8294325" y="5577416"/>
+            <a:ext cx="343364" cy="369332"/>
+          </a:xfrm>
+          <a:prstGeom prst="rect">
+            <a:avLst/>
+          </a:prstGeom>
+          <a:noFill/>
+        </p:spPr>
+        <p:txBody>
+          <a:bodyPr wrap="none" rtlCol="0">
+            <a:spAutoFit/>
+          </a:bodyPr>
+          <a:lstStyle/>
+          <a:p>
+            <a:r>
+              <a:rPr lang="fr-FR" dirty="0"/>
+              <a:t>…</a:t>
+            </a:r>
+          </a:p>
+        </p:txBody>
+      </p:sp>
+      <p:sp>
+        <p:nvSpPr>
+          <p:cNvPr id="669" name="ZoneTexte 668">
+            <a:extLst>
+              <a:ext uri="{FF2B5EF4-FFF2-40B4-BE49-F238E27FC236}">
+                <a16:creationId xmlns:a16="http://schemas.microsoft.com/office/drawing/2014/main" id="{59AA5D8C-3F1F-4D13-A79D-228D657C80B2}"/>
+              </a:ext>
+            </a:extLst>
+          </p:cNvPr>
+          <p:cNvSpPr txBox="1"/>
+          <p:nvPr/>
+        </p:nvSpPr>
+        <p:spPr>
+          <a:xfrm>
+            <a:off x="7424709" y="2882138"/>
+            <a:ext cx="889987" cy="338554"/>
+          </a:xfrm>
+          <a:prstGeom prst="rect">
+            <a:avLst/>
+          </a:prstGeom>
+          <a:noFill/>
+        </p:spPr>
+        <p:txBody>
+          <a:bodyPr wrap="none" rtlCol="0">
+            <a:spAutoFit/>
+          </a:bodyPr>
+          <a:lstStyle/>
+          <a:p>
+            <a:r>
+              <a:rPr lang="fr-FR" sz="1600" i="1" dirty="0" err="1"/>
+              <a:t>predict</a:t>
+            </a:r>
+            <a:r>
+              <a:rPr lang="fr-FR" sz="1600" i="1" dirty="0"/>
+              <a:t>()</a:t>
+            </a:r>
+          </a:p>
+        </p:txBody>
+      </p:sp>
+      <p:sp>
+        <p:nvSpPr>
+          <p:cNvPr id="610" name="Rectangle 609">
+            <a:extLst>
+              <a:ext uri="{FF2B5EF4-FFF2-40B4-BE49-F238E27FC236}">
+                <a16:creationId xmlns:a16="http://schemas.microsoft.com/office/drawing/2014/main" id="{0D5F8D97-579E-4B49-9ECE-A8F7AFC5315F}"/>
+              </a:ext>
+            </a:extLst>
+          </p:cNvPr>
+          <p:cNvSpPr/>
+          <p:nvPr/>
+        </p:nvSpPr>
+        <p:spPr>
+          <a:xfrm>
+            <a:off x="1345351" y="3944460"/>
+            <a:ext cx="5234984" cy="880961"/>
+          </a:xfrm>
+          <a:prstGeom prst="rect">
+            <a:avLst/>
+          </a:prstGeom>
+          <a:solidFill>
+            <a:schemeClr val="accent1">
+              <a:alpha val="0"/>
+            </a:schemeClr>
+          </a:solidFill>
+          <a:ln>
+            <a:prstDash val="dash"/>
+          </a:ln>
+        </p:spPr>
+        <p:style>
+          <a:lnRef idx="2">
+            <a:schemeClr val="accent1">
+              <a:shade val="50000"/>
+            </a:schemeClr>
+          </a:lnRef>
+          <a:fillRef idx="1">
+            <a:schemeClr val="accent1"/>
+          </a:fillRef>
+          <a:effectRef idx="0">
+            <a:schemeClr val="accent1"/>
+          </a:effectRef>
+          <a:fontRef idx="minor">
+            <a:schemeClr val="lt1"/>
+          </a:fontRef>
+        </p:style>
+        <p:txBody>
+          <a:bodyPr rtlCol="0" anchor="ctr"/>
+          <a:lstStyle/>
+          <a:p>
+            <a:pPr algn="ctr"/>
+            <a:endParaRPr lang="fr-FR"/>
+          </a:p>
+        </p:txBody>
+      </p:sp>
+      <p:sp>
+        <p:nvSpPr>
+          <p:cNvPr id="673" name="Rectangle 672">
+            <a:extLst>
+              <a:ext uri="{FF2B5EF4-FFF2-40B4-BE49-F238E27FC236}">
+                <a16:creationId xmlns:a16="http://schemas.microsoft.com/office/drawing/2014/main" id="{1CB8BD6A-CC8D-494D-92C4-B60106331EFB}"/>
+              </a:ext>
+            </a:extLst>
+          </p:cNvPr>
+          <p:cNvSpPr/>
+          <p:nvPr/>
+        </p:nvSpPr>
+        <p:spPr>
+          <a:xfrm>
+            <a:off x="5092696" y="5365705"/>
+            <a:ext cx="5234984" cy="880961"/>
+          </a:xfrm>
+          <a:prstGeom prst="rect">
+            <a:avLst/>
+          </a:prstGeom>
+          <a:solidFill>
+            <a:schemeClr val="accent1">
+              <a:alpha val="0"/>
+            </a:schemeClr>
+          </a:solidFill>
+          <a:ln>
+            <a:prstDash val="dash"/>
+          </a:ln>
+        </p:spPr>
+        <p:style>
+          <a:lnRef idx="2">
+            <a:schemeClr val="accent1">
+              <a:shade val="50000"/>
+            </a:schemeClr>
+          </a:lnRef>
+          <a:fillRef idx="1">
+            <a:schemeClr val="accent1"/>
+          </a:fillRef>
+          <a:effectRef idx="0">
+            <a:schemeClr val="accent1"/>
+          </a:effectRef>
+          <a:fontRef idx="minor">
+            <a:schemeClr val="lt1"/>
+          </a:fontRef>
+        </p:style>
+        <p:txBody>
+          <a:bodyPr rtlCol="0" anchor="ctr"/>
+          <a:lstStyle/>
+          <a:p>
+            <a:pPr algn="ctr"/>
+            <a:endParaRPr lang="fr-FR"/>
+          </a:p>
+        </p:txBody>
+      </p:sp>
+      <p:cxnSp>
+        <p:nvCxnSpPr>
+          <p:cNvPr id="617" name="Connecteur : en angle 616">
+            <a:extLst>
+              <a:ext uri="{FF2B5EF4-FFF2-40B4-BE49-F238E27FC236}">
+                <a16:creationId xmlns:a16="http://schemas.microsoft.com/office/drawing/2014/main" id="{56A29C64-9225-4660-9519-73DEC5F9D828}"/>
+              </a:ext>
+            </a:extLst>
+          </p:cNvPr>
+          <p:cNvCxnSpPr>
+            <a:stCxn id="610" idx="3"/>
+            <a:endCxn id="673" idx="0"/>
+          </p:cNvCxnSpPr>
+          <p:nvPr/>
+        </p:nvCxnSpPr>
+        <p:spPr>
+          <a:xfrm>
+            <a:off x="6580335" y="4384941"/>
+            <a:ext cx="1129853" cy="980764"/>
+          </a:xfrm>
+          <a:prstGeom prst="bentConnector2">
+            <a:avLst/>
+          </a:prstGeom>
+          <a:ln>
+            <a:tailEnd type="triangle"/>
+          </a:ln>
+        </p:spPr>
+        <p:style>
+          <a:lnRef idx="1">
+            <a:schemeClr val="accent1"/>
+          </a:lnRef>
+          <a:fillRef idx="0">
+            <a:schemeClr val="accent1"/>
+          </a:fillRef>
+          <a:effectRef idx="0">
+            <a:schemeClr val="accent1"/>
+          </a:effectRef>
+          <a:fontRef idx="minor">
+            <a:schemeClr val="tx1"/>
+          </a:fontRef>
+        </p:style>
+      </p:cxnSp>
+      <p:sp>
+        <p:nvSpPr>
+          <p:cNvPr id="674" name="ZoneTexte 673">
+            <a:extLst>
+              <a:ext uri="{FF2B5EF4-FFF2-40B4-BE49-F238E27FC236}">
+                <a16:creationId xmlns:a16="http://schemas.microsoft.com/office/drawing/2014/main" id="{27F4315C-863F-4C32-A375-FA890BB2BD41}"/>
+              </a:ext>
+            </a:extLst>
+          </p:cNvPr>
+          <p:cNvSpPr txBox="1"/>
+          <p:nvPr/>
+        </p:nvSpPr>
+        <p:spPr>
+          <a:xfrm>
+            <a:off x="7007435" y="4090938"/>
+            <a:ext cx="487634" cy="338554"/>
+          </a:xfrm>
+          <a:prstGeom prst="rect">
+            <a:avLst/>
+          </a:prstGeom>
+          <a:noFill/>
+        </p:spPr>
+        <p:txBody>
+          <a:bodyPr wrap="none" rtlCol="0">
+            <a:spAutoFit/>
+          </a:bodyPr>
+          <a:lstStyle/>
+          <a:p>
+            <a:r>
+              <a:rPr lang="fr-FR" sz="1600" i="1" dirty="0"/>
+              <a:t>fit()</a:t>
+            </a:r>
+          </a:p>
+        </p:txBody>
+      </p:sp>
+      <p:cxnSp>
+        <p:nvCxnSpPr>
+          <p:cNvPr id="675" name="Connecteur droit avec flèche 674">
+            <a:extLst>
+              <a:ext uri="{FF2B5EF4-FFF2-40B4-BE49-F238E27FC236}">
+                <a16:creationId xmlns:a16="http://schemas.microsoft.com/office/drawing/2014/main" id="{B92A383F-E9A6-43FE-A264-151501A14CE8}"/>
+              </a:ext>
+            </a:extLst>
+          </p:cNvPr>
+          <p:cNvCxnSpPr/>
+          <p:nvPr/>
+        </p:nvCxnSpPr>
+        <p:spPr>
+          <a:xfrm>
+            <a:off x="10210757" y="5812634"/>
+            <a:ext cx="1066937" cy="0"/>
+          </a:xfrm>
+          <a:prstGeom prst="straightConnector1">
+            <a:avLst/>
+          </a:prstGeom>
+          <a:ln>
+            <a:tailEnd type="triangle"/>
+          </a:ln>
+        </p:spPr>
+        <p:style>
+          <a:lnRef idx="1">
+            <a:schemeClr val="accent1"/>
+          </a:lnRef>
+          <a:fillRef idx="0">
+            <a:schemeClr val="accent1"/>
+          </a:fillRef>
+          <a:effectRef idx="0">
+            <a:schemeClr val="accent1"/>
+          </a:effectRef>
+          <a:fontRef idx="minor">
+            <a:schemeClr val="tx1"/>
+          </a:fontRef>
+        </p:style>
+      </p:cxnSp>
+      <p:sp>
+        <p:nvSpPr>
+          <p:cNvPr id="676" name="ZoneTexte 675">
+            <a:extLst>
+              <a:ext uri="{FF2B5EF4-FFF2-40B4-BE49-F238E27FC236}">
+                <a16:creationId xmlns:a16="http://schemas.microsoft.com/office/drawing/2014/main" id="{C5A95A07-684D-4929-9EAA-E92FF9EF0E9D}"/>
+              </a:ext>
+            </a:extLst>
+          </p:cNvPr>
+          <p:cNvSpPr txBox="1"/>
+          <p:nvPr/>
+        </p:nvSpPr>
+        <p:spPr>
+          <a:xfrm>
+            <a:off x="10291154" y="5731077"/>
+            <a:ext cx="889987" cy="338554"/>
+          </a:xfrm>
+          <a:prstGeom prst="rect">
+            <a:avLst/>
+          </a:prstGeom>
+          <a:noFill/>
+        </p:spPr>
+        <p:txBody>
+          <a:bodyPr wrap="none" rtlCol="0">
+            <a:spAutoFit/>
+          </a:bodyPr>
+          <a:lstStyle/>
+          <a:p>
+            <a:r>
+              <a:rPr lang="fr-FR" sz="1600" i="1" dirty="0" err="1"/>
+              <a:t>predict</a:t>
+            </a:r>
+            <a:r>
+              <a:rPr lang="fr-FR" sz="1600" i="1" dirty="0"/>
+              <a:t>()</a:t>
+            </a:r>
+          </a:p>
+        </p:txBody>
+      </p:sp>
+      <p:sp>
+        <p:nvSpPr>
+          <p:cNvPr id="618" name="ZoneTexte 617">
+            <a:extLst>
+              <a:ext uri="{FF2B5EF4-FFF2-40B4-BE49-F238E27FC236}">
+                <a16:creationId xmlns:a16="http://schemas.microsoft.com/office/drawing/2014/main" id="{815ABD41-1B93-43C1-AB11-712D3683C56F}"/>
+              </a:ext>
+            </a:extLst>
+          </p:cNvPr>
+          <p:cNvSpPr txBox="1"/>
+          <p:nvPr/>
+        </p:nvSpPr>
+        <p:spPr>
+          <a:xfrm>
+            <a:off x="1228653" y="3617347"/>
+            <a:ext cx="936475" cy="369332"/>
+          </a:xfrm>
+          <a:prstGeom prst="rect">
+            <a:avLst/>
+          </a:prstGeom>
+          <a:noFill/>
+        </p:spPr>
+        <p:txBody>
+          <a:bodyPr wrap="none" rtlCol="0">
+            <a:spAutoFit/>
+          </a:bodyPr>
+          <a:lstStyle/>
+          <a:p>
+            <a:r>
+              <a:rPr lang="fr-FR" dirty="0"/>
+              <a:t>Pipeline</a:t>
+            </a:r>
+          </a:p>
+        </p:txBody>
+      </p:sp>
+      <p:cxnSp>
+        <p:nvCxnSpPr>
+          <p:cNvPr id="620" name="Connecteur droit avec flèche 619">
+            <a:extLst>
+              <a:ext uri="{FF2B5EF4-FFF2-40B4-BE49-F238E27FC236}">
+                <a16:creationId xmlns:a16="http://schemas.microsoft.com/office/drawing/2014/main" id="{8EAB0854-63F5-4D6C-8077-D76A6A2D73C7}"/>
+              </a:ext>
+            </a:extLst>
+          </p:cNvPr>
+          <p:cNvCxnSpPr/>
+          <p:nvPr/>
+        </p:nvCxnSpPr>
+        <p:spPr>
+          <a:xfrm flipH="1">
+            <a:off x="9505747" y="2147299"/>
+            <a:ext cx="254702" cy="368971"/>
+          </a:xfrm>
+          <a:prstGeom prst="straightConnector1">
+            <a:avLst/>
+          </a:prstGeom>
+          <a:ln>
+            <a:tailEnd type="triangle"/>
+          </a:ln>
+        </p:spPr>
+        <p:style>
+          <a:lnRef idx="1">
+            <a:schemeClr val="accent1"/>
+          </a:lnRef>
+          <a:fillRef idx="0">
+            <a:schemeClr val="accent1"/>
+          </a:fillRef>
+          <a:effectRef idx="0">
+            <a:schemeClr val="accent1"/>
+          </a:effectRef>
+          <a:fontRef idx="minor">
+            <a:schemeClr val="tx1"/>
+          </a:fontRef>
+        </p:style>
+      </p:cxnSp>
+      <p:sp>
+        <p:nvSpPr>
+          <p:cNvPr id="621" name="ZoneTexte 620">
+            <a:extLst>
+              <a:ext uri="{FF2B5EF4-FFF2-40B4-BE49-F238E27FC236}">
+                <a16:creationId xmlns:a16="http://schemas.microsoft.com/office/drawing/2014/main" id="{1295C5AD-4088-43BA-814C-50B0E05BF374}"/>
+              </a:ext>
+            </a:extLst>
+          </p:cNvPr>
+          <p:cNvSpPr txBox="1"/>
+          <p:nvPr/>
+        </p:nvSpPr>
+        <p:spPr>
+          <a:xfrm>
+            <a:off x="9433960" y="1943739"/>
+            <a:ext cx="1063946" cy="276999"/>
+          </a:xfrm>
+          <a:prstGeom prst="rect">
+            <a:avLst/>
+          </a:prstGeom>
+          <a:noFill/>
+        </p:spPr>
+        <p:txBody>
+          <a:bodyPr wrap="none" rtlCol="0">
+            <a:spAutoFit/>
+          </a:bodyPr>
+          <a:lstStyle/>
+          <a:p>
+            <a:r>
+              <a:rPr lang="fr-FR" sz="1200" dirty="0"/>
+              <a:t>Extra </a:t>
+            </a:r>
+            <a:r>
+              <a:rPr lang="fr-FR" sz="1200" dirty="0" err="1"/>
+              <a:t>columns</a:t>
+            </a:r>
+            <a:endParaRPr lang="fr-FR" sz="1200" dirty="0"/>
+          </a:p>
+        </p:txBody>
+      </p:sp>
+      <p:pic>
+        <p:nvPicPr>
+          <p:cNvPr id="679" name="Image 678">
+            <a:extLst>
+              <a:ext uri="{FF2B5EF4-FFF2-40B4-BE49-F238E27FC236}">
+                <a16:creationId xmlns:a16="http://schemas.microsoft.com/office/drawing/2014/main" id="{DA97012B-F336-412C-8A7A-46D3953FD5D3}"/>
+              </a:ext>
+            </a:extLst>
+          </p:cNvPr>
+          <p:cNvPicPr>
+            <a:picLocks noChangeAspect="1"/>
+          </p:cNvPicPr>
+          <p:nvPr/>
+        </p:nvPicPr>
+        <p:blipFill>
+          <a:blip r:embed="rId2"/>
+          <a:stretch>
+            <a:fillRect/>
+          </a:stretch>
+        </p:blipFill>
+        <p:spPr>
+          <a:xfrm>
+            <a:off x="1614455" y="2516270"/>
+            <a:ext cx="1094498" cy="894850"/>
+          </a:xfrm>
+          <a:prstGeom prst="rect">
+            <a:avLst/>
+          </a:prstGeom>
+        </p:spPr>
+      </p:pic>
+      <p:cxnSp>
+        <p:nvCxnSpPr>
+          <p:cNvPr id="629" name="Connecteur droit avec flèche 628">
+            <a:extLst>
+              <a:ext uri="{FF2B5EF4-FFF2-40B4-BE49-F238E27FC236}">
+                <a16:creationId xmlns:a16="http://schemas.microsoft.com/office/drawing/2014/main" id="{E02B58AE-D7C0-4406-9DBD-1F4EBD7296CF}"/>
+              </a:ext>
+            </a:extLst>
+          </p:cNvPr>
+          <p:cNvCxnSpPr>
+            <a:stCxn id="679" idx="3"/>
+            <a:endCxn id="631" idx="1"/>
+          </p:cNvCxnSpPr>
+          <p:nvPr/>
+        </p:nvCxnSpPr>
+        <p:spPr>
+          <a:xfrm>
+            <a:off x="2708953" y="2963695"/>
+            <a:ext cx="3107405" cy="0"/>
+          </a:xfrm>
+          <a:prstGeom prst="straightConnector1">
+            <a:avLst/>
+          </a:prstGeom>
+          <a:ln>
+            <a:tailEnd type="triangle"/>
+          </a:ln>
+        </p:spPr>
+        <p:style>
+          <a:lnRef idx="1">
+            <a:schemeClr val="accent1"/>
+          </a:lnRef>
+          <a:fillRef idx="0">
+            <a:schemeClr val="accent1"/>
+          </a:fillRef>
+          <a:effectRef idx="0">
+            <a:schemeClr val="accent1"/>
+          </a:effectRef>
+          <a:fontRef idx="minor">
+            <a:schemeClr val="tx1"/>
+          </a:fontRef>
+        </p:style>
+      </p:cxnSp>
+    </p:spTree>
+    <p:extLst>
+      <p:ext uri="{BB962C8B-B14F-4D97-AF65-F5344CB8AC3E}">
+        <p14:creationId xmlns:p14="http://schemas.microsoft.com/office/powerpoint/2010/main" val="338862293"/>
+      </p:ext>
+    </p:extLst>
+  </p:cSld>
+  <p:clrMapOvr>
+    <a:masterClrMapping/>
+  </p:clrMapOvr>
+</p:sld>
+</file>
+
+<file path=ppt/slides/slide11.xml><?xml version="1.0" encoding="utf-8"?>
+<p:sld xmlns:a="http://schemas.openxmlformats.org/drawingml/2006/main" xmlns:r="http://schemas.openxmlformats.org/officeDocument/2006/relationships" xmlns:p="http://schemas.openxmlformats.org/presentationml/2006/main">
+  <p:cSld>
+    <p:spTree>
+      <p:nvGrpSpPr>
+        <p:cNvPr id="1" name=""/>
+        <p:cNvGrpSpPr/>
+        <p:nvPr/>
+      </p:nvGrpSpPr>
+      <p:grpSpPr>
+        <a:xfrm>
+          <a:off x="0" y="0"/>
+          <a:ext cx="0" cy="0"/>
+          <a:chOff x="0" y="0"/>
+          <a:chExt cx="0" cy="0"/>
+        </a:xfrm>
+      </p:grpSpPr>
+      <p:sp>
+        <p:nvSpPr>
           <p:cNvPr id="8" name="Rectangle 7">
             <a:extLst>
               <a:ext uri="{FF2B5EF4-FFF2-40B4-BE49-F238E27FC236}">
@@ -5490,7 +7103,7 @@
 </p:sld>
 </file>
 
-<file path=ppt/slides/slide11.xml><?xml version="1.0" encoding="utf-8"?>
+<file path=ppt/slides/slide12.xml><?xml version="1.0" encoding="utf-8"?>
 <p:sld xmlns:a="http://schemas.openxmlformats.org/drawingml/2006/main" xmlns:r="http://schemas.openxmlformats.org/officeDocument/2006/relationships" xmlns:p="http://schemas.openxmlformats.org/presentationml/2006/main">
   <p:cSld>
     <p:spTree>
@@ -6398,7 +8011,7 @@
 </p:sld>
 </file>
 
-<file path=ppt/slides/slide12.xml><?xml version="1.0" encoding="utf-8"?>
+<file path=ppt/slides/slide13.xml><?xml version="1.0" encoding="utf-8"?>
 <p:sld xmlns:a="http://schemas.openxmlformats.org/drawingml/2006/main" xmlns:r="http://schemas.openxmlformats.org/officeDocument/2006/relationships" xmlns:p="http://schemas.openxmlformats.org/presentationml/2006/main">
   <p:cSld>
     <p:spTree>
@@ -7827,7 +9440,7 @@
 </p:sld>
 </file>
 
-<file path=ppt/slides/slide13.xml><?xml version="1.0" encoding="utf-8"?>
+<file path=ppt/slides/slide14.xml><?xml version="1.0" encoding="utf-8"?>
 <p:sld xmlns:a="http://schemas.openxmlformats.org/drawingml/2006/main" xmlns:r="http://schemas.openxmlformats.org/officeDocument/2006/relationships" xmlns:p="http://schemas.openxmlformats.org/presentationml/2006/main">
   <p:cSld>
     <p:spTree>
@@ -8344,7 +9957,7 @@
 </p:sld>
 </file>
 
-<file path=ppt/slides/slide14.xml><?xml version="1.0" encoding="utf-8"?>
+<file path=ppt/slides/slide15.xml><?xml version="1.0" encoding="utf-8"?>
 <p:sld xmlns:a="http://schemas.openxmlformats.org/drawingml/2006/main" xmlns:r="http://schemas.openxmlformats.org/officeDocument/2006/relationships" xmlns:p="http://schemas.openxmlformats.org/presentationml/2006/main">
   <p:cSld>
     <p:spTree>
@@ -9272,7 +10885,7 @@
 </p:sld>
 </file>
 
-<file path=ppt/slides/slide15.xml><?xml version="1.0" encoding="utf-8"?>
+<file path=ppt/slides/slide16.xml><?xml version="1.0" encoding="utf-8"?>
 <p:sld xmlns:a="http://schemas.openxmlformats.org/drawingml/2006/main" xmlns:r="http://schemas.openxmlformats.org/officeDocument/2006/relationships" xmlns:p="http://schemas.openxmlformats.org/presentationml/2006/main">
   <p:cSld>
     <p:spTree>
@@ -9730,7 +11343,7 @@
 </p:sld>
 </file>
 
-<file path=ppt/slides/slide16.xml><?xml version="1.0" encoding="utf-8"?>
+<file path=ppt/slides/slide17.xml><?xml version="1.0" encoding="utf-8"?>
 <p:sld xmlns:a="http://schemas.openxmlformats.org/drawingml/2006/main" xmlns:r="http://schemas.openxmlformats.org/officeDocument/2006/relationships" xmlns:p="http://schemas.openxmlformats.org/presentationml/2006/main">
   <p:cSld>
     <p:spTree>
@@ -9836,7 +11449,7 @@
 </p:sld>
 </file>
 
-<file path=ppt/slides/slide17.xml><?xml version="1.0" encoding="utf-8"?>
+<file path=ppt/slides/slide18.xml><?xml version="1.0" encoding="utf-8"?>
 <p:sld xmlns:a="http://schemas.openxmlformats.org/drawingml/2006/main" xmlns:r="http://schemas.openxmlformats.org/officeDocument/2006/relationships" xmlns:p="http://schemas.openxmlformats.org/presentationml/2006/main">
   <p:cSld>
     <p:spTree>
@@ -10158,7 +11771,7 @@
 </p:sld>
 </file>
 
-<file path=ppt/slides/slide18.xml><?xml version="1.0" encoding="utf-8"?>
+<file path=ppt/slides/slide19.xml><?xml version="1.0" encoding="utf-8"?>
 <p:sld xmlns:a="http://schemas.openxmlformats.org/drawingml/2006/main" xmlns:r="http://schemas.openxmlformats.org/officeDocument/2006/relationships" xmlns:p="http://schemas.openxmlformats.org/presentationml/2006/main">
   <p:cSld>
     <p:spTree>
@@ -11124,939 +12737,179 @@
           <a:p>
             <a:pPr algn="l"/>
             <a:r>
+              <a:rPr lang="fr-FR" dirty="0"/>
+              <a:t>One </a:t>
+            </a:r>
+            <a:r>
               <a:rPr lang="fr-FR" dirty="0" err="1"/>
-              <a:t>What</a:t>
+              <a:t>word</a:t>
             </a:r>
             <a:r>
               <a:rPr lang="fr-FR" dirty="0"/>
-              <a:t> about </a:t>
+              <a:t> about MPI / </a:t>
             </a:r>
             <a:r>
               <a:rPr lang="fr-FR" dirty="0" err="1"/>
-              <a:t>these</a:t>
-            </a:r>
-            <a:r>
-              <a:rPr lang="fr-FR" dirty="0"/>
-              <a:t> </a:t>
-            </a:r>
-            <a:r>
-              <a:rPr lang="fr-FR" dirty="0" err="1"/>
-              <a:t>ones</a:t>
-            </a:r>
-            <a:r>
-              <a:rPr lang="fr-FR" dirty="0"/>
-              <a:t> ?</a:t>
-            </a:r>
-          </a:p>
-        </p:txBody>
-      </p:sp>
-      <p:sp>
-        <p:nvSpPr>
-          <p:cNvPr id="21" name="Content Placeholder 2">
-            <a:extLst>
-              <a:ext uri="{FF2B5EF4-FFF2-40B4-BE49-F238E27FC236}">
-                <a16:creationId xmlns:a16="http://schemas.microsoft.com/office/drawing/2014/main" id="{10741159-F26F-4A2A-B778-F4B22DBE4C30}"/>
-              </a:ext>
-            </a:extLst>
-          </p:cNvPr>
-          <p:cNvSpPr txBox="1">
-            <a:spLocks/>
-          </p:cNvSpPr>
+              <a:t>OpenMPI</a:t>
+            </a:r>
+            <a:endParaRPr lang="fr-FR" dirty="0"/>
+          </a:p>
+        </p:txBody>
+      </p:sp>
+      <p:pic>
+        <p:nvPicPr>
+          <p:cNvPr id="3" name="Image 2">
+            <a:extLst>
+              <a:ext uri="{FF2B5EF4-FFF2-40B4-BE49-F238E27FC236}">
+                <a16:creationId xmlns:a16="http://schemas.microsoft.com/office/drawing/2014/main" id="{847AA64C-B4A2-4017-8755-C3A322E914D8}"/>
+              </a:ext>
+            </a:extLst>
+          </p:cNvPr>
+          <p:cNvPicPr>
+            <a:picLocks noChangeAspect="1"/>
+          </p:cNvPicPr>
           <p:nvPr/>
-        </p:nvSpPr>
+        </p:nvPicPr>
+        <p:blipFill>
+          <a:blip r:embed="rId3"/>
+          <a:stretch>
+            <a:fillRect/>
+          </a:stretch>
+        </p:blipFill>
         <p:spPr>
           <a:xfrm>
-            <a:off x="838200" y="1880171"/>
-            <a:ext cx="10515600" cy="4430353"/>
+            <a:off x="312234" y="2044993"/>
+            <a:ext cx="5535719" cy="4132784"/>
           </a:xfrm>
           <a:prstGeom prst="rect">
             <a:avLst/>
           </a:prstGeom>
         </p:spPr>
-        <p:txBody>
-          <a:bodyPr vert="horz" lIns="91440" tIns="45720" rIns="91440" bIns="45720" rtlCol="0">
-            <a:normAutofit fontScale="85000" lnSpcReduction="10000"/>
-          </a:bodyPr>
-          <a:lstStyle>
-            <a:lvl1pPr marL="0" indent="0" algn="ctr" defTabSz="914400" rtl="0" eaLnBrk="1" latinLnBrk="0" hangingPunct="1">
-              <a:lnSpc>
-                <a:spcPct val="90000"/>
-              </a:lnSpc>
-              <a:spcBef>
-                <a:spcPts val="1000"/>
-              </a:spcBef>
-              <a:buFont typeface="Arial" panose="020B0604020202020204" pitchFamily="34" charset="0"/>
-              <a:buNone/>
-              <a:defRPr sz="2400" kern="1200">
-                <a:solidFill>
-                  <a:schemeClr val="tx1"/>
-                </a:solidFill>
-                <a:latin typeface="+mn-lt"/>
-                <a:ea typeface="+mn-ea"/>
-                <a:cs typeface="+mn-cs"/>
-              </a:defRPr>
-            </a:lvl1pPr>
-            <a:lvl2pPr marL="457200" indent="0" algn="ctr" defTabSz="914400" rtl="0" eaLnBrk="1" latinLnBrk="0" hangingPunct="1">
-              <a:lnSpc>
-                <a:spcPct val="90000"/>
-              </a:lnSpc>
-              <a:spcBef>
-                <a:spcPts val="500"/>
-              </a:spcBef>
-              <a:buFont typeface="Arial" panose="020B0604020202020204" pitchFamily="34" charset="0"/>
-              <a:buNone/>
-              <a:defRPr sz="2000" kern="1200">
-                <a:solidFill>
-                  <a:schemeClr val="tx1"/>
-                </a:solidFill>
-                <a:latin typeface="+mn-lt"/>
-                <a:ea typeface="+mn-ea"/>
-                <a:cs typeface="+mn-cs"/>
-              </a:defRPr>
-            </a:lvl2pPr>
-            <a:lvl3pPr marL="914400" indent="0" algn="ctr" defTabSz="914400" rtl="0" eaLnBrk="1" latinLnBrk="0" hangingPunct="1">
-              <a:lnSpc>
-                <a:spcPct val="90000"/>
-              </a:lnSpc>
-              <a:spcBef>
-                <a:spcPts val="500"/>
-              </a:spcBef>
-              <a:buFont typeface="Arial" panose="020B0604020202020204" pitchFamily="34" charset="0"/>
-              <a:buNone/>
-              <a:defRPr sz="1800" kern="1200">
-                <a:solidFill>
-                  <a:schemeClr val="tx1"/>
-                </a:solidFill>
-                <a:latin typeface="+mn-lt"/>
-                <a:ea typeface="+mn-ea"/>
-                <a:cs typeface="+mn-cs"/>
-              </a:defRPr>
-            </a:lvl3pPr>
-            <a:lvl4pPr marL="1371600" indent="0" algn="ctr" defTabSz="914400" rtl="0" eaLnBrk="1" latinLnBrk="0" hangingPunct="1">
-              <a:lnSpc>
-                <a:spcPct val="90000"/>
-              </a:lnSpc>
-              <a:spcBef>
-                <a:spcPts val="500"/>
-              </a:spcBef>
-              <a:buFont typeface="Arial" panose="020B0604020202020204" pitchFamily="34" charset="0"/>
-              <a:buNone/>
-              <a:defRPr sz="1600" kern="1200">
-                <a:solidFill>
-                  <a:schemeClr val="tx1"/>
-                </a:solidFill>
-                <a:latin typeface="+mn-lt"/>
-                <a:ea typeface="+mn-ea"/>
-                <a:cs typeface="+mn-cs"/>
-              </a:defRPr>
-            </a:lvl4pPr>
-            <a:lvl5pPr marL="1828800" indent="0" algn="ctr" defTabSz="914400" rtl="0" eaLnBrk="1" latinLnBrk="0" hangingPunct="1">
-              <a:lnSpc>
-                <a:spcPct val="90000"/>
-              </a:lnSpc>
-              <a:spcBef>
-                <a:spcPts val="500"/>
-              </a:spcBef>
-              <a:buFont typeface="Arial" panose="020B0604020202020204" pitchFamily="34" charset="0"/>
-              <a:buNone/>
-              <a:defRPr sz="1600" kern="1200">
-                <a:solidFill>
-                  <a:schemeClr val="tx1"/>
-                </a:solidFill>
-                <a:latin typeface="+mn-lt"/>
-                <a:ea typeface="+mn-ea"/>
-                <a:cs typeface="+mn-cs"/>
-              </a:defRPr>
-            </a:lvl5pPr>
-            <a:lvl6pPr marL="2286000" indent="0" algn="ctr" defTabSz="914400" rtl="0" eaLnBrk="1" latinLnBrk="0" hangingPunct="1">
-              <a:lnSpc>
-                <a:spcPct val="90000"/>
-              </a:lnSpc>
-              <a:spcBef>
-                <a:spcPts val="500"/>
-              </a:spcBef>
-              <a:buFont typeface="Arial" panose="020B0604020202020204" pitchFamily="34" charset="0"/>
-              <a:buNone/>
-              <a:defRPr sz="1600" kern="1200">
-                <a:solidFill>
-                  <a:schemeClr val="tx1"/>
-                </a:solidFill>
-                <a:latin typeface="+mn-lt"/>
-                <a:ea typeface="+mn-ea"/>
-                <a:cs typeface="+mn-cs"/>
-              </a:defRPr>
-            </a:lvl6pPr>
-            <a:lvl7pPr marL="2743200" indent="0" algn="ctr" defTabSz="914400" rtl="0" eaLnBrk="1" latinLnBrk="0" hangingPunct="1">
-              <a:lnSpc>
-                <a:spcPct val="90000"/>
-              </a:lnSpc>
-              <a:spcBef>
-                <a:spcPts val="500"/>
-              </a:spcBef>
-              <a:buFont typeface="Arial" panose="020B0604020202020204" pitchFamily="34" charset="0"/>
-              <a:buNone/>
-              <a:defRPr sz="1600" kern="1200">
-                <a:solidFill>
-                  <a:schemeClr val="tx1"/>
-                </a:solidFill>
-                <a:latin typeface="+mn-lt"/>
-                <a:ea typeface="+mn-ea"/>
-                <a:cs typeface="+mn-cs"/>
-              </a:defRPr>
-            </a:lvl7pPr>
-            <a:lvl8pPr marL="3200400" indent="0" algn="ctr" defTabSz="914400" rtl="0" eaLnBrk="1" latinLnBrk="0" hangingPunct="1">
-              <a:lnSpc>
-                <a:spcPct val="90000"/>
-              </a:lnSpc>
-              <a:spcBef>
-                <a:spcPts val="500"/>
-              </a:spcBef>
-              <a:buFont typeface="Arial" panose="020B0604020202020204" pitchFamily="34" charset="0"/>
-              <a:buNone/>
-              <a:defRPr sz="1600" kern="1200">
-                <a:solidFill>
-                  <a:schemeClr val="tx1"/>
-                </a:solidFill>
-                <a:latin typeface="+mn-lt"/>
-                <a:ea typeface="+mn-ea"/>
-                <a:cs typeface="+mn-cs"/>
-              </a:defRPr>
-            </a:lvl8pPr>
-            <a:lvl9pPr marL="3657600" indent="0" algn="ctr" defTabSz="914400" rtl="0" eaLnBrk="1" latinLnBrk="0" hangingPunct="1">
-              <a:lnSpc>
-                <a:spcPct val="90000"/>
-              </a:lnSpc>
-              <a:spcBef>
-                <a:spcPts val="500"/>
-              </a:spcBef>
-              <a:buFont typeface="Arial" panose="020B0604020202020204" pitchFamily="34" charset="0"/>
-              <a:buNone/>
-              <a:defRPr sz="1600" kern="1200">
-                <a:solidFill>
-                  <a:schemeClr val="tx1"/>
-                </a:solidFill>
-                <a:latin typeface="+mn-lt"/>
-                <a:ea typeface="+mn-ea"/>
-                <a:cs typeface="+mn-cs"/>
-              </a:defRPr>
-            </a:lvl9pPr>
-          </a:lstStyle>
-          <a:p>
-            <a:pPr algn="l"/>
-            <a:r>
-              <a:rPr lang="fr-FR" sz="2200" dirty="0">
-                <a:solidFill>
-                  <a:schemeClr val="accent1">
-                    <a:lumMod val="75000"/>
-                  </a:schemeClr>
-                </a:solidFill>
-              </a:rPr>
-              <a:t>Microsoft CNTK </a:t>
-            </a:r>
-            <a:r>
-              <a:rPr lang="fr-FR" sz="2200" dirty="0"/>
-              <a:t>– </a:t>
-            </a:r>
-            <a:r>
-              <a:rPr lang="fr-FR" sz="2200" dirty="0" err="1"/>
-              <a:t>distributed</a:t>
-            </a:r>
-            <a:r>
-              <a:rPr lang="fr-FR" sz="2200" dirty="0"/>
-              <a:t> </a:t>
-            </a:r>
-            <a:r>
-              <a:rPr lang="fr-FR" sz="2200" dirty="0" err="1"/>
-              <a:t>deep</a:t>
-            </a:r>
-            <a:r>
-              <a:rPr lang="fr-FR" sz="2200" dirty="0"/>
-              <a:t> </a:t>
-            </a:r>
-            <a:r>
-              <a:rPr lang="fr-FR" sz="2200" dirty="0" err="1"/>
-              <a:t>learning</a:t>
-            </a:r>
-            <a:r>
-              <a:rPr lang="fr-FR" sz="2200" dirty="0"/>
-              <a:t> </a:t>
-            </a:r>
-            <a:r>
-              <a:rPr lang="fr-FR" sz="2200" dirty="0" err="1"/>
-              <a:t>framework</a:t>
-            </a:r>
-            <a:r>
-              <a:rPr lang="fr-FR" sz="2200" dirty="0"/>
-              <a:t> ; open source but </a:t>
-            </a:r>
-            <a:r>
-              <a:rPr lang="fr-FR" sz="2200" dirty="0" err="1"/>
-              <a:t>low</a:t>
-            </a:r>
-            <a:r>
-              <a:rPr lang="fr-FR" sz="2200" dirty="0"/>
-              <a:t> </a:t>
-            </a:r>
-            <a:r>
-              <a:rPr lang="fr-FR" sz="2200" dirty="0" err="1"/>
-              <a:t>amount</a:t>
-            </a:r>
-            <a:r>
-              <a:rPr lang="fr-FR" sz="2200" dirty="0"/>
-              <a:t> of </a:t>
-            </a:r>
-            <a:r>
-              <a:rPr lang="fr-FR" sz="2200" dirty="0" err="1"/>
-              <a:t>contributors</a:t>
-            </a:r>
-            <a:endParaRPr lang="fr-FR" sz="2200" dirty="0"/>
-          </a:p>
-          <a:p>
-            <a:pPr algn="l"/>
-            <a:r>
-              <a:rPr lang="fr-FR" sz="2200" dirty="0" err="1">
-                <a:solidFill>
-                  <a:schemeClr val="accent1">
-                    <a:lumMod val="75000"/>
-                  </a:schemeClr>
-                </a:solidFill>
-              </a:rPr>
-              <a:t>Caffe</a:t>
-            </a:r>
-            <a:r>
-              <a:rPr lang="fr-FR" sz="2200" dirty="0">
-                <a:solidFill>
-                  <a:schemeClr val="accent1">
-                    <a:lumMod val="75000"/>
-                  </a:schemeClr>
-                </a:solidFill>
-              </a:rPr>
-              <a:t>(2)</a:t>
-            </a:r>
-            <a:r>
-              <a:rPr lang="fr-FR" sz="2200" dirty="0"/>
-              <a:t> – caffe2 has been </a:t>
-            </a:r>
-            <a:r>
-              <a:rPr lang="fr-FR" sz="2200" dirty="0" err="1"/>
-              <a:t>integrated</a:t>
-            </a:r>
-            <a:r>
-              <a:rPr lang="fr-FR" sz="2200" dirty="0"/>
-              <a:t> in </a:t>
-            </a:r>
-            <a:r>
-              <a:rPr lang="fr-FR" sz="2200" dirty="0" err="1"/>
-              <a:t>PyTorch</a:t>
-            </a:r>
-            <a:endParaRPr lang="fr-FR" sz="2200" dirty="0">
-              <a:solidFill>
-                <a:schemeClr val="accent1">
-                  <a:lumMod val="75000"/>
-                </a:schemeClr>
-              </a:solidFill>
-            </a:endParaRPr>
-          </a:p>
-          <a:p>
-            <a:pPr algn="l"/>
-            <a:r>
-              <a:rPr lang="fr-FR" sz="2200" dirty="0">
-                <a:solidFill>
-                  <a:schemeClr val="accent1">
-                    <a:lumMod val="75000"/>
-                  </a:schemeClr>
-                </a:solidFill>
-              </a:rPr>
-              <a:t>MapReduce </a:t>
-            </a:r>
-            <a:r>
-              <a:rPr lang="fr-FR" sz="2200" dirty="0"/>
-              <a:t>– </a:t>
-            </a:r>
-            <a:r>
-              <a:rPr lang="fr-FR" sz="2200" dirty="0" err="1"/>
-              <a:t>we</a:t>
-            </a:r>
-            <a:r>
-              <a:rPr lang="fr-FR" sz="2200" dirty="0"/>
-              <a:t> (Criteo) </a:t>
-            </a:r>
-            <a:r>
-              <a:rPr lang="fr-FR" sz="2200" dirty="0" err="1"/>
-              <a:t>used</a:t>
-            </a:r>
-            <a:r>
-              <a:rPr lang="fr-FR" sz="2200" dirty="0"/>
-              <a:t> to train </a:t>
-            </a:r>
-            <a:r>
-              <a:rPr lang="fr-FR" sz="2200" dirty="0" err="1"/>
-              <a:t>some</a:t>
-            </a:r>
-            <a:r>
-              <a:rPr lang="fr-FR" sz="2200" dirty="0"/>
-              <a:t> </a:t>
-            </a:r>
-            <a:r>
-              <a:rPr lang="fr-FR" sz="2200" dirty="0" err="1"/>
-              <a:t>models</a:t>
-            </a:r>
-            <a:r>
-              <a:rPr lang="fr-FR" sz="2200" dirty="0"/>
-              <a:t> on MapReduce </a:t>
-            </a:r>
-            <a:r>
-              <a:rPr lang="fr-FR" sz="2200" dirty="0" err="1"/>
-              <a:t>some</a:t>
-            </a:r>
-            <a:r>
-              <a:rPr lang="fr-FR" sz="2200" dirty="0"/>
-              <a:t> time </a:t>
-            </a:r>
-            <a:r>
-              <a:rPr lang="fr-FR" sz="2200" dirty="0" err="1"/>
-              <a:t>ago</a:t>
-            </a:r>
-            <a:r>
-              <a:rPr lang="fr-FR" sz="2200" dirty="0"/>
-              <a:t> ; </a:t>
-            </a:r>
-            <a:r>
-              <a:rPr lang="fr-FR" sz="2200" dirty="0" err="1"/>
-              <a:t>implied</a:t>
-            </a:r>
-            <a:r>
-              <a:rPr lang="fr-FR" sz="2200" dirty="0"/>
-              <a:t> </a:t>
-            </a:r>
-            <a:r>
-              <a:rPr lang="fr-FR" sz="2200" dirty="0" err="1"/>
-              <a:t>mapreduce</a:t>
-            </a:r>
-            <a:r>
-              <a:rPr lang="fr-FR" sz="2200" dirty="0"/>
-              <a:t> </a:t>
-            </a:r>
-            <a:r>
-              <a:rPr lang="fr-FR" sz="2200" dirty="0" err="1"/>
-              <a:t>boilerplate</a:t>
-            </a:r>
-            <a:r>
-              <a:rPr lang="fr-FR" sz="2200" dirty="0"/>
-              <a:t> ; sharing information </a:t>
-            </a:r>
-            <a:r>
-              <a:rPr lang="fr-FR" sz="2200" dirty="0" err="1"/>
-              <a:t>between</a:t>
-            </a:r>
-            <a:r>
-              <a:rPr lang="fr-FR" sz="2200" dirty="0"/>
-              <a:t> </a:t>
-            </a:r>
-            <a:r>
-              <a:rPr lang="fr-FR" sz="2200" dirty="0" err="1"/>
-              <a:t>executors</a:t>
-            </a:r>
-            <a:r>
-              <a:rPr lang="fr-FR" sz="2200" dirty="0"/>
-              <a:t> </a:t>
-            </a:r>
-            <a:r>
-              <a:rPr lang="fr-FR" sz="2200" dirty="0" err="1"/>
-              <a:t>was</a:t>
-            </a:r>
-            <a:r>
-              <a:rPr lang="fr-FR" sz="2200" dirty="0"/>
-              <a:t> a pain</a:t>
-            </a:r>
-          </a:p>
-          <a:p>
-            <a:pPr algn="l"/>
-            <a:r>
-              <a:rPr lang="fr-FR" sz="2200" dirty="0" err="1">
-                <a:solidFill>
-                  <a:schemeClr val="accent1">
-                    <a:lumMod val="75000"/>
-                  </a:schemeClr>
-                </a:solidFill>
-              </a:rPr>
-              <a:t>Scikit-learn</a:t>
-            </a:r>
-            <a:r>
-              <a:rPr lang="fr-FR" sz="2200" dirty="0"/>
-              <a:t> – out of </a:t>
-            </a:r>
-            <a:r>
-              <a:rPr lang="fr-FR" sz="2200" dirty="0" err="1"/>
-              <a:t>core</a:t>
-            </a:r>
-            <a:r>
-              <a:rPr lang="fr-FR" sz="2200" dirty="0"/>
-              <a:t> </a:t>
-            </a:r>
-            <a:r>
-              <a:rPr lang="fr-FR" sz="2200" dirty="0" err="1"/>
-              <a:t>algorithms</a:t>
-            </a:r>
-            <a:r>
-              <a:rPr lang="fr-FR" sz="2200" dirty="0"/>
-              <a:t> for single machine </a:t>
-            </a:r>
-            <a:r>
-              <a:rPr lang="fr-FR" sz="2200" dirty="0" err="1"/>
-              <a:t>learning</a:t>
-            </a:r>
-            <a:r>
-              <a:rPr lang="fr-FR" sz="2200" dirty="0"/>
-              <a:t> ; no </a:t>
-            </a:r>
-            <a:r>
-              <a:rPr lang="fr-FR" sz="2200" dirty="0" err="1"/>
-              <a:t>distributed</a:t>
-            </a:r>
-            <a:r>
-              <a:rPr lang="fr-FR" sz="2200" dirty="0"/>
-              <a:t> </a:t>
-            </a:r>
-            <a:r>
-              <a:rPr lang="fr-FR" sz="2200" dirty="0" err="1"/>
-              <a:t>algorithms</a:t>
-            </a:r>
-            <a:endParaRPr lang="fr-FR" sz="2200" dirty="0"/>
-          </a:p>
-          <a:p>
-            <a:pPr algn="l"/>
-            <a:r>
-              <a:rPr lang="fr-FR" sz="2200" dirty="0">
-                <a:solidFill>
-                  <a:schemeClr val="accent1">
-                    <a:lumMod val="75000"/>
-                  </a:schemeClr>
-                </a:solidFill>
-              </a:rPr>
-              <a:t>h2O.ai </a:t>
-            </a:r>
-            <a:r>
-              <a:rPr lang="fr-FR" sz="2200" dirty="0"/>
-              <a:t>– proposes </a:t>
-            </a:r>
-            <a:r>
-              <a:rPr lang="fr-FR" sz="2200" dirty="0" err="1"/>
-              <a:t>automatic</a:t>
-            </a:r>
-            <a:r>
-              <a:rPr lang="fr-FR" sz="2200" dirty="0"/>
-              <a:t> </a:t>
-            </a:r>
-            <a:r>
-              <a:rPr lang="fr-FR" sz="2200" dirty="0" err="1"/>
-              <a:t>feature</a:t>
-            </a:r>
-            <a:r>
-              <a:rPr lang="fr-FR" sz="2200" dirty="0"/>
-              <a:t> engineering as </a:t>
-            </a:r>
-            <a:r>
-              <a:rPr lang="fr-FR" sz="2200" dirty="0" err="1"/>
-              <a:t>well</a:t>
-            </a:r>
-            <a:r>
-              <a:rPr lang="fr-FR" sz="2200" dirty="0"/>
-              <a:t> as user interfaces, </a:t>
-            </a:r>
-            <a:r>
-              <a:rPr lang="fr-FR" sz="2200" dirty="0" err="1"/>
-              <a:t>that</a:t>
-            </a:r>
-            <a:r>
-              <a:rPr lang="fr-FR" sz="2200" dirty="0"/>
-              <a:t> can interface </a:t>
-            </a:r>
-            <a:r>
-              <a:rPr lang="fr-FR" sz="2200" dirty="0" err="1"/>
-              <a:t>with</a:t>
-            </a:r>
-            <a:r>
-              <a:rPr lang="fr-FR" sz="2200" dirty="0"/>
-              <a:t> Spark, </a:t>
-            </a:r>
-            <a:r>
-              <a:rPr lang="fr-FR" sz="2200" dirty="0" err="1"/>
-              <a:t>TensorFlow</a:t>
-            </a:r>
-            <a:r>
-              <a:rPr lang="fr-FR" sz="2200" dirty="0"/>
-              <a:t>, etc… Open source ; proposes a platform (</a:t>
-            </a:r>
-            <a:r>
-              <a:rPr lang="fr-FR" sz="2200" dirty="0" err="1"/>
-              <a:t>with</a:t>
-            </a:r>
-            <a:r>
-              <a:rPr lang="fr-FR" sz="2200" dirty="0"/>
-              <a:t> </a:t>
-            </a:r>
-            <a:r>
-              <a:rPr lang="fr-FR" sz="2200" dirty="0" err="1"/>
-              <a:t>fee</a:t>
-            </a:r>
-            <a:r>
-              <a:rPr lang="fr-FR" sz="2200" dirty="0"/>
-              <a:t>)</a:t>
-            </a:r>
-          </a:p>
-          <a:p>
-            <a:pPr algn="l"/>
-            <a:r>
-              <a:rPr lang="fr-FR" sz="2200" dirty="0">
-                <a:solidFill>
-                  <a:schemeClr val="accent1">
-                    <a:lumMod val="75000"/>
-                  </a:schemeClr>
-                </a:solidFill>
-              </a:rPr>
-              <a:t>MOA</a:t>
-            </a:r>
-            <a:r>
-              <a:rPr lang="fr-FR" sz="2200" dirty="0"/>
-              <a:t> – data </a:t>
-            </a:r>
-            <a:r>
-              <a:rPr lang="fr-FR" sz="2200" dirty="0" err="1"/>
-              <a:t>stream</a:t>
-            </a:r>
-            <a:r>
-              <a:rPr lang="fr-FR" sz="2200" dirty="0"/>
-              <a:t> </a:t>
-            </a:r>
-            <a:r>
-              <a:rPr lang="fr-FR" sz="2200" dirty="0" err="1"/>
-              <a:t>mining</a:t>
-            </a:r>
-            <a:r>
-              <a:rPr lang="fr-FR" sz="2200" dirty="0"/>
-              <a:t> ; </a:t>
-            </a:r>
-            <a:r>
-              <a:rPr lang="fr-FR" sz="2200" dirty="0" err="1"/>
-              <a:t>only</a:t>
-            </a:r>
-            <a:r>
-              <a:rPr lang="fr-FR" sz="2200" dirty="0"/>
-              <a:t> supports java ; </a:t>
-            </a:r>
-            <a:r>
-              <a:rPr lang="fr-FR" sz="2200" dirty="0" err="1"/>
-              <a:t>does</a:t>
-            </a:r>
-            <a:r>
-              <a:rPr lang="fr-FR" sz="2200" dirty="0"/>
-              <a:t> not </a:t>
-            </a:r>
-            <a:r>
-              <a:rPr lang="fr-FR" sz="2200" dirty="0" err="1"/>
-              <a:t>seem</a:t>
-            </a:r>
-            <a:r>
-              <a:rPr lang="fr-FR" sz="2200" dirty="0"/>
-              <a:t> prod-grade (no </a:t>
-            </a:r>
-            <a:r>
-              <a:rPr lang="fr-FR" sz="2200" dirty="0" err="1"/>
-              <a:t>integration</a:t>
-            </a:r>
-            <a:r>
-              <a:rPr lang="fr-FR" sz="2200" dirty="0"/>
-              <a:t> </a:t>
-            </a:r>
-            <a:r>
-              <a:rPr lang="fr-FR" sz="2200" dirty="0" err="1"/>
-              <a:t>with</a:t>
-            </a:r>
-            <a:r>
-              <a:rPr lang="fr-FR" sz="2200" dirty="0"/>
-              <a:t> </a:t>
-            </a:r>
-            <a:r>
-              <a:rPr lang="fr-FR" sz="2200" dirty="0" err="1"/>
-              <a:t>kafka</a:t>
-            </a:r>
-            <a:r>
-              <a:rPr lang="fr-FR" sz="2200" dirty="0"/>
-              <a:t>…)</a:t>
-            </a:r>
-          </a:p>
-          <a:p>
-            <a:pPr algn="l"/>
-            <a:r>
-              <a:rPr lang="fr-FR" sz="2200" dirty="0">
-                <a:solidFill>
-                  <a:schemeClr val="accent1">
-                    <a:lumMod val="75000"/>
-                  </a:schemeClr>
-                </a:solidFill>
-              </a:rPr>
-              <a:t>Shogun</a:t>
-            </a:r>
-            <a:r>
-              <a:rPr lang="fr-FR" sz="2200" dirty="0"/>
-              <a:t> – machine </a:t>
-            </a:r>
-            <a:r>
-              <a:rPr lang="fr-FR" sz="2200" dirty="0" err="1"/>
-              <a:t>learning</a:t>
-            </a:r>
-            <a:r>
-              <a:rPr lang="fr-FR" sz="2200" dirty="0"/>
-              <a:t> </a:t>
-            </a:r>
-            <a:r>
-              <a:rPr lang="fr-FR" sz="2200" dirty="0" err="1"/>
-              <a:t>library</a:t>
-            </a:r>
-            <a:r>
-              <a:rPr lang="fr-FR" sz="2200" dirty="0"/>
-              <a:t> ; no out-of-</a:t>
-            </a:r>
-            <a:r>
-              <a:rPr lang="fr-FR" sz="2200" dirty="0" err="1"/>
-              <a:t>core</a:t>
-            </a:r>
-            <a:r>
-              <a:rPr lang="fr-FR" sz="2200" dirty="0"/>
-              <a:t> </a:t>
-            </a:r>
-            <a:r>
-              <a:rPr lang="fr-FR" sz="2200" dirty="0" err="1"/>
-              <a:t>algorithm</a:t>
-            </a:r>
-            <a:r>
-              <a:rPr lang="fr-FR" sz="2200" dirty="0"/>
-              <a:t> ; not </a:t>
-            </a:r>
-            <a:r>
-              <a:rPr lang="fr-FR" sz="2200" dirty="0" err="1"/>
-              <a:t>meant</a:t>
-            </a:r>
-            <a:r>
-              <a:rPr lang="fr-FR" sz="2200" dirty="0"/>
-              <a:t> to </a:t>
-            </a:r>
-            <a:r>
-              <a:rPr lang="fr-FR" sz="2200" dirty="0" err="1"/>
-              <a:t>be</a:t>
-            </a:r>
-            <a:r>
-              <a:rPr lang="fr-FR" sz="2200" dirty="0"/>
-              <a:t> </a:t>
-            </a:r>
-            <a:r>
-              <a:rPr lang="fr-FR" sz="2200" dirty="0" err="1"/>
-              <a:t>used</a:t>
-            </a:r>
-            <a:r>
-              <a:rPr lang="fr-FR" sz="2200" dirty="0"/>
-              <a:t> in </a:t>
-            </a:r>
-            <a:r>
-              <a:rPr lang="fr-FR" sz="2200" dirty="0" err="1"/>
-              <a:t>distributed</a:t>
-            </a:r>
-            <a:r>
-              <a:rPr lang="fr-FR" sz="2200" dirty="0"/>
-              <a:t> </a:t>
-            </a:r>
-            <a:r>
-              <a:rPr lang="fr-FR" sz="2200" dirty="0" err="1"/>
-              <a:t>environment</a:t>
-            </a:r>
-            <a:endParaRPr lang="fr-FR" sz="2200" dirty="0"/>
-          </a:p>
-          <a:p>
-            <a:pPr algn="l"/>
-            <a:r>
-              <a:rPr lang="fr-FR" sz="2200" dirty="0">
-                <a:solidFill>
-                  <a:schemeClr val="accent1">
-                    <a:lumMod val="75000"/>
-                  </a:schemeClr>
-                </a:solidFill>
-              </a:rPr>
-              <a:t>Baidu </a:t>
-            </a:r>
-            <a:r>
-              <a:rPr lang="fr-FR" sz="2200" dirty="0" err="1">
-                <a:solidFill>
-                  <a:schemeClr val="accent1">
-                    <a:lumMod val="75000"/>
-                  </a:schemeClr>
-                </a:solidFill>
-              </a:rPr>
-              <a:t>AllReduce</a:t>
-            </a:r>
-            <a:r>
-              <a:rPr lang="fr-FR" sz="2200" dirty="0">
-                <a:solidFill>
-                  <a:schemeClr val="accent1">
-                    <a:lumMod val="75000"/>
-                  </a:schemeClr>
-                </a:solidFill>
-              </a:rPr>
-              <a:t> / </a:t>
-            </a:r>
-            <a:r>
-              <a:rPr lang="fr-FR" sz="2200" dirty="0" err="1">
-                <a:solidFill>
-                  <a:schemeClr val="accent1">
-                    <a:lumMod val="75000"/>
-                  </a:schemeClr>
-                </a:solidFill>
-              </a:rPr>
-              <a:t>Horovod</a:t>
-            </a:r>
-            <a:r>
-              <a:rPr lang="fr-FR" sz="2200" dirty="0">
-                <a:solidFill>
-                  <a:schemeClr val="accent1">
-                    <a:lumMod val="75000"/>
-                  </a:schemeClr>
-                </a:solidFill>
-              </a:rPr>
-              <a:t> </a:t>
-            </a:r>
-            <a:r>
-              <a:rPr lang="fr-FR" sz="2200" dirty="0"/>
-              <a:t>– </a:t>
-            </a:r>
-            <a:r>
-              <a:rPr lang="fr-FR" sz="2200" dirty="0" err="1"/>
-              <a:t>nope</a:t>
-            </a:r>
-            <a:r>
-              <a:rPr lang="fr-FR" sz="2200" dirty="0"/>
-              <a:t> – </a:t>
-            </a:r>
-            <a:r>
-              <a:rPr lang="fr-FR" sz="2200" dirty="0" err="1"/>
-              <a:t>will</a:t>
-            </a:r>
-            <a:r>
-              <a:rPr lang="fr-FR" sz="2200" dirty="0"/>
-              <a:t> talk about </a:t>
-            </a:r>
-            <a:r>
-              <a:rPr lang="fr-FR" sz="2200" dirty="0" err="1"/>
-              <a:t>it</a:t>
-            </a:r>
-            <a:r>
-              <a:rPr lang="fr-FR" sz="2200" dirty="0"/>
-              <a:t> in course 3;4</a:t>
-            </a:r>
-          </a:p>
-          <a:p>
-            <a:pPr algn="l"/>
-            <a:r>
-              <a:rPr lang="fr-FR" sz="2200" dirty="0" err="1">
-                <a:solidFill>
-                  <a:schemeClr val="accent1">
-                    <a:lumMod val="75000"/>
-                  </a:schemeClr>
-                </a:solidFill>
-              </a:rPr>
-              <a:t>Theano</a:t>
-            </a:r>
-            <a:r>
-              <a:rPr lang="fr-FR" sz="2200" dirty="0"/>
-              <a:t> – </a:t>
-            </a:r>
-            <a:r>
-              <a:rPr lang="fr-FR" sz="2200" dirty="0" err="1"/>
-              <a:t>library</a:t>
-            </a:r>
-            <a:r>
-              <a:rPr lang="fr-FR" sz="2200" dirty="0"/>
-              <a:t> to </a:t>
-            </a:r>
-            <a:r>
-              <a:rPr lang="fr-FR" sz="2200" dirty="0" err="1"/>
-              <a:t>evaluate</a:t>
-            </a:r>
-            <a:r>
-              <a:rPr lang="fr-FR" sz="2200" dirty="0"/>
-              <a:t> </a:t>
-            </a:r>
-            <a:r>
-              <a:rPr lang="fr-FR" sz="2200" dirty="0" err="1"/>
-              <a:t>mathematical</a:t>
-            </a:r>
-            <a:r>
-              <a:rPr lang="fr-FR" sz="2200" dirty="0"/>
-              <a:t> expressions on </a:t>
-            </a:r>
-            <a:r>
-              <a:rPr lang="fr-FR" sz="2200" dirty="0" err="1"/>
-              <a:t>vectors</a:t>
-            </a:r>
-            <a:endParaRPr lang="fr-FR" sz="2200" dirty="0"/>
-          </a:p>
-          <a:p>
-            <a:pPr algn="l"/>
-            <a:r>
-              <a:rPr lang="fr-FR" sz="2200" dirty="0" err="1">
-                <a:solidFill>
-                  <a:schemeClr val="accent1">
-                    <a:lumMod val="75000"/>
-                  </a:schemeClr>
-                </a:solidFill>
-              </a:rPr>
-              <a:t>Breeze</a:t>
-            </a:r>
-            <a:r>
-              <a:rPr lang="fr-FR" sz="2200" dirty="0">
-                <a:solidFill>
-                  <a:schemeClr val="accent1">
-                    <a:lumMod val="75000"/>
-                  </a:schemeClr>
-                </a:solidFill>
-              </a:rPr>
-              <a:t>, BLAS, LAPACK </a:t>
-            </a:r>
-            <a:r>
-              <a:rPr lang="fr-FR" sz="2200" dirty="0"/>
-              <a:t>– efficient </a:t>
-            </a:r>
-            <a:r>
-              <a:rPr lang="fr-FR" sz="2200" dirty="0" err="1"/>
-              <a:t>linear</a:t>
-            </a:r>
-            <a:r>
-              <a:rPr lang="fr-FR" sz="2200" dirty="0"/>
-              <a:t> </a:t>
-            </a:r>
-            <a:r>
-              <a:rPr lang="fr-FR" sz="2200" dirty="0" err="1"/>
-              <a:t>algebra</a:t>
-            </a:r>
-            <a:r>
-              <a:rPr lang="fr-FR" sz="2200" dirty="0"/>
-              <a:t> </a:t>
-            </a:r>
-            <a:r>
-              <a:rPr lang="fr-FR" sz="2200" dirty="0" err="1"/>
-              <a:t>libraries</a:t>
-            </a:r>
-            <a:endParaRPr lang="fr-FR" sz="2200" dirty="0"/>
-          </a:p>
-          <a:p>
-            <a:pPr algn="l"/>
-            <a:endParaRPr lang="fr-FR" sz="2200" dirty="0"/>
-          </a:p>
-        </p:txBody>
-      </p:sp>
+      </p:pic>
+      <p:pic>
+        <p:nvPicPr>
+          <p:cNvPr id="5" name="Image 4">
+            <a:extLst>
+              <a:ext uri="{FF2B5EF4-FFF2-40B4-BE49-F238E27FC236}">
+                <a16:creationId xmlns:a16="http://schemas.microsoft.com/office/drawing/2014/main" id="{BAFF6283-6716-40CF-88EA-C2ECBA62EAF4}"/>
+              </a:ext>
+            </a:extLst>
+          </p:cNvPr>
+          <p:cNvPicPr>
+            <a:picLocks noChangeAspect="1"/>
+          </p:cNvPicPr>
+          <p:nvPr/>
+        </p:nvPicPr>
+        <p:blipFill>
+          <a:blip r:embed="rId4"/>
+          <a:stretch>
+            <a:fillRect/>
+          </a:stretch>
+        </p:blipFill>
+        <p:spPr>
+          <a:xfrm>
+            <a:off x="6096000" y="2039417"/>
+            <a:ext cx="2830468" cy="4132784"/>
+          </a:xfrm>
+          <a:prstGeom prst="rect">
+            <a:avLst/>
+          </a:prstGeom>
+        </p:spPr>
+      </p:pic>
+      <p:pic>
+        <p:nvPicPr>
+          <p:cNvPr id="10" name="Image 9">
+            <a:extLst>
+              <a:ext uri="{FF2B5EF4-FFF2-40B4-BE49-F238E27FC236}">
+                <a16:creationId xmlns:a16="http://schemas.microsoft.com/office/drawing/2014/main" id="{71AF8C95-E9A0-4009-A832-12BBFD78D2E2}"/>
+              </a:ext>
+            </a:extLst>
+          </p:cNvPr>
+          <p:cNvPicPr>
+            <a:picLocks noChangeAspect="1"/>
+          </p:cNvPicPr>
+          <p:nvPr/>
+        </p:nvPicPr>
+        <p:blipFill>
+          <a:blip r:embed="rId5"/>
+          <a:stretch>
+            <a:fillRect/>
+          </a:stretch>
+        </p:blipFill>
+        <p:spPr>
+          <a:xfrm>
+            <a:off x="9174515" y="2326985"/>
+            <a:ext cx="2705251" cy="1613131"/>
+          </a:xfrm>
+          <a:prstGeom prst="rect">
+            <a:avLst/>
+          </a:prstGeom>
+        </p:spPr>
+      </p:pic>
+      <p:pic>
+        <p:nvPicPr>
+          <p:cNvPr id="15" name="Image 14">
+            <a:extLst>
+              <a:ext uri="{FF2B5EF4-FFF2-40B4-BE49-F238E27FC236}">
+                <a16:creationId xmlns:a16="http://schemas.microsoft.com/office/drawing/2014/main" id="{2D7890A1-C51E-42FE-93EA-F2DAE12A524C}"/>
+              </a:ext>
+            </a:extLst>
+          </p:cNvPr>
+          <p:cNvPicPr>
+            <a:picLocks noChangeAspect="1"/>
+          </p:cNvPicPr>
+          <p:nvPr/>
+        </p:nvPicPr>
+        <p:blipFill>
+          <a:blip r:embed="rId6"/>
+          <a:stretch>
+            <a:fillRect/>
+          </a:stretch>
+        </p:blipFill>
+        <p:spPr>
+          <a:xfrm>
+            <a:off x="9174515" y="4237430"/>
+            <a:ext cx="2705251" cy="1728473"/>
+          </a:xfrm>
+          <a:prstGeom prst="rect">
+            <a:avLst/>
+          </a:prstGeom>
+        </p:spPr>
+      </p:pic>
+      <p:pic>
+        <p:nvPicPr>
+          <p:cNvPr id="22" name="Image 21">
+            <a:extLst>
+              <a:ext uri="{FF2B5EF4-FFF2-40B4-BE49-F238E27FC236}">
+                <a16:creationId xmlns:a16="http://schemas.microsoft.com/office/drawing/2014/main" id="{DE5B589C-1948-49BE-AA15-326DA2FE8BDC}"/>
+              </a:ext>
+            </a:extLst>
+          </p:cNvPr>
+          <p:cNvPicPr>
+            <a:picLocks noChangeAspect="1"/>
+          </p:cNvPicPr>
+          <p:nvPr/>
+        </p:nvPicPr>
+        <p:blipFill>
+          <a:blip r:embed="rId5"/>
+          <a:stretch>
+            <a:fillRect/>
+          </a:stretch>
+        </p:blipFill>
+        <p:spPr>
+          <a:xfrm>
+            <a:off x="9174515" y="2269314"/>
+            <a:ext cx="2705251" cy="1613131"/>
+          </a:xfrm>
+          <a:prstGeom prst="rect">
+            <a:avLst/>
+          </a:prstGeom>
+        </p:spPr>
+      </p:pic>
     </p:spTree>
     <p:extLst>
       <p:ext uri="{BB962C8B-B14F-4D97-AF65-F5344CB8AC3E}">
-        <p14:creationId xmlns:p14="http://schemas.microsoft.com/office/powerpoint/2010/main" val="2558464821"/>
+        <p14:creationId xmlns:p14="http://schemas.microsoft.com/office/powerpoint/2010/main" val="64656158"/>
       </p:ext>
     </p:extLst>
   </p:cSld>
@@ -12133,9 +12986,28 @@
             <a:pPr algn="l"/>
             <a:r>
               <a:rPr lang="fr-FR" dirty="0" err="1"/>
-              <a:t>Tensorflow</a:t>
-            </a:r>
-            <a:endParaRPr lang="fr-FR" dirty="0"/>
+              <a:t>What</a:t>
+            </a:r>
+            <a:r>
+              <a:rPr lang="fr-FR" dirty="0"/>
+              <a:t> about </a:t>
+            </a:r>
+            <a:r>
+              <a:rPr lang="fr-FR" dirty="0" err="1"/>
+              <a:t>these</a:t>
+            </a:r>
+            <a:r>
+              <a:rPr lang="fr-FR" dirty="0"/>
+              <a:t> </a:t>
+            </a:r>
+            <a:r>
+              <a:rPr lang="fr-FR" dirty="0" err="1"/>
+              <a:t>ones</a:t>
+            </a:r>
+            <a:r>
+              <a:rPr lang="fr-FR" dirty="0"/>
+              <a:t> ?</a:t>
+            </a:r>
           </a:p>
         </p:txBody>
       </p:sp>
@@ -12155,8 +13027,8 @@
         </p:nvSpPr>
         <p:spPr>
           <a:xfrm>
-            <a:off x="8859697" y="2379917"/>
-            <a:ext cx="3575879" cy="2952966"/>
+            <a:off x="838200" y="1880171"/>
+            <a:ext cx="10515600" cy="4430353"/>
           </a:xfrm>
           <a:prstGeom prst="rect">
             <a:avLst/>
@@ -12164,7 +13036,7 @@
         </p:spPr>
         <p:txBody>
           <a:bodyPr vert="horz" lIns="91440" tIns="45720" rIns="91440" bIns="45720" rtlCol="0">
-            <a:normAutofit lnSpcReduction="10000"/>
+            <a:normAutofit fontScale="85000" lnSpcReduction="10000"/>
           </a:bodyPr>
           <a:lstStyle>
             <a:lvl1pPr marL="0" indent="0" algn="ctr" defTabSz="914400" rtl="0" eaLnBrk="1" latinLnBrk="0" hangingPunct="1">
@@ -12333,673 +13205,719 @@
           <a:p>
             <a:pPr algn="l"/>
             <a:r>
-              <a:rPr lang="fr-FR" b="1" dirty="0" err="1"/>
-              <a:t>Some</a:t>
-            </a:r>
-            <a:r>
-              <a:rPr lang="fr-FR" b="1" dirty="0"/>
-              <a:t> </a:t>
-            </a:r>
-            <a:r>
-              <a:rPr lang="fr-FR" b="1" dirty="0" err="1"/>
-              <a:t>features</a:t>
-            </a:r>
-            <a:endParaRPr lang="fr-FR" b="1" dirty="0"/>
-          </a:p>
-          <a:p>
-            <a:pPr algn="l"/>
-            <a:r>
-              <a:rPr lang="fr-FR" dirty="0" err="1"/>
-              <a:t>Parallel</a:t>
-            </a:r>
-            <a:r>
-              <a:rPr lang="fr-FR" dirty="0"/>
-              <a:t>, Distributed, Accelerator support</a:t>
-            </a:r>
-          </a:p>
-          <a:p>
-            <a:pPr algn="l"/>
-            <a:r>
-              <a:rPr lang="fr-FR" dirty="0" err="1"/>
-              <a:t>Languages</a:t>
-            </a:r>
-            <a:r>
-              <a:rPr lang="fr-FR" dirty="0"/>
-              <a:t> (</a:t>
-            </a:r>
-            <a:r>
-              <a:rPr lang="fr-FR" dirty="0" err="1"/>
-              <a:t>inference</a:t>
-            </a:r>
-            <a:r>
-              <a:rPr lang="fr-FR" dirty="0"/>
-              <a:t>)</a:t>
-            </a:r>
-          </a:p>
-          <a:p>
-            <a:pPr algn="l"/>
-            <a:r>
-              <a:rPr lang="fr-FR" dirty="0" err="1"/>
-              <a:t>Serving</a:t>
-            </a:r>
-            <a:endParaRPr lang="fr-FR" dirty="0"/>
-          </a:p>
-          <a:p>
-            <a:pPr algn="l"/>
-            <a:r>
-              <a:rPr lang="fr-FR" dirty="0" err="1"/>
-              <a:t>Tensorboard</a:t>
-            </a:r>
-            <a:endParaRPr lang="fr-FR" dirty="0"/>
-          </a:p>
-          <a:p>
-            <a:pPr algn="l"/>
-            <a:r>
-              <a:rPr lang="fr-FR" dirty="0"/>
-              <a:t>…</a:t>
-            </a:r>
-          </a:p>
-        </p:txBody>
-      </p:sp>
-      <p:pic>
-        <p:nvPicPr>
-          <p:cNvPr id="3" name="Image 2">
-            <a:extLst>
-              <a:ext uri="{FF2B5EF4-FFF2-40B4-BE49-F238E27FC236}">
-                <a16:creationId xmlns:a16="http://schemas.microsoft.com/office/drawing/2014/main" id="{DE9DBA96-0E7F-4785-AD14-E47C80B53E77}"/>
-              </a:ext>
-            </a:extLst>
-          </p:cNvPr>
-          <p:cNvPicPr>
-            <a:picLocks noChangeAspect="1"/>
-          </p:cNvPicPr>
-          <p:nvPr/>
-        </p:nvPicPr>
-        <p:blipFill>
-          <a:blip r:embed="rId3"/>
-          <a:stretch>
-            <a:fillRect/>
-          </a:stretch>
-        </p:blipFill>
-        <p:spPr>
-          <a:xfrm>
-            <a:off x="1544363" y="2661735"/>
-            <a:ext cx="4959366" cy="2389330"/>
-          </a:xfrm>
-          <a:prstGeom prst="rect">
-            <a:avLst/>
-          </a:prstGeom>
-        </p:spPr>
-      </p:pic>
-      <p:sp>
-        <p:nvSpPr>
-          <p:cNvPr id="15" name="Content Placeholder 2">
-            <a:extLst>
-              <a:ext uri="{FF2B5EF4-FFF2-40B4-BE49-F238E27FC236}">
-                <a16:creationId xmlns:a16="http://schemas.microsoft.com/office/drawing/2014/main" id="{0DC8995E-BCAC-4B26-8626-D5731F961AAC}"/>
-              </a:ext>
-            </a:extLst>
-          </p:cNvPr>
-          <p:cNvSpPr txBox="1">
-            <a:spLocks/>
-          </p:cNvSpPr>
-          <p:nvPr/>
-        </p:nvSpPr>
-        <p:spPr>
-          <a:xfrm>
-            <a:off x="940941" y="1644991"/>
-            <a:ext cx="6672210" cy="1016744"/>
-          </a:xfrm>
-          <a:prstGeom prst="rect">
-            <a:avLst/>
-          </a:prstGeom>
-        </p:spPr>
-        <p:txBody>
-          <a:bodyPr vert="horz" lIns="91440" tIns="45720" rIns="91440" bIns="45720" rtlCol="0">
-            <a:normAutofit/>
-          </a:bodyPr>
-          <a:lstStyle>
-            <a:lvl1pPr marL="0" indent="0" algn="ctr" defTabSz="914400" rtl="0" eaLnBrk="1" latinLnBrk="0" hangingPunct="1">
-              <a:lnSpc>
-                <a:spcPct val="90000"/>
-              </a:lnSpc>
-              <a:spcBef>
-                <a:spcPts val="1000"/>
-              </a:spcBef>
-              <a:buFont typeface="Arial" panose="020B0604020202020204" pitchFamily="34" charset="0"/>
-              <a:buNone/>
-              <a:defRPr sz="2400" kern="1200">
-                <a:solidFill>
-                  <a:schemeClr val="tx1"/>
-                </a:solidFill>
-                <a:latin typeface="+mn-lt"/>
-                <a:ea typeface="+mn-ea"/>
-                <a:cs typeface="+mn-cs"/>
-              </a:defRPr>
-            </a:lvl1pPr>
-            <a:lvl2pPr marL="457200" indent="0" algn="ctr" defTabSz="914400" rtl="0" eaLnBrk="1" latinLnBrk="0" hangingPunct="1">
-              <a:lnSpc>
-                <a:spcPct val="90000"/>
-              </a:lnSpc>
-              <a:spcBef>
-                <a:spcPts val="500"/>
-              </a:spcBef>
-              <a:buFont typeface="Arial" panose="020B0604020202020204" pitchFamily="34" charset="0"/>
-              <a:buNone/>
-              <a:defRPr sz="2000" kern="1200">
-                <a:solidFill>
-                  <a:schemeClr val="tx1"/>
-                </a:solidFill>
-                <a:latin typeface="+mn-lt"/>
-                <a:ea typeface="+mn-ea"/>
-                <a:cs typeface="+mn-cs"/>
-              </a:defRPr>
-            </a:lvl2pPr>
-            <a:lvl3pPr marL="914400" indent="0" algn="ctr" defTabSz="914400" rtl="0" eaLnBrk="1" latinLnBrk="0" hangingPunct="1">
-              <a:lnSpc>
-                <a:spcPct val="90000"/>
-              </a:lnSpc>
-              <a:spcBef>
-                <a:spcPts val="500"/>
-              </a:spcBef>
-              <a:buFont typeface="Arial" panose="020B0604020202020204" pitchFamily="34" charset="0"/>
-              <a:buNone/>
-              <a:defRPr sz="1800" kern="1200">
-                <a:solidFill>
-                  <a:schemeClr val="tx1"/>
-                </a:solidFill>
-                <a:latin typeface="+mn-lt"/>
-                <a:ea typeface="+mn-ea"/>
-                <a:cs typeface="+mn-cs"/>
-              </a:defRPr>
-            </a:lvl3pPr>
-            <a:lvl4pPr marL="1371600" indent="0" algn="ctr" defTabSz="914400" rtl="0" eaLnBrk="1" latinLnBrk="0" hangingPunct="1">
-              <a:lnSpc>
-                <a:spcPct val="90000"/>
-              </a:lnSpc>
-              <a:spcBef>
-                <a:spcPts val="500"/>
-              </a:spcBef>
-              <a:buFont typeface="Arial" panose="020B0604020202020204" pitchFamily="34" charset="0"/>
-              <a:buNone/>
-              <a:defRPr sz="1600" kern="1200">
-                <a:solidFill>
-                  <a:schemeClr val="tx1"/>
-                </a:solidFill>
-                <a:latin typeface="+mn-lt"/>
-                <a:ea typeface="+mn-ea"/>
-                <a:cs typeface="+mn-cs"/>
-              </a:defRPr>
-            </a:lvl4pPr>
-            <a:lvl5pPr marL="1828800" indent="0" algn="ctr" defTabSz="914400" rtl="0" eaLnBrk="1" latinLnBrk="0" hangingPunct="1">
-              <a:lnSpc>
-                <a:spcPct val="90000"/>
-              </a:lnSpc>
-              <a:spcBef>
-                <a:spcPts val="500"/>
-              </a:spcBef>
-              <a:buFont typeface="Arial" panose="020B0604020202020204" pitchFamily="34" charset="0"/>
-              <a:buNone/>
-              <a:defRPr sz="1600" kern="1200">
-                <a:solidFill>
-                  <a:schemeClr val="tx1"/>
-                </a:solidFill>
-                <a:latin typeface="+mn-lt"/>
-                <a:ea typeface="+mn-ea"/>
-                <a:cs typeface="+mn-cs"/>
-              </a:defRPr>
-            </a:lvl5pPr>
-            <a:lvl6pPr marL="2286000" indent="0" algn="ctr" defTabSz="914400" rtl="0" eaLnBrk="1" latinLnBrk="0" hangingPunct="1">
-              <a:lnSpc>
-                <a:spcPct val="90000"/>
-              </a:lnSpc>
-              <a:spcBef>
-                <a:spcPts val="500"/>
-              </a:spcBef>
-              <a:buFont typeface="Arial" panose="020B0604020202020204" pitchFamily="34" charset="0"/>
-              <a:buNone/>
-              <a:defRPr sz="1600" kern="1200">
-                <a:solidFill>
-                  <a:schemeClr val="tx1"/>
-                </a:solidFill>
-                <a:latin typeface="+mn-lt"/>
-                <a:ea typeface="+mn-ea"/>
-                <a:cs typeface="+mn-cs"/>
-              </a:defRPr>
-            </a:lvl6pPr>
-            <a:lvl7pPr marL="2743200" indent="0" algn="ctr" defTabSz="914400" rtl="0" eaLnBrk="1" latinLnBrk="0" hangingPunct="1">
-              <a:lnSpc>
-                <a:spcPct val="90000"/>
-              </a:lnSpc>
-              <a:spcBef>
-                <a:spcPts val="500"/>
-              </a:spcBef>
-              <a:buFont typeface="Arial" panose="020B0604020202020204" pitchFamily="34" charset="0"/>
-              <a:buNone/>
-              <a:defRPr sz="1600" kern="1200">
-                <a:solidFill>
-                  <a:schemeClr val="tx1"/>
-                </a:solidFill>
-                <a:latin typeface="+mn-lt"/>
-                <a:ea typeface="+mn-ea"/>
-                <a:cs typeface="+mn-cs"/>
-              </a:defRPr>
-            </a:lvl7pPr>
-            <a:lvl8pPr marL="3200400" indent="0" algn="ctr" defTabSz="914400" rtl="0" eaLnBrk="1" latinLnBrk="0" hangingPunct="1">
-              <a:lnSpc>
-                <a:spcPct val="90000"/>
-              </a:lnSpc>
-              <a:spcBef>
-                <a:spcPts val="500"/>
-              </a:spcBef>
-              <a:buFont typeface="Arial" panose="020B0604020202020204" pitchFamily="34" charset="0"/>
-              <a:buNone/>
-              <a:defRPr sz="1600" kern="1200">
-                <a:solidFill>
-                  <a:schemeClr val="tx1"/>
-                </a:solidFill>
-                <a:latin typeface="+mn-lt"/>
-                <a:ea typeface="+mn-ea"/>
-                <a:cs typeface="+mn-cs"/>
-              </a:defRPr>
-            </a:lvl8pPr>
-            <a:lvl9pPr marL="3657600" indent="0" algn="ctr" defTabSz="914400" rtl="0" eaLnBrk="1" latinLnBrk="0" hangingPunct="1">
-              <a:lnSpc>
-                <a:spcPct val="90000"/>
-              </a:lnSpc>
-              <a:spcBef>
-                <a:spcPts val="500"/>
-              </a:spcBef>
-              <a:buFont typeface="Arial" panose="020B0604020202020204" pitchFamily="34" charset="0"/>
-              <a:buNone/>
-              <a:defRPr sz="1600" kern="1200">
-                <a:solidFill>
-                  <a:schemeClr val="tx1"/>
-                </a:solidFill>
-                <a:latin typeface="+mn-lt"/>
-                <a:ea typeface="+mn-ea"/>
-                <a:cs typeface="+mn-cs"/>
-              </a:defRPr>
-            </a:lvl9pPr>
-          </a:lstStyle>
-          <a:p>
-            <a:pPr algn="l"/>
-            <a:r>
-              <a:rPr lang="fr-FR" dirty="0"/>
-              <a:t>Model </a:t>
-            </a:r>
-            <a:r>
-              <a:rPr lang="fr-FR" dirty="0" err="1"/>
-              <a:t>is</a:t>
-            </a:r>
-            <a:r>
-              <a:rPr lang="fr-FR" dirty="0"/>
-              <a:t> a graph of </a:t>
-            </a:r>
-            <a:r>
-              <a:rPr lang="fr-FR" dirty="0" err="1"/>
-              <a:t>parameterized</a:t>
-            </a:r>
-            <a:r>
-              <a:rPr lang="fr-FR" dirty="0"/>
-              <a:t> transformations</a:t>
-            </a:r>
-          </a:p>
-          <a:p>
-            <a:pPr algn="l"/>
-            <a:r>
-              <a:rPr lang="fr-FR" dirty="0"/>
-              <a:t>Joint of </a:t>
-            </a:r>
-            <a:r>
-              <a:rPr lang="fr-FR" dirty="0" err="1"/>
-              <a:t>optimization</a:t>
-            </a:r>
-            <a:r>
-              <a:rPr lang="fr-FR" dirty="0"/>
-              <a:t> of all </a:t>
-            </a:r>
-            <a:r>
-              <a:rPr lang="fr-FR" dirty="0" err="1"/>
-              <a:t>parameters</a:t>
-            </a:r>
-            <a:endParaRPr lang="fr-FR" dirty="0"/>
-          </a:p>
-        </p:txBody>
-      </p:sp>
-      <p:sp>
-        <p:nvSpPr>
-          <p:cNvPr id="16" name="Content Placeholder 2">
-            <a:extLst>
-              <a:ext uri="{FF2B5EF4-FFF2-40B4-BE49-F238E27FC236}">
-                <a16:creationId xmlns:a16="http://schemas.microsoft.com/office/drawing/2014/main" id="{BB8469D1-F0DF-4F41-AE21-DA9C41D9BFD2}"/>
-              </a:ext>
-            </a:extLst>
-          </p:cNvPr>
-          <p:cNvSpPr txBox="1">
-            <a:spLocks/>
-          </p:cNvSpPr>
-          <p:nvPr/>
-        </p:nvSpPr>
-        <p:spPr>
-          <a:xfrm>
-            <a:off x="940940" y="5051065"/>
-            <a:ext cx="6929063" cy="1325562"/>
-          </a:xfrm>
-          <a:prstGeom prst="rect">
-            <a:avLst/>
-          </a:prstGeom>
-        </p:spPr>
-        <p:txBody>
-          <a:bodyPr vert="horz" lIns="91440" tIns="45720" rIns="91440" bIns="45720" rtlCol="0">
-            <a:normAutofit/>
-          </a:bodyPr>
-          <a:lstStyle>
-            <a:lvl1pPr marL="0" indent="0" algn="ctr" defTabSz="914400" rtl="0" eaLnBrk="1" latinLnBrk="0" hangingPunct="1">
-              <a:lnSpc>
-                <a:spcPct val="90000"/>
-              </a:lnSpc>
-              <a:spcBef>
-                <a:spcPts val="1000"/>
-              </a:spcBef>
-              <a:buFont typeface="Arial" panose="020B0604020202020204" pitchFamily="34" charset="0"/>
-              <a:buNone/>
-              <a:defRPr sz="2400" kern="1200">
-                <a:solidFill>
-                  <a:schemeClr val="tx1"/>
-                </a:solidFill>
-                <a:latin typeface="+mn-lt"/>
-                <a:ea typeface="+mn-ea"/>
-                <a:cs typeface="+mn-cs"/>
-              </a:defRPr>
-            </a:lvl1pPr>
-            <a:lvl2pPr marL="457200" indent="0" algn="ctr" defTabSz="914400" rtl="0" eaLnBrk="1" latinLnBrk="0" hangingPunct="1">
-              <a:lnSpc>
-                <a:spcPct val="90000"/>
-              </a:lnSpc>
-              <a:spcBef>
-                <a:spcPts val="500"/>
-              </a:spcBef>
-              <a:buFont typeface="Arial" panose="020B0604020202020204" pitchFamily="34" charset="0"/>
-              <a:buNone/>
-              <a:defRPr sz="2000" kern="1200">
-                <a:solidFill>
-                  <a:schemeClr val="tx1"/>
-                </a:solidFill>
-                <a:latin typeface="+mn-lt"/>
-                <a:ea typeface="+mn-ea"/>
-                <a:cs typeface="+mn-cs"/>
-              </a:defRPr>
-            </a:lvl2pPr>
-            <a:lvl3pPr marL="914400" indent="0" algn="ctr" defTabSz="914400" rtl="0" eaLnBrk="1" latinLnBrk="0" hangingPunct="1">
-              <a:lnSpc>
-                <a:spcPct val="90000"/>
-              </a:lnSpc>
-              <a:spcBef>
-                <a:spcPts val="500"/>
-              </a:spcBef>
-              <a:buFont typeface="Arial" panose="020B0604020202020204" pitchFamily="34" charset="0"/>
-              <a:buNone/>
-              <a:defRPr sz="1800" kern="1200">
-                <a:solidFill>
-                  <a:schemeClr val="tx1"/>
-                </a:solidFill>
-                <a:latin typeface="+mn-lt"/>
-                <a:ea typeface="+mn-ea"/>
-                <a:cs typeface="+mn-cs"/>
-              </a:defRPr>
-            </a:lvl3pPr>
-            <a:lvl4pPr marL="1371600" indent="0" algn="ctr" defTabSz="914400" rtl="0" eaLnBrk="1" latinLnBrk="0" hangingPunct="1">
-              <a:lnSpc>
-                <a:spcPct val="90000"/>
-              </a:lnSpc>
-              <a:spcBef>
-                <a:spcPts val="500"/>
-              </a:spcBef>
-              <a:buFont typeface="Arial" panose="020B0604020202020204" pitchFamily="34" charset="0"/>
-              <a:buNone/>
-              <a:defRPr sz="1600" kern="1200">
-                <a:solidFill>
-                  <a:schemeClr val="tx1"/>
-                </a:solidFill>
-                <a:latin typeface="+mn-lt"/>
-                <a:ea typeface="+mn-ea"/>
-                <a:cs typeface="+mn-cs"/>
-              </a:defRPr>
-            </a:lvl4pPr>
-            <a:lvl5pPr marL="1828800" indent="0" algn="ctr" defTabSz="914400" rtl="0" eaLnBrk="1" latinLnBrk="0" hangingPunct="1">
-              <a:lnSpc>
-                <a:spcPct val="90000"/>
-              </a:lnSpc>
-              <a:spcBef>
-                <a:spcPts val="500"/>
-              </a:spcBef>
-              <a:buFont typeface="Arial" panose="020B0604020202020204" pitchFamily="34" charset="0"/>
-              <a:buNone/>
-              <a:defRPr sz="1600" kern="1200">
-                <a:solidFill>
-                  <a:schemeClr val="tx1"/>
-                </a:solidFill>
-                <a:latin typeface="+mn-lt"/>
-                <a:ea typeface="+mn-ea"/>
-                <a:cs typeface="+mn-cs"/>
-              </a:defRPr>
-            </a:lvl5pPr>
-            <a:lvl6pPr marL="2286000" indent="0" algn="ctr" defTabSz="914400" rtl="0" eaLnBrk="1" latinLnBrk="0" hangingPunct="1">
-              <a:lnSpc>
-                <a:spcPct val="90000"/>
-              </a:lnSpc>
-              <a:spcBef>
-                <a:spcPts val="500"/>
-              </a:spcBef>
-              <a:buFont typeface="Arial" panose="020B0604020202020204" pitchFamily="34" charset="0"/>
-              <a:buNone/>
-              <a:defRPr sz="1600" kern="1200">
-                <a:solidFill>
-                  <a:schemeClr val="tx1"/>
-                </a:solidFill>
-                <a:latin typeface="+mn-lt"/>
-                <a:ea typeface="+mn-ea"/>
-                <a:cs typeface="+mn-cs"/>
-              </a:defRPr>
-            </a:lvl6pPr>
-            <a:lvl7pPr marL="2743200" indent="0" algn="ctr" defTabSz="914400" rtl="0" eaLnBrk="1" latinLnBrk="0" hangingPunct="1">
-              <a:lnSpc>
-                <a:spcPct val="90000"/>
-              </a:lnSpc>
-              <a:spcBef>
-                <a:spcPts val="500"/>
-              </a:spcBef>
-              <a:buFont typeface="Arial" panose="020B0604020202020204" pitchFamily="34" charset="0"/>
-              <a:buNone/>
-              <a:defRPr sz="1600" kern="1200">
-                <a:solidFill>
-                  <a:schemeClr val="tx1"/>
-                </a:solidFill>
-                <a:latin typeface="+mn-lt"/>
-                <a:ea typeface="+mn-ea"/>
-                <a:cs typeface="+mn-cs"/>
-              </a:defRPr>
-            </a:lvl7pPr>
-            <a:lvl8pPr marL="3200400" indent="0" algn="ctr" defTabSz="914400" rtl="0" eaLnBrk="1" latinLnBrk="0" hangingPunct="1">
-              <a:lnSpc>
-                <a:spcPct val="90000"/>
-              </a:lnSpc>
-              <a:spcBef>
-                <a:spcPts val="500"/>
-              </a:spcBef>
-              <a:buFont typeface="Arial" panose="020B0604020202020204" pitchFamily="34" charset="0"/>
-              <a:buNone/>
-              <a:defRPr sz="1600" kern="1200">
-                <a:solidFill>
-                  <a:schemeClr val="tx1"/>
-                </a:solidFill>
-                <a:latin typeface="+mn-lt"/>
-                <a:ea typeface="+mn-ea"/>
-                <a:cs typeface="+mn-cs"/>
-              </a:defRPr>
-            </a:lvl8pPr>
-            <a:lvl9pPr marL="3657600" indent="0" algn="ctr" defTabSz="914400" rtl="0" eaLnBrk="1" latinLnBrk="0" hangingPunct="1">
-              <a:lnSpc>
-                <a:spcPct val="90000"/>
-              </a:lnSpc>
-              <a:spcBef>
-                <a:spcPts val="500"/>
-              </a:spcBef>
-              <a:buFont typeface="Arial" panose="020B0604020202020204" pitchFamily="34" charset="0"/>
-              <a:buNone/>
-              <a:defRPr sz="1600" kern="1200">
-                <a:solidFill>
-                  <a:schemeClr val="tx1"/>
-                </a:solidFill>
-                <a:latin typeface="+mn-lt"/>
-                <a:ea typeface="+mn-ea"/>
-                <a:cs typeface="+mn-cs"/>
-              </a:defRPr>
-            </a:lvl9pPr>
-          </a:lstStyle>
-          <a:p>
-            <a:pPr algn="l"/>
-            <a:r>
-              <a:rPr lang="fr-FR" dirty="0" err="1">
+              <a:rPr lang="fr-FR" sz="2200" dirty="0">
                 <a:solidFill>
                   <a:schemeClr val="accent1">
                     <a:lumMod val="75000"/>
                   </a:schemeClr>
                 </a:solidFill>
               </a:rPr>
-              <a:t>Automatic</a:t>
-            </a:r>
-            <a:r>
-              <a:rPr lang="fr-FR" dirty="0">
+              <a:t>Microsoft CNTK </a:t>
+            </a:r>
+            <a:r>
+              <a:rPr lang="fr-FR" sz="2200" dirty="0"/>
+              <a:t>– </a:t>
+            </a:r>
+            <a:r>
+              <a:rPr lang="fr-FR" sz="2200" dirty="0" err="1"/>
+              <a:t>distributed</a:t>
+            </a:r>
+            <a:r>
+              <a:rPr lang="fr-FR" sz="2200" dirty="0"/>
+              <a:t> </a:t>
+            </a:r>
+            <a:r>
+              <a:rPr lang="fr-FR" sz="2200" dirty="0" err="1"/>
+              <a:t>deep</a:t>
+            </a:r>
+            <a:r>
+              <a:rPr lang="fr-FR" sz="2200" dirty="0"/>
+              <a:t> </a:t>
+            </a:r>
+            <a:r>
+              <a:rPr lang="fr-FR" sz="2200" dirty="0" err="1"/>
+              <a:t>learning</a:t>
+            </a:r>
+            <a:r>
+              <a:rPr lang="fr-FR" sz="2200" dirty="0"/>
+              <a:t> </a:t>
+            </a:r>
+            <a:r>
+              <a:rPr lang="fr-FR" sz="2200" dirty="0" err="1"/>
+              <a:t>framework</a:t>
+            </a:r>
+            <a:r>
+              <a:rPr lang="fr-FR" sz="2200" dirty="0"/>
+              <a:t> ; open source but </a:t>
+            </a:r>
+            <a:r>
+              <a:rPr lang="fr-FR" sz="2200" dirty="0" err="1"/>
+              <a:t>low</a:t>
+            </a:r>
+            <a:r>
+              <a:rPr lang="fr-FR" sz="2200" dirty="0"/>
+              <a:t> </a:t>
+            </a:r>
+            <a:r>
+              <a:rPr lang="fr-FR" sz="2200" dirty="0" err="1"/>
+              <a:t>amount</a:t>
+            </a:r>
+            <a:r>
+              <a:rPr lang="fr-FR" sz="2200" dirty="0"/>
+              <a:t> of </a:t>
+            </a:r>
+            <a:r>
+              <a:rPr lang="fr-FR" sz="2200" dirty="0" err="1"/>
+              <a:t>contributors</a:t>
+            </a:r>
+            <a:endParaRPr lang="fr-FR" sz="2200" dirty="0"/>
+          </a:p>
+          <a:p>
+            <a:pPr algn="l"/>
+            <a:r>
+              <a:rPr lang="fr-FR" sz="2200" dirty="0" err="1">
                 <a:solidFill>
                   <a:schemeClr val="accent1">
                     <a:lumMod val="75000"/>
                   </a:schemeClr>
                 </a:solidFill>
               </a:rPr>
-              <a:t> </a:t>
-            </a:r>
-            <a:r>
-              <a:rPr lang="fr-FR" dirty="0" err="1">
+              <a:t>Caffe</a:t>
+            </a:r>
+            <a:r>
+              <a:rPr lang="fr-FR" sz="2200" dirty="0">
                 <a:solidFill>
                   <a:schemeClr val="accent1">
                     <a:lumMod val="75000"/>
                   </a:schemeClr>
                 </a:solidFill>
               </a:rPr>
-              <a:t>differentiation</a:t>
-            </a:r>
-            <a:r>
-              <a:rPr lang="fr-FR" dirty="0">
+              <a:t>(2)</a:t>
+            </a:r>
+            <a:r>
+              <a:rPr lang="fr-FR" sz="2200" dirty="0"/>
+              <a:t> – caffe2 has been </a:t>
+            </a:r>
+            <a:r>
+              <a:rPr lang="fr-FR" sz="2200" dirty="0" err="1"/>
+              <a:t>integrated</a:t>
+            </a:r>
+            <a:r>
+              <a:rPr lang="fr-FR" sz="2200" dirty="0"/>
+              <a:t> in </a:t>
+            </a:r>
+            <a:r>
+              <a:rPr lang="fr-FR" sz="2200" dirty="0" err="1"/>
+              <a:t>PyTorch</a:t>
+            </a:r>
+            <a:endParaRPr lang="fr-FR" sz="2200" dirty="0">
+              <a:solidFill>
+                <a:schemeClr val="accent1">
+                  <a:lumMod val="75000"/>
+                </a:schemeClr>
+              </a:solidFill>
+            </a:endParaRPr>
+          </a:p>
+          <a:p>
+            <a:pPr algn="l"/>
+            <a:r>
+              <a:rPr lang="fr-FR" sz="2200" dirty="0">
                 <a:solidFill>
                   <a:schemeClr val="accent1">
                     <a:lumMod val="75000"/>
                   </a:schemeClr>
                 </a:solidFill>
               </a:rPr>
+              <a:t>MapReduce </a:t>
+            </a:r>
+            <a:r>
+              <a:rPr lang="fr-FR" sz="2200" dirty="0"/>
+              <a:t>– </a:t>
+            </a:r>
+            <a:r>
+              <a:rPr lang="fr-FR" sz="2200" dirty="0" err="1"/>
+              <a:t>we</a:t>
+            </a:r>
+            <a:r>
+              <a:rPr lang="fr-FR" sz="2200" dirty="0"/>
+              <a:t> (Criteo) </a:t>
+            </a:r>
+            <a:r>
+              <a:rPr lang="fr-FR" sz="2200" dirty="0" err="1"/>
+              <a:t>used</a:t>
+            </a:r>
+            <a:r>
+              <a:rPr lang="fr-FR" sz="2200" dirty="0"/>
+              <a:t> to train </a:t>
+            </a:r>
+            <a:r>
+              <a:rPr lang="fr-FR" sz="2200" dirty="0" err="1"/>
+              <a:t>some</a:t>
+            </a:r>
+            <a:r>
+              <a:rPr lang="fr-FR" sz="2200" dirty="0"/>
               <a:t> </a:t>
             </a:r>
             <a:r>
-              <a:rPr lang="fr-FR" dirty="0"/>
-              <a:t>(vs </a:t>
-            </a:r>
-            <a:r>
-              <a:rPr lang="fr-FR" dirty="0" err="1"/>
-              <a:t>numeric</a:t>
-            </a:r>
-            <a:r>
-              <a:rPr lang="fr-FR" dirty="0"/>
+              <a:rPr lang="fr-FR" sz="2200" dirty="0" err="1"/>
+              <a:t>models</a:t>
+            </a:r>
+            <a:r>
+              <a:rPr lang="fr-FR" sz="2200" dirty="0"/>
+              <a:t> on MapReduce </a:t>
+            </a:r>
+            <a:r>
+              <a:rPr lang="fr-FR" sz="2200" dirty="0" err="1"/>
+              <a:t>some</a:t>
+            </a:r>
+            <a:r>
+              <a:rPr lang="fr-FR" sz="2200" dirty="0"/>
+              <a:t> time </a:t>
+            </a:r>
+            <a:r>
+              <a:rPr lang="fr-FR" sz="2200" dirty="0" err="1"/>
+              <a:t>ago</a:t>
+            </a:r>
+            <a:r>
+              <a:rPr lang="fr-FR" sz="2200" dirty="0"/>
+              <a:t> ; </a:t>
+            </a:r>
+            <a:r>
+              <a:rPr lang="fr-FR" sz="2200" dirty="0" err="1"/>
+              <a:t>implied</a:t>
+            </a:r>
+            <a:r>
+              <a:rPr lang="fr-FR" sz="2200" dirty="0"/>
               <a:t> </a:t>
             </a:r>
             <a:r>
-              <a:rPr lang="fr-FR" dirty="0" err="1"/>
-              <a:t>differentiation</a:t>
-            </a:r>
-            <a:r>
-              <a:rPr lang="fr-FR" dirty="0"/>
-              <a:t>)</a:t>
+              <a:rPr lang="fr-FR" sz="2200" dirty="0" err="1"/>
+              <a:t>mapreduce</a:t>
+            </a:r>
+            <a:r>
+              <a:rPr lang="fr-FR" sz="2200" dirty="0"/>
+              <a:t> </a:t>
+            </a:r>
+            <a:r>
+              <a:rPr lang="fr-FR" sz="2200" dirty="0" err="1"/>
+              <a:t>boilerplate</a:t>
+            </a:r>
+            <a:r>
+              <a:rPr lang="fr-FR" sz="2200" dirty="0"/>
+              <a:t> ; sharing information </a:t>
+            </a:r>
+            <a:r>
+              <a:rPr lang="fr-FR" sz="2200" dirty="0" err="1"/>
+              <a:t>between</a:t>
+            </a:r>
+            <a:r>
+              <a:rPr lang="fr-FR" sz="2200" dirty="0"/>
+              <a:t> </a:t>
+            </a:r>
+            <a:r>
+              <a:rPr lang="fr-FR" sz="2200" dirty="0" err="1"/>
+              <a:t>executors</a:t>
+            </a:r>
+            <a:r>
+              <a:rPr lang="fr-FR" sz="2200" dirty="0"/>
+              <a:t> </a:t>
+            </a:r>
+            <a:r>
+              <a:rPr lang="fr-FR" sz="2200" dirty="0" err="1"/>
+              <a:t>was</a:t>
+            </a:r>
+            <a:r>
+              <a:rPr lang="fr-FR" sz="2200" dirty="0"/>
+              <a:t> a pain</a:t>
             </a:r>
           </a:p>
           <a:p>
             <a:pPr algn="l"/>
             <a:r>
-              <a:rPr lang="fr-FR" dirty="0">
-                <a:sym typeface="Wingdings" panose="05000000000000000000" pitchFamily="2" charset="2"/>
-              </a:rPr>
-              <a:t> Need to use </a:t>
-            </a:r>
-            <a:r>
-              <a:rPr lang="fr-FR" dirty="0" err="1">
-                <a:sym typeface="Wingdings" panose="05000000000000000000" pitchFamily="2" charset="2"/>
-              </a:rPr>
-              <a:t>tensorflow</a:t>
-            </a:r>
-            <a:r>
-              <a:rPr lang="fr-FR" dirty="0">
-                <a:sym typeface="Wingdings" panose="05000000000000000000" pitchFamily="2" charset="2"/>
-              </a:rPr>
-              <a:t> </a:t>
-            </a:r>
-            <a:r>
-              <a:rPr lang="fr-FR" dirty="0" err="1">
-                <a:sym typeface="Wingdings" panose="05000000000000000000" pitchFamily="2" charset="2"/>
-              </a:rPr>
-              <a:t>functions</a:t>
-            </a:r>
-            <a:r>
-              <a:rPr lang="fr-FR" dirty="0">
-                <a:sym typeface="Wingdings" panose="05000000000000000000" pitchFamily="2" charset="2"/>
-              </a:rPr>
-              <a:t>, </a:t>
-            </a:r>
-            <a:r>
-              <a:rPr lang="fr-FR" dirty="0">
+              <a:rPr lang="fr-FR" sz="2200" dirty="0" err="1">
                 <a:solidFill>
                   <a:schemeClr val="accent1">
                     <a:lumMod val="75000"/>
                   </a:schemeClr>
                 </a:solidFill>
-                <a:sym typeface="Wingdings" panose="05000000000000000000" pitchFamily="2" charset="2"/>
-              </a:rPr>
-              <a:t>code </a:t>
-            </a:r>
-            <a:r>
-              <a:rPr lang="fr-FR" dirty="0" err="1">
+              </a:rPr>
+              <a:t>Scikit-learn</a:t>
+            </a:r>
+            <a:r>
+              <a:rPr lang="fr-FR" sz="2200" dirty="0"/>
+              <a:t> – out of </a:t>
+            </a:r>
+            <a:r>
+              <a:rPr lang="fr-FR" sz="2200" dirty="0" err="1"/>
+              <a:t>core</a:t>
+            </a:r>
+            <a:r>
+              <a:rPr lang="fr-FR" sz="2200" dirty="0"/>
+              <a:t> </a:t>
+            </a:r>
+            <a:r>
+              <a:rPr lang="fr-FR" sz="2200" dirty="0" err="1"/>
+              <a:t>algorithms</a:t>
+            </a:r>
+            <a:r>
+              <a:rPr lang="fr-FR" sz="2200" dirty="0"/>
+              <a:t> for single machine </a:t>
+            </a:r>
+            <a:r>
+              <a:rPr lang="fr-FR" sz="2200" dirty="0" err="1"/>
+              <a:t>learning</a:t>
+            </a:r>
+            <a:r>
+              <a:rPr lang="fr-FR" sz="2200" dirty="0"/>
+              <a:t> ; no </a:t>
+            </a:r>
+            <a:r>
+              <a:rPr lang="fr-FR" sz="2200" dirty="0" err="1"/>
+              <a:t>distributed</a:t>
+            </a:r>
+            <a:r>
+              <a:rPr lang="fr-FR" sz="2200" dirty="0"/>
+              <a:t> </a:t>
+            </a:r>
+            <a:r>
+              <a:rPr lang="fr-FR" sz="2200" dirty="0" err="1"/>
+              <a:t>algorithms</a:t>
+            </a:r>
+            <a:endParaRPr lang="fr-FR" sz="2200" dirty="0"/>
+          </a:p>
+          <a:p>
+            <a:pPr algn="l"/>
+            <a:r>
+              <a:rPr lang="fr-FR" sz="2200" dirty="0">
                 <a:solidFill>
                   <a:schemeClr val="accent1">
                     <a:lumMod val="75000"/>
                   </a:schemeClr>
                 </a:solidFill>
-                <a:sym typeface="Wingdings" panose="05000000000000000000" pitchFamily="2" charset="2"/>
-              </a:rPr>
-              <a:t>is</a:t>
-            </a:r>
-            <a:r>
-              <a:rPr lang="fr-FR" dirty="0">
+              </a:rPr>
+              <a:t>h2O.ai </a:t>
+            </a:r>
+            <a:r>
+              <a:rPr lang="fr-FR" sz="2200" dirty="0"/>
+              <a:t>– proposes </a:t>
+            </a:r>
+            <a:r>
+              <a:rPr lang="fr-FR" sz="2200" dirty="0" err="1"/>
+              <a:t>automatic</a:t>
+            </a:r>
+            <a:r>
+              <a:rPr lang="fr-FR" sz="2200" dirty="0"/>
+              <a:t> </a:t>
+            </a:r>
+            <a:r>
+              <a:rPr lang="fr-FR" sz="2200" dirty="0" err="1"/>
+              <a:t>feature</a:t>
+            </a:r>
+            <a:r>
+              <a:rPr lang="fr-FR" sz="2200" dirty="0"/>
+              <a:t> engineering as </a:t>
+            </a:r>
+            <a:r>
+              <a:rPr lang="fr-FR" sz="2200" dirty="0" err="1"/>
+              <a:t>well</a:t>
+            </a:r>
+            <a:r>
+              <a:rPr lang="fr-FR" sz="2200" dirty="0"/>
+              <a:t> as user interfaces, </a:t>
+            </a:r>
+            <a:r>
+              <a:rPr lang="fr-FR" sz="2200" dirty="0" err="1"/>
+              <a:t>that</a:t>
+            </a:r>
+            <a:r>
+              <a:rPr lang="fr-FR" sz="2200" dirty="0"/>
+              <a:t> can interface </a:t>
+            </a:r>
+            <a:r>
+              <a:rPr lang="fr-FR" sz="2200" dirty="0" err="1"/>
+              <a:t>with</a:t>
+            </a:r>
+            <a:r>
+              <a:rPr lang="fr-FR" sz="2200" dirty="0"/>
+              <a:t> Spark, </a:t>
+            </a:r>
+            <a:r>
+              <a:rPr lang="fr-FR" sz="2200" dirty="0" err="1"/>
+              <a:t>TensorFlow</a:t>
+            </a:r>
+            <a:r>
+              <a:rPr lang="fr-FR" sz="2200" dirty="0"/>
+              <a:t>, etc… Open source ; proposes a platform (</a:t>
+            </a:r>
+            <a:r>
+              <a:rPr lang="fr-FR" sz="2200" dirty="0" err="1"/>
+              <a:t>with</a:t>
+            </a:r>
+            <a:r>
+              <a:rPr lang="fr-FR" sz="2200" dirty="0"/>
+              <a:t> </a:t>
+            </a:r>
+            <a:r>
+              <a:rPr lang="fr-FR" sz="2200" dirty="0" err="1"/>
+              <a:t>fee</a:t>
+            </a:r>
+            <a:r>
+              <a:rPr lang="fr-FR" sz="2200" dirty="0"/>
+              <a:t>)</a:t>
+            </a:r>
+          </a:p>
+          <a:p>
+            <a:pPr algn="l"/>
+            <a:r>
+              <a:rPr lang="fr-FR" sz="2200" dirty="0">
                 <a:solidFill>
                   <a:schemeClr val="accent1">
                     <a:lumMod val="75000"/>
                   </a:schemeClr>
                 </a:solidFill>
-                <a:sym typeface="Wingdings" panose="05000000000000000000" pitchFamily="2" charset="2"/>
-              </a:rPr>
-              <a:t> data</a:t>
-            </a:r>
-            <a:r>
-              <a:rPr lang="fr-FR" dirty="0">
-                <a:sym typeface="Wingdings" panose="05000000000000000000" pitchFamily="2" charset="2"/>
-              </a:rPr>
-              <a:t> !</a:t>
-            </a:r>
-            <a:endParaRPr lang="fr-FR" dirty="0"/>
+              </a:rPr>
+              <a:t>MOA</a:t>
+            </a:r>
+            <a:r>
+              <a:rPr lang="fr-FR" sz="2200" dirty="0"/>
+              <a:t> – data </a:t>
+            </a:r>
+            <a:r>
+              <a:rPr lang="fr-FR" sz="2200" dirty="0" err="1"/>
+              <a:t>stream</a:t>
+            </a:r>
+            <a:r>
+              <a:rPr lang="fr-FR" sz="2200" dirty="0"/>
+              <a:t> </a:t>
+            </a:r>
+            <a:r>
+              <a:rPr lang="fr-FR" sz="2200" dirty="0" err="1"/>
+              <a:t>mining</a:t>
+            </a:r>
+            <a:r>
+              <a:rPr lang="fr-FR" sz="2200" dirty="0"/>
+              <a:t> ; </a:t>
+            </a:r>
+            <a:r>
+              <a:rPr lang="fr-FR" sz="2200" dirty="0" err="1"/>
+              <a:t>only</a:t>
+            </a:r>
+            <a:r>
+              <a:rPr lang="fr-FR" sz="2200" dirty="0"/>
+              <a:t> supports java ; </a:t>
+            </a:r>
+            <a:r>
+              <a:rPr lang="fr-FR" sz="2200" dirty="0" err="1"/>
+              <a:t>does</a:t>
+            </a:r>
+            <a:r>
+              <a:rPr lang="fr-FR" sz="2200" dirty="0"/>
+              <a:t> not </a:t>
+            </a:r>
+            <a:r>
+              <a:rPr lang="fr-FR" sz="2200" dirty="0" err="1"/>
+              <a:t>seem</a:t>
+            </a:r>
+            <a:r>
+              <a:rPr lang="fr-FR" sz="2200" dirty="0"/>
+              <a:t> prod-grade (no </a:t>
+            </a:r>
+            <a:r>
+              <a:rPr lang="fr-FR" sz="2200" dirty="0" err="1"/>
+              <a:t>integration</a:t>
+            </a:r>
+            <a:r>
+              <a:rPr lang="fr-FR" sz="2200" dirty="0"/>
+              <a:t> </a:t>
+            </a:r>
+            <a:r>
+              <a:rPr lang="fr-FR" sz="2200" dirty="0" err="1"/>
+              <a:t>with</a:t>
+            </a:r>
+            <a:r>
+              <a:rPr lang="fr-FR" sz="2200" dirty="0"/>
+              <a:t> </a:t>
+            </a:r>
+            <a:r>
+              <a:rPr lang="fr-FR" sz="2200" dirty="0" err="1"/>
+              <a:t>kafka</a:t>
+            </a:r>
+            <a:r>
+              <a:rPr lang="fr-FR" sz="2200" dirty="0"/>
+              <a:t>…)</a:t>
+            </a:r>
+          </a:p>
+          <a:p>
+            <a:pPr algn="l"/>
+            <a:r>
+              <a:rPr lang="fr-FR" sz="2200" dirty="0">
+                <a:solidFill>
+                  <a:schemeClr val="accent1">
+                    <a:lumMod val="75000"/>
+                  </a:schemeClr>
+                </a:solidFill>
+              </a:rPr>
+              <a:t>Shogun</a:t>
+            </a:r>
+            <a:r>
+              <a:rPr lang="fr-FR" sz="2200" dirty="0"/>
+              <a:t> – machine </a:t>
+            </a:r>
+            <a:r>
+              <a:rPr lang="fr-FR" sz="2200" dirty="0" err="1"/>
+              <a:t>learning</a:t>
+            </a:r>
+            <a:r>
+              <a:rPr lang="fr-FR" sz="2200" dirty="0"/>
+              <a:t> </a:t>
+            </a:r>
+            <a:r>
+              <a:rPr lang="fr-FR" sz="2200" dirty="0" err="1"/>
+              <a:t>library</a:t>
+            </a:r>
+            <a:r>
+              <a:rPr lang="fr-FR" sz="2200" dirty="0"/>
+              <a:t> ; no out-of-</a:t>
+            </a:r>
+            <a:r>
+              <a:rPr lang="fr-FR" sz="2200" dirty="0" err="1"/>
+              <a:t>core</a:t>
+            </a:r>
+            <a:r>
+              <a:rPr lang="fr-FR" sz="2200" dirty="0"/>
+              <a:t> </a:t>
+            </a:r>
+            <a:r>
+              <a:rPr lang="fr-FR" sz="2200" dirty="0" err="1"/>
+              <a:t>algorithm</a:t>
+            </a:r>
+            <a:r>
+              <a:rPr lang="fr-FR" sz="2200" dirty="0"/>
+              <a:t> ; not </a:t>
+            </a:r>
+            <a:r>
+              <a:rPr lang="fr-FR" sz="2200" dirty="0" err="1"/>
+              <a:t>meant</a:t>
+            </a:r>
+            <a:r>
+              <a:rPr lang="fr-FR" sz="2200" dirty="0"/>
+              <a:t> to </a:t>
+            </a:r>
+            <a:r>
+              <a:rPr lang="fr-FR" sz="2200" dirty="0" err="1"/>
+              <a:t>be</a:t>
+            </a:r>
+            <a:r>
+              <a:rPr lang="fr-FR" sz="2200" dirty="0"/>
+              <a:t> </a:t>
+            </a:r>
+            <a:r>
+              <a:rPr lang="fr-FR" sz="2200" dirty="0" err="1"/>
+              <a:t>used</a:t>
+            </a:r>
+            <a:r>
+              <a:rPr lang="fr-FR" sz="2200" dirty="0"/>
+              <a:t> in </a:t>
+            </a:r>
+            <a:r>
+              <a:rPr lang="fr-FR" sz="2200" dirty="0" err="1"/>
+              <a:t>distributed</a:t>
+            </a:r>
+            <a:r>
+              <a:rPr lang="fr-FR" sz="2200" dirty="0"/>
+              <a:t> </a:t>
+            </a:r>
+            <a:r>
+              <a:rPr lang="fr-FR" sz="2200" dirty="0" err="1"/>
+              <a:t>environment</a:t>
+            </a:r>
+            <a:endParaRPr lang="fr-FR" sz="2200" dirty="0"/>
+          </a:p>
+          <a:p>
+            <a:pPr algn="l"/>
+            <a:r>
+              <a:rPr lang="fr-FR" sz="2200" dirty="0">
+                <a:solidFill>
+                  <a:schemeClr val="accent1">
+                    <a:lumMod val="75000"/>
+                  </a:schemeClr>
+                </a:solidFill>
+              </a:rPr>
+              <a:t>Baidu </a:t>
+            </a:r>
+            <a:r>
+              <a:rPr lang="fr-FR" sz="2200" dirty="0" err="1">
+                <a:solidFill>
+                  <a:schemeClr val="accent1">
+                    <a:lumMod val="75000"/>
+                  </a:schemeClr>
+                </a:solidFill>
+              </a:rPr>
+              <a:t>AllReduce</a:t>
+            </a:r>
+            <a:r>
+              <a:rPr lang="fr-FR" sz="2200" dirty="0">
+                <a:solidFill>
+                  <a:schemeClr val="accent1">
+                    <a:lumMod val="75000"/>
+                  </a:schemeClr>
+                </a:solidFill>
+              </a:rPr>
+              <a:t> / </a:t>
+            </a:r>
+            <a:r>
+              <a:rPr lang="fr-FR" sz="2200" dirty="0" err="1">
+                <a:solidFill>
+                  <a:schemeClr val="accent1">
+                    <a:lumMod val="75000"/>
+                  </a:schemeClr>
+                </a:solidFill>
+              </a:rPr>
+              <a:t>Horovod</a:t>
+            </a:r>
+            <a:r>
+              <a:rPr lang="fr-FR" sz="2200" dirty="0">
+                <a:solidFill>
+                  <a:schemeClr val="accent1">
+                    <a:lumMod val="75000"/>
+                  </a:schemeClr>
+                </a:solidFill>
+              </a:rPr>
+              <a:t> </a:t>
+            </a:r>
+            <a:r>
+              <a:rPr lang="fr-FR" sz="2200" dirty="0"/>
+              <a:t>– </a:t>
+            </a:r>
+            <a:r>
+              <a:rPr lang="fr-FR" sz="2200" dirty="0" err="1"/>
+              <a:t>nope</a:t>
+            </a:r>
+            <a:r>
+              <a:rPr lang="fr-FR" sz="2200" dirty="0"/>
+              <a:t> – </a:t>
+            </a:r>
+            <a:r>
+              <a:rPr lang="fr-FR" sz="2200" dirty="0" err="1"/>
+              <a:t>will</a:t>
+            </a:r>
+            <a:r>
+              <a:rPr lang="fr-FR" sz="2200" dirty="0"/>
+              <a:t> talk about </a:t>
+            </a:r>
+            <a:r>
+              <a:rPr lang="fr-FR" sz="2200" dirty="0" err="1"/>
+              <a:t>it</a:t>
+            </a:r>
+            <a:r>
+              <a:rPr lang="fr-FR" sz="2200" dirty="0"/>
+              <a:t> in course 3;4</a:t>
+            </a:r>
+          </a:p>
+          <a:p>
+            <a:pPr algn="l"/>
+            <a:r>
+              <a:rPr lang="fr-FR" sz="2200" dirty="0" err="1">
+                <a:solidFill>
+                  <a:schemeClr val="accent1">
+                    <a:lumMod val="75000"/>
+                  </a:schemeClr>
+                </a:solidFill>
+              </a:rPr>
+              <a:t>Theano</a:t>
+            </a:r>
+            <a:r>
+              <a:rPr lang="fr-FR" sz="2200" dirty="0"/>
+              <a:t> – </a:t>
+            </a:r>
+            <a:r>
+              <a:rPr lang="fr-FR" sz="2200" dirty="0" err="1"/>
+              <a:t>library</a:t>
+            </a:r>
+            <a:r>
+              <a:rPr lang="fr-FR" sz="2200" dirty="0"/>
+              <a:t> to </a:t>
+            </a:r>
+            <a:r>
+              <a:rPr lang="fr-FR" sz="2200" dirty="0" err="1"/>
+              <a:t>evaluate</a:t>
+            </a:r>
+            <a:r>
+              <a:rPr lang="fr-FR" sz="2200" dirty="0"/>
+              <a:t> </a:t>
+            </a:r>
+            <a:r>
+              <a:rPr lang="fr-FR" sz="2200" dirty="0" err="1"/>
+              <a:t>mathematical</a:t>
+            </a:r>
+            <a:r>
+              <a:rPr lang="fr-FR" sz="2200" dirty="0"/>
+              <a:t> expressions on </a:t>
+            </a:r>
+            <a:r>
+              <a:rPr lang="fr-FR" sz="2200" dirty="0" err="1"/>
+              <a:t>vectors</a:t>
+            </a:r>
+            <a:endParaRPr lang="fr-FR" sz="2200" dirty="0"/>
+          </a:p>
+          <a:p>
+            <a:pPr algn="l"/>
+            <a:r>
+              <a:rPr lang="fr-FR" sz="2200" dirty="0" err="1">
+                <a:solidFill>
+                  <a:schemeClr val="accent1">
+                    <a:lumMod val="75000"/>
+                  </a:schemeClr>
+                </a:solidFill>
+              </a:rPr>
+              <a:t>Breeze</a:t>
+            </a:r>
+            <a:r>
+              <a:rPr lang="fr-FR" sz="2200" dirty="0">
+                <a:solidFill>
+                  <a:schemeClr val="accent1">
+                    <a:lumMod val="75000"/>
+                  </a:schemeClr>
+                </a:solidFill>
+              </a:rPr>
+              <a:t>, BLAS, LAPACK </a:t>
+            </a:r>
+            <a:r>
+              <a:rPr lang="fr-FR" sz="2200" dirty="0"/>
+              <a:t>– efficient </a:t>
+            </a:r>
+            <a:r>
+              <a:rPr lang="fr-FR" sz="2200" dirty="0" err="1"/>
+              <a:t>linear</a:t>
+            </a:r>
+            <a:r>
+              <a:rPr lang="fr-FR" sz="2200" dirty="0"/>
+              <a:t> </a:t>
+            </a:r>
+            <a:r>
+              <a:rPr lang="fr-FR" sz="2200" dirty="0" err="1"/>
+              <a:t>algebra</a:t>
+            </a:r>
+            <a:r>
+              <a:rPr lang="fr-FR" sz="2200" dirty="0"/>
+              <a:t> </a:t>
+            </a:r>
+            <a:r>
+              <a:rPr lang="fr-FR" sz="2200" dirty="0" err="1"/>
+              <a:t>libraries</a:t>
+            </a:r>
+            <a:endParaRPr lang="fr-FR" sz="2200" dirty="0"/>
+          </a:p>
+          <a:p>
+            <a:pPr algn="l"/>
+            <a:endParaRPr lang="fr-FR" sz="2200" dirty="0"/>
           </a:p>
         </p:txBody>
       </p:sp>
     </p:spTree>
     <p:extLst>
       <p:ext uri="{BB962C8B-B14F-4D97-AF65-F5344CB8AC3E}">
-        <p14:creationId xmlns:p14="http://schemas.microsoft.com/office/powerpoint/2010/main" val="3149335831"/>
+        <p14:creationId xmlns:p14="http://schemas.microsoft.com/office/powerpoint/2010/main" val="2558464821"/>
       </p:ext>
     </p:extLst>
   </p:cSld>
@@ -13075,6 +13993,949 @@
           <a:p>
             <a:pPr algn="l"/>
             <a:r>
+              <a:rPr lang="fr-FR" dirty="0" err="1"/>
+              <a:t>Tensorflow</a:t>
+            </a:r>
+            <a:endParaRPr lang="fr-FR" dirty="0"/>
+          </a:p>
+        </p:txBody>
+      </p:sp>
+      <p:sp>
+        <p:nvSpPr>
+          <p:cNvPr id="21" name="Content Placeholder 2">
+            <a:extLst>
+              <a:ext uri="{FF2B5EF4-FFF2-40B4-BE49-F238E27FC236}">
+                <a16:creationId xmlns:a16="http://schemas.microsoft.com/office/drawing/2014/main" id="{10741159-F26F-4A2A-B778-F4B22DBE4C30}"/>
+              </a:ext>
+            </a:extLst>
+          </p:cNvPr>
+          <p:cNvSpPr txBox="1">
+            <a:spLocks/>
+          </p:cNvSpPr>
+          <p:nvPr/>
+        </p:nvSpPr>
+        <p:spPr>
+          <a:xfrm>
+            <a:off x="8859697" y="2379917"/>
+            <a:ext cx="3575879" cy="2952966"/>
+          </a:xfrm>
+          <a:prstGeom prst="rect">
+            <a:avLst/>
+          </a:prstGeom>
+        </p:spPr>
+        <p:txBody>
+          <a:bodyPr vert="horz" lIns="91440" tIns="45720" rIns="91440" bIns="45720" rtlCol="0">
+            <a:normAutofit lnSpcReduction="10000"/>
+          </a:bodyPr>
+          <a:lstStyle>
+            <a:lvl1pPr marL="0" indent="0" algn="ctr" defTabSz="914400" rtl="0" eaLnBrk="1" latinLnBrk="0" hangingPunct="1">
+              <a:lnSpc>
+                <a:spcPct val="90000"/>
+              </a:lnSpc>
+              <a:spcBef>
+                <a:spcPts val="1000"/>
+              </a:spcBef>
+              <a:buFont typeface="Arial" panose="020B0604020202020204" pitchFamily="34" charset="0"/>
+              <a:buNone/>
+              <a:defRPr sz="2400" kern="1200">
+                <a:solidFill>
+                  <a:schemeClr val="tx1"/>
+                </a:solidFill>
+                <a:latin typeface="+mn-lt"/>
+                <a:ea typeface="+mn-ea"/>
+                <a:cs typeface="+mn-cs"/>
+              </a:defRPr>
+            </a:lvl1pPr>
+            <a:lvl2pPr marL="457200" indent="0" algn="ctr" defTabSz="914400" rtl="0" eaLnBrk="1" latinLnBrk="0" hangingPunct="1">
+              <a:lnSpc>
+                <a:spcPct val="90000"/>
+              </a:lnSpc>
+              <a:spcBef>
+                <a:spcPts val="500"/>
+              </a:spcBef>
+              <a:buFont typeface="Arial" panose="020B0604020202020204" pitchFamily="34" charset="0"/>
+              <a:buNone/>
+              <a:defRPr sz="2000" kern="1200">
+                <a:solidFill>
+                  <a:schemeClr val="tx1"/>
+                </a:solidFill>
+                <a:latin typeface="+mn-lt"/>
+                <a:ea typeface="+mn-ea"/>
+                <a:cs typeface="+mn-cs"/>
+              </a:defRPr>
+            </a:lvl2pPr>
+            <a:lvl3pPr marL="914400" indent="0" algn="ctr" defTabSz="914400" rtl="0" eaLnBrk="1" latinLnBrk="0" hangingPunct="1">
+              <a:lnSpc>
+                <a:spcPct val="90000"/>
+              </a:lnSpc>
+              <a:spcBef>
+                <a:spcPts val="500"/>
+              </a:spcBef>
+              <a:buFont typeface="Arial" panose="020B0604020202020204" pitchFamily="34" charset="0"/>
+              <a:buNone/>
+              <a:defRPr sz="1800" kern="1200">
+                <a:solidFill>
+                  <a:schemeClr val="tx1"/>
+                </a:solidFill>
+                <a:latin typeface="+mn-lt"/>
+                <a:ea typeface="+mn-ea"/>
+                <a:cs typeface="+mn-cs"/>
+              </a:defRPr>
+            </a:lvl3pPr>
+            <a:lvl4pPr marL="1371600" indent="0" algn="ctr" defTabSz="914400" rtl="0" eaLnBrk="1" latinLnBrk="0" hangingPunct="1">
+              <a:lnSpc>
+                <a:spcPct val="90000"/>
+              </a:lnSpc>
+              <a:spcBef>
+                <a:spcPts val="500"/>
+              </a:spcBef>
+              <a:buFont typeface="Arial" panose="020B0604020202020204" pitchFamily="34" charset="0"/>
+              <a:buNone/>
+              <a:defRPr sz="1600" kern="1200">
+                <a:solidFill>
+                  <a:schemeClr val="tx1"/>
+                </a:solidFill>
+                <a:latin typeface="+mn-lt"/>
+                <a:ea typeface="+mn-ea"/>
+                <a:cs typeface="+mn-cs"/>
+              </a:defRPr>
+            </a:lvl4pPr>
+            <a:lvl5pPr marL="1828800" indent="0" algn="ctr" defTabSz="914400" rtl="0" eaLnBrk="1" latinLnBrk="0" hangingPunct="1">
+              <a:lnSpc>
+                <a:spcPct val="90000"/>
+              </a:lnSpc>
+              <a:spcBef>
+                <a:spcPts val="500"/>
+              </a:spcBef>
+              <a:buFont typeface="Arial" panose="020B0604020202020204" pitchFamily="34" charset="0"/>
+              <a:buNone/>
+              <a:defRPr sz="1600" kern="1200">
+                <a:solidFill>
+                  <a:schemeClr val="tx1"/>
+                </a:solidFill>
+                <a:latin typeface="+mn-lt"/>
+                <a:ea typeface="+mn-ea"/>
+                <a:cs typeface="+mn-cs"/>
+              </a:defRPr>
+            </a:lvl5pPr>
+            <a:lvl6pPr marL="2286000" indent="0" algn="ctr" defTabSz="914400" rtl="0" eaLnBrk="1" latinLnBrk="0" hangingPunct="1">
+              <a:lnSpc>
+                <a:spcPct val="90000"/>
+              </a:lnSpc>
+              <a:spcBef>
+                <a:spcPts val="500"/>
+              </a:spcBef>
+              <a:buFont typeface="Arial" panose="020B0604020202020204" pitchFamily="34" charset="0"/>
+              <a:buNone/>
+              <a:defRPr sz="1600" kern="1200">
+                <a:solidFill>
+                  <a:schemeClr val="tx1"/>
+                </a:solidFill>
+                <a:latin typeface="+mn-lt"/>
+                <a:ea typeface="+mn-ea"/>
+                <a:cs typeface="+mn-cs"/>
+              </a:defRPr>
+            </a:lvl6pPr>
+            <a:lvl7pPr marL="2743200" indent="0" algn="ctr" defTabSz="914400" rtl="0" eaLnBrk="1" latinLnBrk="0" hangingPunct="1">
+              <a:lnSpc>
+                <a:spcPct val="90000"/>
+              </a:lnSpc>
+              <a:spcBef>
+                <a:spcPts val="500"/>
+              </a:spcBef>
+              <a:buFont typeface="Arial" panose="020B0604020202020204" pitchFamily="34" charset="0"/>
+              <a:buNone/>
+              <a:defRPr sz="1600" kern="1200">
+                <a:solidFill>
+                  <a:schemeClr val="tx1"/>
+                </a:solidFill>
+                <a:latin typeface="+mn-lt"/>
+                <a:ea typeface="+mn-ea"/>
+                <a:cs typeface="+mn-cs"/>
+              </a:defRPr>
+            </a:lvl7pPr>
+            <a:lvl8pPr marL="3200400" indent="0" algn="ctr" defTabSz="914400" rtl="0" eaLnBrk="1" latinLnBrk="0" hangingPunct="1">
+              <a:lnSpc>
+                <a:spcPct val="90000"/>
+              </a:lnSpc>
+              <a:spcBef>
+                <a:spcPts val="500"/>
+              </a:spcBef>
+              <a:buFont typeface="Arial" panose="020B0604020202020204" pitchFamily="34" charset="0"/>
+              <a:buNone/>
+              <a:defRPr sz="1600" kern="1200">
+                <a:solidFill>
+                  <a:schemeClr val="tx1"/>
+                </a:solidFill>
+                <a:latin typeface="+mn-lt"/>
+                <a:ea typeface="+mn-ea"/>
+                <a:cs typeface="+mn-cs"/>
+              </a:defRPr>
+            </a:lvl8pPr>
+            <a:lvl9pPr marL="3657600" indent="0" algn="ctr" defTabSz="914400" rtl="0" eaLnBrk="1" latinLnBrk="0" hangingPunct="1">
+              <a:lnSpc>
+                <a:spcPct val="90000"/>
+              </a:lnSpc>
+              <a:spcBef>
+                <a:spcPts val="500"/>
+              </a:spcBef>
+              <a:buFont typeface="Arial" panose="020B0604020202020204" pitchFamily="34" charset="0"/>
+              <a:buNone/>
+              <a:defRPr sz="1600" kern="1200">
+                <a:solidFill>
+                  <a:schemeClr val="tx1"/>
+                </a:solidFill>
+                <a:latin typeface="+mn-lt"/>
+                <a:ea typeface="+mn-ea"/>
+                <a:cs typeface="+mn-cs"/>
+              </a:defRPr>
+            </a:lvl9pPr>
+          </a:lstStyle>
+          <a:p>
+            <a:pPr algn="l"/>
+            <a:r>
+              <a:rPr lang="fr-FR" b="1" dirty="0" err="1"/>
+              <a:t>Some</a:t>
+            </a:r>
+            <a:r>
+              <a:rPr lang="fr-FR" b="1" dirty="0"/>
+              <a:t> </a:t>
+            </a:r>
+            <a:r>
+              <a:rPr lang="fr-FR" b="1" dirty="0" err="1"/>
+              <a:t>features</a:t>
+            </a:r>
+            <a:endParaRPr lang="fr-FR" b="1" dirty="0"/>
+          </a:p>
+          <a:p>
+            <a:pPr algn="l"/>
+            <a:r>
+              <a:rPr lang="fr-FR" dirty="0" err="1"/>
+              <a:t>Parallel</a:t>
+            </a:r>
+            <a:r>
+              <a:rPr lang="fr-FR" dirty="0"/>
+              <a:t>, Distributed, Accelerator support</a:t>
+            </a:r>
+          </a:p>
+          <a:p>
+            <a:pPr algn="l"/>
+            <a:r>
+              <a:rPr lang="fr-FR" dirty="0" err="1"/>
+              <a:t>Languages</a:t>
+            </a:r>
+            <a:r>
+              <a:rPr lang="fr-FR" dirty="0"/>
+              <a:t> (</a:t>
+            </a:r>
+            <a:r>
+              <a:rPr lang="fr-FR" dirty="0" err="1"/>
+              <a:t>inference</a:t>
+            </a:r>
+            <a:r>
+              <a:rPr lang="fr-FR" dirty="0"/>
+              <a:t>)</a:t>
+            </a:r>
+          </a:p>
+          <a:p>
+            <a:pPr algn="l"/>
+            <a:r>
+              <a:rPr lang="fr-FR" dirty="0" err="1"/>
+              <a:t>Serving</a:t>
+            </a:r>
+            <a:endParaRPr lang="fr-FR" dirty="0"/>
+          </a:p>
+          <a:p>
+            <a:pPr algn="l"/>
+            <a:r>
+              <a:rPr lang="fr-FR" dirty="0" err="1"/>
+              <a:t>Tensorboard</a:t>
+            </a:r>
+            <a:endParaRPr lang="fr-FR" dirty="0"/>
+          </a:p>
+          <a:p>
+            <a:pPr algn="l"/>
+            <a:r>
+              <a:rPr lang="fr-FR" dirty="0"/>
+              <a:t>…</a:t>
+            </a:r>
+          </a:p>
+        </p:txBody>
+      </p:sp>
+      <p:pic>
+        <p:nvPicPr>
+          <p:cNvPr id="3" name="Image 2">
+            <a:extLst>
+              <a:ext uri="{FF2B5EF4-FFF2-40B4-BE49-F238E27FC236}">
+                <a16:creationId xmlns:a16="http://schemas.microsoft.com/office/drawing/2014/main" id="{DE9DBA96-0E7F-4785-AD14-E47C80B53E77}"/>
+              </a:ext>
+            </a:extLst>
+          </p:cNvPr>
+          <p:cNvPicPr>
+            <a:picLocks noChangeAspect="1"/>
+          </p:cNvPicPr>
+          <p:nvPr/>
+        </p:nvPicPr>
+        <p:blipFill>
+          <a:blip r:embed="rId3"/>
+          <a:stretch>
+            <a:fillRect/>
+          </a:stretch>
+        </p:blipFill>
+        <p:spPr>
+          <a:xfrm>
+            <a:off x="1544363" y="2661735"/>
+            <a:ext cx="4959366" cy="2389330"/>
+          </a:xfrm>
+          <a:prstGeom prst="rect">
+            <a:avLst/>
+          </a:prstGeom>
+        </p:spPr>
+      </p:pic>
+      <p:sp>
+        <p:nvSpPr>
+          <p:cNvPr id="15" name="Content Placeholder 2">
+            <a:extLst>
+              <a:ext uri="{FF2B5EF4-FFF2-40B4-BE49-F238E27FC236}">
+                <a16:creationId xmlns:a16="http://schemas.microsoft.com/office/drawing/2014/main" id="{0DC8995E-BCAC-4B26-8626-D5731F961AAC}"/>
+              </a:ext>
+            </a:extLst>
+          </p:cNvPr>
+          <p:cNvSpPr txBox="1">
+            <a:spLocks/>
+          </p:cNvSpPr>
+          <p:nvPr/>
+        </p:nvSpPr>
+        <p:spPr>
+          <a:xfrm>
+            <a:off x="940941" y="1644991"/>
+            <a:ext cx="6672210" cy="1016744"/>
+          </a:xfrm>
+          <a:prstGeom prst="rect">
+            <a:avLst/>
+          </a:prstGeom>
+        </p:spPr>
+        <p:txBody>
+          <a:bodyPr vert="horz" lIns="91440" tIns="45720" rIns="91440" bIns="45720" rtlCol="0">
+            <a:normAutofit/>
+          </a:bodyPr>
+          <a:lstStyle>
+            <a:lvl1pPr marL="0" indent="0" algn="ctr" defTabSz="914400" rtl="0" eaLnBrk="1" latinLnBrk="0" hangingPunct="1">
+              <a:lnSpc>
+                <a:spcPct val="90000"/>
+              </a:lnSpc>
+              <a:spcBef>
+                <a:spcPts val="1000"/>
+              </a:spcBef>
+              <a:buFont typeface="Arial" panose="020B0604020202020204" pitchFamily="34" charset="0"/>
+              <a:buNone/>
+              <a:defRPr sz="2400" kern="1200">
+                <a:solidFill>
+                  <a:schemeClr val="tx1"/>
+                </a:solidFill>
+                <a:latin typeface="+mn-lt"/>
+                <a:ea typeface="+mn-ea"/>
+                <a:cs typeface="+mn-cs"/>
+              </a:defRPr>
+            </a:lvl1pPr>
+            <a:lvl2pPr marL="457200" indent="0" algn="ctr" defTabSz="914400" rtl="0" eaLnBrk="1" latinLnBrk="0" hangingPunct="1">
+              <a:lnSpc>
+                <a:spcPct val="90000"/>
+              </a:lnSpc>
+              <a:spcBef>
+                <a:spcPts val="500"/>
+              </a:spcBef>
+              <a:buFont typeface="Arial" panose="020B0604020202020204" pitchFamily="34" charset="0"/>
+              <a:buNone/>
+              <a:defRPr sz="2000" kern="1200">
+                <a:solidFill>
+                  <a:schemeClr val="tx1"/>
+                </a:solidFill>
+                <a:latin typeface="+mn-lt"/>
+                <a:ea typeface="+mn-ea"/>
+                <a:cs typeface="+mn-cs"/>
+              </a:defRPr>
+            </a:lvl2pPr>
+            <a:lvl3pPr marL="914400" indent="0" algn="ctr" defTabSz="914400" rtl="0" eaLnBrk="1" latinLnBrk="0" hangingPunct="1">
+              <a:lnSpc>
+                <a:spcPct val="90000"/>
+              </a:lnSpc>
+              <a:spcBef>
+                <a:spcPts val="500"/>
+              </a:spcBef>
+              <a:buFont typeface="Arial" panose="020B0604020202020204" pitchFamily="34" charset="0"/>
+              <a:buNone/>
+              <a:defRPr sz="1800" kern="1200">
+                <a:solidFill>
+                  <a:schemeClr val="tx1"/>
+                </a:solidFill>
+                <a:latin typeface="+mn-lt"/>
+                <a:ea typeface="+mn-ea"/>
+                <a:cs typeface="+mn-cs"/>
+              </a:defRPr>
+            </a:lvl3pPr>
+            <a:lvl4pPr marL="1371600" indent="0" algn="ctr" defTabSz="914400" rtl="0" eaLnBrk="1" latinLnBrk="0" hangingPunct="1">
+              <a:lnSpc>
+                <a:spcPct val="90000"/>
+              </a:lnSpc>
+              <a:spcBef>
+                <a:spcPts val="500"/>
+              </a:spcBef>
+              <a:buFont typeface="Arial" panose="020B0604020202020204" pitchFamily="34" charset="0"/>
+              <a:buNone/>
+              <a:defRPr sz="1600" kern="1200">
+                <a:solidFill>
+                  <a:schemeClr val="tx1"/>
+                </a:solidFill>
+                <a:latin typeface="+mn-lt"/>
+                <a:ea typeface="+mn-ea"/>
+                <a:cs typeface="+mn-cs"/>
+              </a:defRPr>
+            </a:lvl4pPr>
+            <a:lvl5pPr marL="1828800" indent="0" algn="ctr" defTabSz="914400" rtl="0" eaLnBrk="1" latinLnBrk="0" hangingPunct="1">
+              <a:lnSpc>
+                <a:spcPct val="90000"/>
+              </a:lnSpc>
+              <a:spcBef>
+                <a:spcPts val="500"/>
+              </a:spcBef>
+              <a:buFont typeface="Arial" panose="020B0604020202020204" pitchFamily="34" charset="0"/>
+              <a:buNone/>
+              <a:defRPr sz="1600" kern="1200">
+                <a:solidFill>
+                  <a:schemeClr val="tx1"/>
+                </a:solidFill>
+                <a:latin typeface="+mn-lt"/>
+                <a:ea typeface="+mn-ea"/>
+                <a:cs typeface="+mn-cs"/>
+              </a:defRPr>
+            </a:lvl5pPr>
+            <a:lvl6pPr marL="2286000" indent="0" algn="ctr" defTabSz="914400" rtl="0" eaLnBrk="1" latinLnBrk="0" hangingPunct="1">
+              <a:lnSpc>
+                <a:spcPct val="90000"/>
+              </a:lnSpc>
+              <a:spcBef>
+                <a:spcPts val="500"/>
+              </a:spcBef>
+              <a:buFont typeface="Arial" panose="020B0604020202020204" pitchFamily="34" charset="0"/>
+              <a:buNone/>
+              <a:defRPr sz="1600" kern="1200">
+                <a:solidFill>
+                  <a:schemeClr val="tx1"/>
+                </a:solidFill>
+                <a:latin typeface="+mn-lt"/>
+                <a:ea typeface="+mn-ea"/>
+                <a:cs typeface="+mn-cs"/>
+              </a:defRPr>
+            </a:lvl6pPr>
+            <a:lvl7pPr marL="2743200" indent="0" algn="ctr" defTabSz="914400" rtl="0" eaLnBrk="1" latinLnBrk="0" hangingPunct="1">
+              <a:lnSpc>
+                <a:spcPct val="90000"/>
+              </a:lnSpc>
+              <a:spcBef>
+                <a:spcPts val="500"/>
+              </a:spcBef>
+              <a:buFont typeface="Arial" panose="020B0604020202020204" pitchFamily="34" charset="0"/>
+              <a:buNone/>
+              <a:defRPr sz="1600" kern="1200">
+                <a:solidFill>
+                  <a:schemeClr val="tx1"/>
+                </a:solidFill>
+                <a:latin typeface="+mn-lt"/>
+                <a:ea typeface="+mn-ea"/>
+                <a:cs typeface="+mn-cs"/>
+              </a:defRPr>
+            </a:lvl7pPr>
+            <a:lvl8pPr marL="3200400" indent="0" algn="ctr" defTabSz="914400" rtl="0" eaLnBrk="1" latinLnBrk="0" hangingPunct="1">
+              <a:lnSpc>
+                <a:spcPct val="90000"/>
+              </a:lnSpc>
+              <a:spcBef>
+                <a:spcPts val="500"/>
+              </a:spcBef>
+              <a:buFont typeface="Arial" panose="020B0604020202020204" pitchFamily="34" charset="0"/>
+              <a:buNone/>
+              <a:defRPr sz="1600" kern="1200">
+                <a:solidFill>
+                  <a:schemeClr val="tx1"/>
+                </a:solidFill>
+                <a:latin typeface="+mn-lt"/>
+                <a:ea typeface="+mn-ea"/>
+                <a:cs typeface="+mn-cs"/>
+              </a:defRPr>
+            </a:lvl8pPr>
+            <a:lvl9pPr marL="3657600" indent="0" algn="ctr" defTabSz="914400" rtl="0" eaLnBrk="1" latinLnBrk="0" hangingPunct="1">
+              <a:lnSpc>
+                <a:spcPct val="90000"/>
+              </a:lnSpc>
+              <a:spcBef>
+                <a:spcPts val="500"/>
+              </a:spcBef>
+              <a:buFont typeface="Arial" panose="020B0604020202020204" pitchFamily="34" charset="0"/>
+              <a:buNone/>
+              <a:defRPr sz="1600" kern="1200">
+                <a:solidFill>
+                  <a:schemeClr val="tx1"/>
+                </a:solidFill>
+                <a:latin typeface="+mn-lt"/>
+                <a:ea typeface="+mn-ea"/>
+                <a:cs typeface="+mn-cs"/>
+              </a:defRPr>
+            </a:lvl9pPr>
+          </a:lstStyle>
+          <a:p>
+            <a:pPr algn="l"/>
+            <a:r>
+              <a:rPr lang="fr-FR" dirty="0"/>
+              <a:t>Model </a:t>
+            </a:r>
+            <a:r>
+              <a:rPr lang="fr-FR" dirty="0" err="1"/>
+              <a:t>is</a:t>
+            </a:r>
+            <a:r>
+              <a:rPr lang="fr-FR" dirty="0"/>
+              <a:t> a graph of </a:t>
+            </a:r>
+            <a:r>
+              <a:rPr lang="fr-FR" dirty="0" err="1"/>
+              <a:t>parameterized</a:t>
+            </a:r>
+            <a:r>
+              <a:rPr lang="fr-FR" dirty="0"/>
+              <a:t> transformations</a:t>
+            </a:r>
+          </a:p>
+          <a:p>
+            <a:pPr algn="l"/>
+            <a:r>
+              <a:rPr lang="fr-FR" dirty="0"/>
+              <a:t>Joint of </a:t>
+            </a:r>
+            <a:r>
+              <a:rPr lang="fr-FR" dirty="0" err="1"/>
+              <a:t>optimization</a:t>
+            </a:r>
+            <a:r>
+              <a:rPr lang="fr-FR" dirty="0"/>
+              <a:t> of all </a:t>
+            </a:r>
+            <a:r>
+              <a:rPr lang="fr-FR" dirty="0" err="1"/>
+              <a:t>parameters</a:t>
+            </a:r>
+            <a:endParaRPr lang="fr-FR" dirty="0"/>
+          </a:p>
+        </p:txBody>
+      </p:sp>
+      <p:sp>
+        <p:nvSpPr>
+          <p:cNvPr id="16" name="Content Placeholder 2">
+            <a:extLst>
+              <a:ext uri="{FF2B5EF4-FFF2-40B4-BE49-F238E27FC236}">
+                <a16:creationId xmlns:a16="http://schemas.microsoft.com/office/drawing/2014/main" id="{BB8469D1-F0DF-4F41-AE21-DA9C41D9BFD2}"/>
+              </a:ext>
+            </a:extLst>
+          </p:cNvPr>
+          <p:cNvSpPr txBox="1">
+            <a:spLocks/>
+          </p:cNvSpPr>
+          <p:nvPr/>
+        </p:nvSpPr>
+        <p:spPr>
+          <a:xfrm>
+            <a:off x="940940" y="5051065"/>
+            <a:ext cx="6929063" cy="1325562"/>
+          </a:xfrm>
+          <a:prstGeom prst="rect">
+            <a:avLst/>
+          </a:prstGeom>
+        </p:spPr>
+        <p:txBody>
+          <a:bodyPr vert="horz" lIns="91440" tIns="45720" rIns="91440" bIns="45720" rtlCol="0">
+            <a:normAutofit/>
+          </a:bodyPr>
+          <a:lstStyle>
+            <a:lvl1pPr marL="0" indent="0" algn="ctr" defTabSz="914400" rtl="0" eaLnBrk="1" latinLnBrk="0" hangingPunct="1">
+              <a:lnSpc>
+                <a:spcPct val="90000"/>
+              </a:lnSpc>
+              <a:spcBef>
+                <a:spcPts val="1000"/>
+              </a:spcBef>
+              <a:buFont typeface="Arial" panose="020B0604020202020204" pitchFamily="34" charset="0"/>
+              <a:buNone/>
+              <a:defRPr sz="2400" kern="1200">
+                <a:solidFill>
+                  <a:schemeClr val="tx1"/>
+                </a:solidFill>
+                <a:latin typeface="+mn-lt"/>
+                <a:ea typeface="+mn-ea"/>
+                <a:cs typeface="+mn-cs"/>
+              </a:defRPr>
+            </a:lvl1pPr>
+            <a:lvl2pPr marL="457200" indent="0" algn="ctr" defTabSz="914400" rtl="0" eaLnBrk="1" latinLnBrk="0" hangingPunct="1">
+              <a:lnSpc>
+                <a:spcPct val="90000"/>
+              </a:lnSpc>
+              <a:spcBef>
+                <a:spcPts val="500"/>
+              </a:spcBef>
+              <a:buFont typeface="Arial" panose="020B0604020202020204" pitchFamily="34" charset="0"/>
+              <a:buNone/>
+              <a:defRPr sz="2000" kern="1200">
+                <a:solidFill>
+                  <a:schemeClr val="tx1"/>
+                </a:solidFill>
+                <a:latin typeface="+mn-lt"/>
+                <a:ea typeface="+mn-ea"/>
+                <a:cs typeface="+mn-cs"/>
+              </a:defRPr>
+            </a:lvl2pPr>
+            <a:lvl3pPr marL="914400" indent="0" algn="ctr" defTabSz="914400" rtl="0" eaLnBrk="1" latinLnBrk="0" hangingPunct="1">
+              <a:lnSpc>
+                <a:spcPct val="90000"/>
+              </a:lnSpc>
+              <a:spcBef>
+                <a:spcPts val="500"/>
+              </a:spcBef>
+              <a:buFont typeface="Arial" panose="020B0604020202020204" pitchFamily="34" charset="0"/>
+              <a:buNone/>
+              <a:defRPr sz="1800" kern="1200">
+                <a:solidFill>
+                  <a:schemeClr val="tx1"/>
+                </a:solidFill>
+                <a:latin typeface="+mn-lt"/>
+                <a:ea typeface="+mn-ea"/>
+                <a:cs typeface="+mn-cs"/>
+              </a:defRPr>
+            </a:lvl3pPr>
+            <a:lvl4pPr marL="1371600" indent="0" algn="ctr" defTabSz="914400" rtl="0" eaLnBrk="1" latinLnBrk="0" hangingPunct="1">
+              <a:lnSpc>
+                <a:spcPct val="90000"/>
+              </a:lnSpc>
+              <a:spcBef>
+                <a:spcPts val="500"/>
+              </a:spcBef>
+              <a:buFont typeface="Arial" panose="020B0604020202020204" pitchFamily="34" charset="0"/>
+              <a:buNone/>
+              <a:defRPr sz="1600" kern="1200">
+                <a:solidFill>
+                  <a:schemeClr val="tx1"/>
+                </a:solidFill>
+                <a:latin typeface="+mn-lt"/>
+                <a:ea typeface="+mn-ea"/>
+                <a:cs typeface="+mn-cs"/>
+              </a:defRPr>
+            </a:lvl4pPr>
+            <a:lvl5pPr marL="1828800" indent="0" algn="ctr" defTabSz="914400" rtl="0" eaLnBrk="1" latinLnBrk="0" hangingPunct="1">
+              <a:lnSpc>
+                <a:spcPct val="90000"/>
+              </a:lnSpc>
+              <a:spcBef>
+                <a:spcPts val="500"/>
+              </a:spcBef>
+              <a:buFont typeface="Arial" panose="020B0604020202020204" pitchFamily="34" charset="0"/>
+              <a:buNone/>
+              <a:defRPr sz="1600" kern="1200">
+                <a:solidFill>
+                  <a:schemeClr val="tx1"/>
+                </a:solidFill>
+                <a:latin typeface="+mn-lt"/>
+                <a:ea typeface="+mn-ea"/>
+                <a:cs typeface="+mn-cs"/>
+              </a:defRPr>
+            </a:lvl5pPr>
+            <a:lvl6pPr marL="2286000" indent="0" algn="ctr" defTabSz="914400" rtl="0" eaLnBrk="1" latinLnBrk="0" hangingPunct="1">
+              <a:lnSpc>
+                <a:spcPct val="90000"/>
+              </a:lnSpc>
+              <a:spcBef>
+                <a:spcPts val="500"/>
+              </a:spcBef>
+              <a:buFont typeface="Arial" panose="020B0604020202020204" pitchFamily="34" charset="0"/>
+              <a:buNone/>
+              <a:defRPr sz="1600" kern="1200">
+                <a:solidFill>
+                  <a:schemeClr val="tx1"/>
+                </a:solidFill>
+                <a:latin typeface="+mn-lt"/>
+                <a:ea typeface="+mn-ea"/>
+                <a:cs typeface="+mn-cs"/>
+              </a:defRPr>
+            </a:lvl6pPr>
+            <a:lvl7pPr marL="2743200" indent="0" algn="ctr" defTabSz="914400" rtl="0" eaLnBrk="1" latinLnBrk="0" hangingPunct="1">
+              <a:lnSpc>
+                <a:spcPct val="90000"/>
+              </a:lnSpc>
+              <a:spcBef>
+                <a:spcPts val="500"/>
+              </a:spcBef>
+              <a:buFont typeface="Arial" panose="020B0604020202020204" pitchFamily="34" charset="0"/>
+              <a:buNone/>
+              <a:defRPr sz="1600" kern="1200">
+                <a:solidFill>
+                  <a:schemeClr val="tx1"/>
+                </a:solidFill>
+                <a:latin typeface="+mn-lt"/>
+                <a:ea typeface="+mn-ea"/>
+                <a:cs typeface="+mn-cs"/>
+              </a:defRPr>
+            </a:lvl7pPr>
+            <a:lvl8pPr marL="3200400" indent="0" algn="ctr" defTabSz="914400" rtl="0" eaLnBrk="1" latinLnBrk="0" hangingPunct="1">
+              <a:lnSpc>
+                <a:spcPct val="90000"/>
+              </a:lnSpc>
+              <a:spcBef>
+                <a:spcPts val="500"/>
+              </a:spcBef>
+              <a:buFont typeface="Arial" panose="020B0604020202020204" pitchFamily="34" charset="0"/>
+              <a:buNone/>
+              <a:defRPr sz="1600" kern="1200">
+                <a:solidFill>
+                  <a:schemeClr val="tx1"/>
+                </a:solidFill>
+                <a:latin typeface="+mn-lt"/>
+                <a:ea typeface="+mn-ea"/>
+                <a:cs typeface="+mn-cs"/>
+              </a:defRPr>
+            </a:lvl8pPr>
+            <a:lvl9pPr marL="3657600" indent="0" algn="ctr" defTabSz="914400" rtl="0" eaLnBrk="1" latinLnBrk="0" hangingPunct="1">
+              <a:lnSpc>
+                <a:spcPct val="90000"/>
+              </a:lnSpc>
+              <a:spcBef>
+                <a:spcPts val="500"/>
+              </a:spcBef>
+              <a:buFont typeface="Arial" panose="020B0604020202020204" pitchFamily="34" charset="0"/>
+              <a:buNone/>
+              <a:defRPr sz="1600" kern="1200">
+                <a:solidFill>
+                  <a:schemeClr val="tx1"/>
+                </a:solidFill>
+                <a:latin typeface="+mn-lt"/>
+                <a:ea typeface="+mn-ea"/>
+                <a:cs typeface="+mn-cs"/>
+              </a:defRPr>
+            </a:lvl9pPr>
+          </a:lstStyle>
+          <a:p>
+            <a:pPr algn="l"/>
+            <a:r>
+              <a:rPr lang="fr-FR" dirty="0" err="1">
+                <a:solidFill>
+                  <a:schemeClr val="accent1">
+                    <a:lumMod val="75000"/>
+                  </a:schemeClr>
+                </a:solidFill>
+              </a:rPr>
+              <a:t>Automatic</a:t>
+            </a:r>
+            <a:r>
+              <a:rPr lang="fr-FR" dirty="0">
+                <a:solidFill>
+                  <a:schemeClr val="accent1">
+                    <a:lumMod val="75000"/>
+                  </a:schemeClr>
+                </a:solidFill>
+              </a:rPr>
+              <a:t> </a:t>
+            </a:r>
+            <a:r>
+              <a:rPr lang="fr-FR" dirty="0" err="1">
+                <a:solidFill>
+                  <a:schemeClr val="accent1">
+                    <a:lumMod val="75000"/>
+                  </a:schemeClr>
+                </a:solidFill>
+              </a:rPr>
+              <a:t>differentiation</a:t>
+            </a:r>
+            <a:r>
+              <a:rPr lang="fr-FR" dirty="0">
+                <a:solidFill>
+                  <a:schemeClr val="accent1">
+                    <a:lumMod val="75000"/>
+                  </a:schemeClr>
+                </a:solidFill>
+              </a:rPr>
+              <a:t> </a:t>
+            </a:r>
+            <a:r>
+              <a:rPr lang="fr-FR" dirty="0"/>
+              <a:t>(vs </a:t>
+            </a:r>
+            <a:r>
+              <a:rPr lang="fr-FR" dirty="0" err="1"/>
+              <a:t>numeric</a:t>
+            </a:r>
+            <a:r>
+              <a:rPr lang="fr-FR" dirty="0"/>
+              <a:t> </a:t>
+            </a:r>
+            <a:r>
+              <a:rPr lang="fr-FR" dirty="0" err="1"/>
+              <a:t>differentiation</a:t>
+            </a:r>
+            <a:r>
+              <a:rPr lang="fr-FR" dirty="0"/>
+              <a:t>)</a:t>
+            </a:r>
+          </a:p>
+          <a:p>
+            <a:pPr algn="l"/>
+            <a:r>
+              <a:rPr lang="fr-FR" dirty="0">
+                <a:sym typeface="Wingdings" panose="05000000000000000000" pitchFamily="2" charset="2"/>
+              </a:rPr>
+              <a:t> Need to use </a:t>
+            </a:r>
+            <a:r>
+              <a:rPr lang="fr-FR" dirty="0" err="1">
+                <a:sym typeface="Wingdings" panose="05000000000000000000" pitchFamily="2" charset="2"/>
+              </a:rPr>
+              <a:t>tensorflow</a:t>
+            </a:r>
+            <a:r>
+              <a:rPr lang="fr-FR" dirty="0">
+                <a:sym typeface="Wingdings" panose="05000000000000000000" pitchFamily="2" charset="2"/>
+              </a:rPr>
+              <a:t> </a:t>
+            </a:r>
+            <a:r>
+              <a:rPr lang="fr-FR" dirty="0" err="1">
+                <a:sym typeface="Wingdings" panose="05000000000000000000" pitchFamily="2" charset="2"/>
+              </a:rPr>
+              <a:t>functions</a:t>
+            </a:r>
+            <a:r>
+              <a:rPr lang="fr-FR" dirty="0">
+                <a:sym typeface="Wingdings" panose="05000000000000000000" pitchFamily="2" charset="2"/>
+              </a:rPr>
+              <a:t>, </a:t>
+            </a:r>
+            <a:r>
+              <a:rPr lang="fr-FR" dirty="0">
+                <a:solidFill>
+                  <a:schemeClr val="accent1">
+                    <a:lumMod val="75000"/>
+                  </a:schemeClr>
+                </a:solidFill>
+                <a:sym typeface="Wingdings" panose="05000000000000000000" pitchFamily="2" charset="2"/>
+              </a:rPr>
+              <a:t>code </a:t>
+            </a:r>
+            <a:r>
+              <a:rPr lang="fr-FR" dirty="0" err="1">
+                <a:solidFill>
+                  <a:schemeClr val="accent1">
+                    <a:lumMod val="75000"/>
+                  </a:schemeClr>
+                </a:solidFill>
+                <a:sym typeface="Wingdings" panose="05000000000000000000" pitchFamily="2" charset="2"/>
+              </a:rPr>
+              <a:t>is</a:t>
+            </a:r>
+            <a:r>
+              <a:rPr lang="fr-FR" dirty="0">
+                <a:solidFill>
+                  <a:schemeClr val="accent1">
+                    <a:lumMod val="75000"/>
+                  </a:schemeClr>
+                </a:solidFill>
+                <a:sym typeface="Wingdings" panose="05000000000000000000" pitchFamily="2" charset="2"/>
+              </a:rPr>
+              <a:t> data</a:t>
+            </a:r>
+            <a:r>
+              <a:rPr lang="fr-FR" dirty="0">
+                <a:sym typeface="Wingdings" panose="05000000000000000000" pitchFamily="2" charset="2"/>
+              </a:rPr>
+              <a:t> !</a:t>
+            </a:r>
+            <a:endParaRPr lang="fr-FR" dirty="0"/>
+          </a:p>
+        </p:txBody>
+      </p:sp>
+    </p:spTree>
+    <p:extLst>
+      <p:ext uri="{BB962C8B-B14F-4D97-AF65-F5344CB8AC3E}">
+        <p14:creationId xmlns:p14="http://schemas.microsoft.com/office/powerpoint/2010/main" val="3149335831"/>
+      </p:ext>
+    </p:extLst>
+  </p:cSld>
+  <p:clrMapOvr>
+    <a:masterClrMapping/>
+  </p:clrMapOvr>
+</p:sld>
+</file>
+
+<file path=ppt/slides/slide6.xml><?xml version="1.0" encoding="utf-8"?>
+<p:sld xmlns:a="http://schemas.openxmlformats.org/drawingml/2006/main" xmlns:r="http://schemas.openxmlformats.org/officeDocument/2006/relationships" xmlns:p="http://schemas.openxmlformats.org/presentationml/2006/main">
+  <p:cSld>
+    <p:spTree>
+      <p:nvGrpSpPr>
+        <p:cNvPr id="1" name=""/>
+        <p:cNvGrpSpPr/>
+        <p:nvPr/>
+      </p:nvGrpSpPr>
+      <p:grpSpPr>
+        <a:xfrm>
+          <a:off x="0" y="0"/>
+          <a:ext cx="0" cy="0"/>
+          <a:chOff x="0" y="0"/>
+          <a:chExt cx="0" cy="0"/>
+        </a:xfrm>
+      </p:grpSpPr>
+      <p:sp>
+        <p:nvSpPr>
+          <p:cNvPr id="20" name="Title 1">
+            <a:extLst>
+              <a:ext uri="{FF2B5EF4-FFF2-40B4-BE49-F238E27FC236}">
+                <a16:creationId xmlns:a16="http://schemas.microsoft.com/office/drawing/2014/main" id="{0570BA3D-6C70-4605-AB44-1A560B5B2F16}"/>
+              </a:ext>
+            </a:extLst>
+          </p:cNvPr>
+          <p:cNvSpPr txBox="1">
+            <a:spLocks/>
+          </p:cNvSpPr>
+          <p:nvPr/>
+        </p:nvSpPr>
+        <p:spPr>
+          <a:xfrm>
+            <a:off x="838200" y="365125"/>
+            <a:ext cx="10515600" cy="1325563"/>
+          </a:xfrm>
+          <a:prstGeom prst="rect">
+            <a:avLst/>
+          </a:prstGeom>
+        </p:spPr>
+        <p:txBody>
+          <a:bodyPr vert="horz" lIns="91440" tIns="45720" rIns="91440" bIns="45720" rtlCol="0" anchor="b">
+            <a:normAutofit/>
+          </a:bodyPr>
+          <a:lstStyle>
+            <a:lvl1pPr algn="ctr" defTabSz="914400" rtl="0" eaLnBrk="1" latinLnBrk="0" hangingPunct="1">
+              <a:lnSpc>
+                <a:spcPct val="90000"/>
+              </a:lnSpc>
+              <a:spcBef>
+                <a:spcPct val="0"/>
+              </a:spcBef>
+              <a:buNone/>
+              <a:defRPr sz="6000" kern="1200">
+                <a:solidFill>
+                  <a:schemeClr val="tx1"/>
+                </a:solidFill>
+                <a:latin typeface="+mj-lt"/>
+                <a:ea typeface="+mj-ea"/>
+                <a:cs typeface="+mj-cs"/>
+              </a:defRPr>
+            </a:lvl1pPr>
+          </a:lstStyle>
+          <a:p>
+            <a:pPr algn="l"/>
+            <a:r>
               <a:rPr lang="fr-FR" sz="5000" dirty="0" err="1"/>
               <a:t>Tensorflow</a:t>
             </a:r>
@@ -13178,7 +15039,7 @@
 </p:sld>
 </file>
 
-<file path=ppt/slides/slide6.xml><?xml version="1.0" encoding="utf-8"?>
+<file path=ppt/slides/slide7.xml><?xml version="1.0" encoding="utf-8"?>
 <p:sld xmlns:a="http://schemas.openxmlformats.org/drawingml/2006/main" xmlns:r="http://schemas.openxmlformats.org/officeDocument/2006/relationships" xmlns:p="http://schemas.openxmlformats.org/presentationml/2006/main">
   <p:cSld>
     <p:spTree>
@@ -13347,277 +15208,6 @@
 </p:sld>
 </file>
 
-<file path=ppt/slides/slide7.xml><?xml version="1.0" encoding="utf-8"?>
-<p:sld xmlns:a="http://schemas.openxmlformats.org/drawingml/2006/main" xmlns:r="http://schemas.openxmlformats.org/officeDocument/2006/relationships" xmlns:p="http://schemas.openxmlformats.org/presentationml/2006/main">
-  <p:cSld>
-    <p:spTree>
-      <p:nvGrpSpPr>
-        <p:cNvPr id="1" name=""/>
-        <p:cNvGrpSpPr/>
-        <p:nvPr/>
-      </p:nvGrpSpPr>
-      <p:grpSpPr>
-        <a:xfrm>
-          <a:off x="0" y="0"/>
-          <a:ext cx="0" cy="0"/>
-          <a:chOff x="0" y="0"/>
-          <a:chExt cx="0" cy="0"/>
-        </a:xfrm>
-      </p:grpSpPr>
-      <p:sp>
-        <p:nvSpPr>
-          <p:cNvPr id="4" name="Titre 3">
-            <a:extLst>
-              <a:ext uri="{FF2B5EF4-FFF2-40B4-BE49-F238E27FC236}">
-                <a16:creationId xmlns:a16="http://schemas.microsoft.com/office/drawing/2014/main" id="{4F9A23DF-1BAA-4D84-A1DE-F883220A5580}"/>
-              </a:ext>
-            </a:extLst>
-          </p:cNvPr>
-          <p:cNvSpPr>
-            <a:spLocks noGrp="1"/>
-          </p:cNvSpPr>
-          <p:nvPr>
-            <p:ph type="ctrTitle"/>
-          </p:nvPr>
-        </p:nvSpPr>
-        <p:spPr>
-          <a:xfrm>
-            <a:off x="1418771" y="1041400"/>
-            <a:ext cx="9354457" cy="2387600"/>
-          </a:xfrm>
-        </p:spPr>
-        <p:txBody>
-          <a:bodyPr/>
-          <a:lstStyle/>
-          <a:p>
-            <a:r>
-              <a:rPr lang="fr-FR" dirty="0"/>
-              <a:t>Spark </a:t>
-            </a:r>
-            <a:r>
-              <a:rPr lang="fr-FR" dirty="0" err="1"/>
-              <a:t>MLLib</a:t>
-            </a:r>
-            <a:endParaRPr lang="fr-FR" dirty="0"/>
-          </a:p>
-        </p:txBody>
-      </p:sp>
-      <p:sp>
-        <p:nvSpPr>
-          <p:cNvPr id="5" name="Content Placeholder 2">
-            <a:extLst>
-              <a:ext uri="{FF2B5EF4-FFF2-40B4-BE49-F238E27FC236}">
-                <a16:creationId xmlns:a16="http://schemas.microsoft.com/office/drawing/2014/main" id="{230D2EDC-ED90-4493-938B-82E31265A451}"/>
-              </a:ext>
-            </a:extLst>
-          </p:cNvPr>
-          <p:cNvSpPr txBox="1">
-            <a:spLocks/>
-          </p:cNvSpPr>
-          <p:nvPr/>
-        </p:nvSpPr>
-        <p:spPr>
-          <a:xfrm>
-            <a:off x="838200" y="4865914"/>
-            <a:ext cx="10515600" cy="458334"/>
-          </a:xfrm>
-          <a:prstGeom prst="rect">
-            <a:avLst/>
-          </a:prstGeom>
-        </p:spPr>
-        <p:txBody>
-          <a:bodyPr vert="horz" lIns="91440" tIns="45720" rIns="91440" bIns="45720" rtlCol="0">
-            <a:normAutofit/>
-          </a:bodyPr>
-          <a:lstStyle>
-            <a:lvl1pPr marL="0" indent="0" algn="ctr" defTabSz="914400" rtl="0" eaLnBrk="1" latinLnBrk="0" hangingPunct="1">
-              <a:lnSpc>
-                <a:spcPct val="90000"/>
-              </a:lnSpc>
-              <a:spcBef>
-                <a:spcPts val="1000"/>
-              </a:spcBef>
-              <a:buFont typeface="Arial" panose="020B0604020202020204" pitchFamily="34" charset="0"/>
-              <a:buNone/>
-              <a:defRPr sz="2400" kern="1200">
-                <a:solidFill>
-                  <a:schemeClr val="tx1"/>
-                </a:solidFill>
-                <a:latin typeface="+mn-lt"/>
-                <a:ea typeface="+mn-ea"/>
-                <a:cs typeface="+mn-cs"/>
-              </a:defRPr>
-            </a:lvl1pPr>
-            <a:lvl2pPr marL="457200" indent="0" algn="ctr" defTabSz="914400" rtl="0" eaLnBrk="1" latinLnBrk="0" hangingPunct="1">
-              <a:lnSpc>
-                <a:spcPct val="90000"/>
-              </a:lnSpc>
-              <a:spcBef>
-                <a:spcPts val="500"/>
-              </a:spcBef>
-              <a:buFont typeface="Arial" panose="020B0604020202020204" pitchFamily="34" charset="0"/>
-              <a:buNone/>
-              <a:defRPr sz="2000" kern="1200">
-                <a:solidFill>
-                  <a:schemeClr val="tx1"/>
-                </a:solidFill>
-                <a:latin typeface="+mn-lt"/>
-                <a:ea typeface="+mn-ea"/>
-                <a:cs typeface="+mn-cs"/>
-              </a:defRPr>
-            </a:lvl2pPr>
-            <a:lvl3pPr marL="914400" indent="0" algn="ctr" defTabSz="914400" rtl="0" eaLnBrk="1" latinLnBrk="0" hangingPunct="1">
-              <a:lnSpc>
-                <a:spcPct val="90000"/>
-              </a:lnSpc>
-              <a:spcBef>
-                <a:spcPts val="500"/>
-              </a:spcBef>
-              <a:buFont typeface="Arial" panose="020B0604020202020204" pitchFamily="34" charset="0"/>
-              <a:buNone/>
-              <a:defRPr sz="1800" kern="1200">
-                <a:solidFill>
-                  <a:schemeClr val="tx1"/>
-                </a:solidFill>
-                <a:latin typeface="+mn-lt"/>
-                <a:ea typeface="+mn-ea"/>
-                <a:cs typeface="+mn-cs"/>
-              </a:defRPr>
-            </a:lvl3pPr>
-            <a:lvl4pPr marL="1371600" indent="0" algn="ctr" defTabSz="914400" rtl="0" eaLnBrk="1" latinLnBrk="0" hangingPunct="1">
-              <a:lnSpc>
-                <a:spcPct val="90000"/>
-              </a:lnSpc>
-              <a:spcBef>
-                <a:spcPts val="500"/>
-              </a:spcBef>
-              <a:buFont typeface="Arial" panose="020B0604020202020204" pitchFamily="34" charset="0"/>
-              <a:buNone/>
-              <a:defRPr sz="1600" kern="1200">
-                <a:solidFill>
-                  <a:schemeClr val="tx1"/>
-                </a:solidFill>
-                <a:latin typeface="+mn-lt"/>
-                <a:ea typeface="+mn-ea"/>
-                <a:cs typeface="+mn-cs"/>
-              </a:defRPr>
-            </a:lvl4pPr>
-            <a:lvl5pPr marL="1828800" indent="0" algn="ctr" defTabSz="914400" rtl="0" eaLnBrk="1" latinLnBrk="0" hangingPunct="1">
-              <a:lnSpc>
-                <a:spcPct val="90000"/>
-              </a:lnSpc>
-              <a:spcBef>
-                <a:spcPts val="500"/>
-              </a:spcBef>
-              <a:buFont typeface="Arial" panose="020B0604020202020204" pitchFamily="34" charset="0"/>
-              <a:buNone/>
-              <a:defRPr sz="1600" kern="1200">
-                <a:solidFill>
-                  <a:schemeClr val="tx1"/>
-                </a:solidFill>
-                <a:latin typeface="+mn-lt"/>
-                <a:ea typeface="+mn-ea"/>
-                <a:cs typeface="+mn-cs"/>
-              </a:defRPr>
-            </a:lvl5pPr>
-            <a:lvl6pPr marL="2286000" indent="0" algn="ctr" defTabSz="914400" rtl="0" eaLnBrk="1" latinLnBrk="0" hangingPunct="1">
-              <a:lnSpc>
-                <a:spcPct val="90000"/>
-              </a:lnSpc>
-              <a:spcBef>
-                <a:spcPts val="500"/>
-              </a:spcBef>
-              <a:buFont typeface="Arial" panose="020B0604020202020204" pitchFamily="34" charset="0"/>
-              <a:buNone/>
-              <a:defRPr sz="1600" kern="1200">
-                <a:solidFill>
-                  <a:schemeClr val="tx1"/>
-                </a:solidFill>
-                <a:latin typeface="+mn-lt"/>
-                <a:ea typeface="+mn-ea"/>
-                <a:cs typeface="+mn-cs"/>
-              </a:defRPr>
-            </a:lvl6pPr>
-            <a:lvl7pPr marL="2743200" indent="0" algn="ctr" defTabSz="914400" rtl="0" eaLnBrk="1" latinLnBrk="0" hangingPunct="1">
-              <a:lnSpc>
-                <a:spcPct val="90000"/>
-              </a:lnSpc>
-              <a:spcBef>
-                <a:spcPts val="500"/>
-              </a:spcBef>
-              <a:buFont typeface="Arial" panose="020B0604020202020204" pitchFamily="34" charset="0"/>
-              <a:buNone/>
-              <a:defRPr sz="1600" kern="1200">
-                <a:solidFill>
-                  <a:schemeClr val="tx1"/>
-                </a:solidFill>
-                <a:latin typeface="+mn-lt"/>
-                <a:ea typeface="+mn-ea"/>
-                <a:cs typeface="+mn-cs"/>
-              </a:defRPr>
-            </a:lvl7pPr>
-            <a:lvl8pPr marL="3200400" indent="0" algn="ctr" defTabSz="914400" rtl="0" eaLnBrk="1" latinLnBrk="0" hangingPunct="1">
-              <a:lnSpc>
-                <a:spcPct val="90000"/>
-              </a:lnSpc>
-              <a:spcBef>
-                <a:spcPts val="500"/>
-              </a:spcBef>
-              <a:buFont typeface="Arial" panose="020B0604020202020204" pitchFamily="34" charset="0"/>
-              <a:buNone/>
-              <a:defRPr sz="1600" kern="1200">
-                <a:solidFill>
-                  <a:schemeClr val="tx1"/>
-                </a:solidFill>
-                <a:latin typeface="+mn-lt"/>
-                <a:ea typeface="+mn-ea"/>
-                <a:cs typeface="+mn-cs"/>
-              </a:defRPr>
-            </a:lvl8pPr>
-            <a:lvl9pPr marL="3657600" indent="0" algn="ctr" defTabSz="914400" rtl="0" eaLnBrk="1" latinLnBrk="0" hangingPunct="1">
-              <a:lnSpc>
-                <a:spcPct val="90000"/>
-              </a:lnSpc>
-              <a:spcBef>
-                <a:spcPts val="500"/>
-              </a:spcBef>
-              <a:buFont typeface="Arial" panose="020B0604020202020204" pitchFamily="34" charset="0"/>
-              <a:buNone/>
-              <a:defRPr sz="1600" kern="1200">
-                <a:solidFill>
-                  <a:schemeClr val="tx1"/>
-                </a:solidFill>
-                <a:latin typeface="+mn-lt"/>
-                <a:ea typeface="+mn-ea"/>
-                <a:cs typeface="+mn-cs"/>
-              </a:defRPr>
-            </a:lvl9pPr>
-          </a:lstStyle>
-          <a:p>
-            <a:r>
-              <a:rPr lang="fr-FR" i="1" dirty="0">
-                <a:latin typeface="Source Sans Pro Light" panose="020B0503030403020204" pitchFamily="34" charset="0"/>
-                <a:ea typeface="Source Sans Pro Light" panose="020B0503030403020204" pitchFamily="34" charset="0"/>
-                <a:cs typeface="Source Sans Pro" panose="020F0502020204030204" pitchFamily="34" charset="0"/>
-              </a:rPr>
-              <a:t>Version &gt;= 3.0</a:t>
-            </a:r>
-          </a:p>
-        </p:txBody>
-      </p:sp>
-    </p:spTree>
-    <p:extLst>
-      <p:ext uri="{BB962C8B-B14F-4D97-AF65-F5344CB8AC3E}">
-        <p14:creationId xmlns:p14="http://schemas.microsoft.com/office/powerpoint/2010/main" val="1498740070"/>
-      </p:ext>
-    </p:extLst>
-  </p:cSld>
-  <p:clrMapOvr>
-    <a:masterClrMapping/>
-  </p:clrMapOvr>
-</p:sld>
-</file>
-
 <file path=ppt/slides/slide8.xml><?xml version="1.0" encoding="utf-8"?>
 <p:sld xmlns:a="http://schemas.openxmlformats.org/drawingml/2006/main" xmlns:r="http://schemas.openxmlformats.org/officeDocument/2006/relationships" xmlns:p="http://schemas.openxmlformats.org/presentationml/2006/main">
   <p:cSld>
@@ -13637,10 +15227,10 @@
       </p:grpSpPr>
       <p:sp>
         <p:nvSpPr>
-          <p:cNvPr id="2" name="Title 1">
-            <a:extLst>
-              <a:ext uri="{FF2B5EF4-FFF2-40B4-BE49-F238E27FC236}">
-                <a16:creationId xmlns:a16="http://schemas.microsoft.com/office/drawing/2014/main" id="{E5B880AA-7B77-CD45-A051-9BEB76DD99F9}"/>
+          <p:cNvPr id="4" name="Titre 3">
+            <a:extLst>
+              <a:ext uri="{FF2B5EF4-FFF2-40B4-BE49-F238E27FC236}">
+                <a16:creationId xmlns:a16="http://schemas.microsoft.com/office/drawing/2014/main" id="{4F9A23DF-1BAA-4D84-A1DE-F883220A5580}"/>
               </a:ext>
             </a:extLst>
           </p:cNvPr>
@@ -13648,10 +15238,15 @@
             <a:spLocks noGrp="1"/>
           </p:cNvSpPr>
           <p:nvPr>
-            <p:ph type="title"/>
+            <p:ph type="ctrTitle"/>
           </p:nvPr>
         </p:nvSpPr>
-        <p:spPr/>
+        <p:spPr>
+          <a:xfrm>
+            <a:off x="1418771" y="1041400"/>
+            <a:ext cx="9354457" cy="2387600"/>
+          </a:xfrm>
+        </p:spPr>
         <p:txBody>
           <a:bodyPr/>
           <a:lstStyle/>
@@ -13662,15 +15257,7 @@
             </a:r>
             <a:r>
               <a:rPr lang="fr-FR" dirty="0" err="1"/>
-              <a:t>MLlib</a:t>
-            </a:r>
-            <a:r>
-              <a:rPr lang="fr-FR" dirty="0"/>
-              <a:t> - </a:t>
-            </a:r>
-            <a:r>
-              <a:rPr lang="fr-FR" dirty="0" err="1"/>
-              <a:t>Features</a:t>
+              <a:t>MLLib</a:t>
             </a:r>
             <a:endParaRPr lang="fr-FR" dirty="0"/>
           </a:p>
@@ -13678,122 +15265,211 @@
       </p:sp>
       <p:sp>
         <p:nvSpPr>
-          <p:cNvPr id="3" name="Content Placeholder 2">
-            <a:extLst>
-              <a:ext uri="{FF2B5EF4-FFF2-40B4-BE49-F238E27FC236}">
-                <a16:creationId xmlns:a16="http://schemas.microsoft.com/office/drawing/2014/main" id="{F9DFDAAA-0E06-3646-B9ED-48E3D656F6F1}"/>
-              </a:ext>
-            </a:extLst>
-          </p:cNvPr>
-          <p:cNvSpPr>
-            <a:spLocks noGrp="1"/>
+          <p:cNvPr id="5" name="Content Placeholder 2">
+            <a:extLst>
+              <a:ext uri="{FF2B5EF4-FFF2-40B4-BE49-F238E27FC236}">
+                <a16:creationId xmlns:a16="http://schemas.microsoft.com/office/drawing/2014/main" id="{230D2EDC-ED90-4493-938B-82E31265A451}"/>
+              </a:ext>
+            </a:extLst>
+          </p:cNvPr>
+          <p:cNvSpPr txBox="1">
+            <a:spLocks/>
           </p:cNvSpPr>
-          <p:nvPr>
-            <p:ph idx="1"/>
-          </p:nvPr>
-        </p:nvSpPr>
-        <p:spPr/>
-        <p:txBody>
-          <a:bodyPr>
+          <p:nvPr/>
+        </p:nvSpPr>
+        <p:spPr>
+          <a:xfrm>
+            <a:off x="838200" y="4865914"/>
+            <a:ext cx="10515600" cy="458334"/>
+          </a:xfrm>
+          <a:prstGeom prst="rect">
+            <a:avLst/>
+          </a:prstGeom>
+        </p:spPr>
+        <p:txBody>
+          <a:bodyPr vert="horz" lIns="91440" tIns="45720" rIns="91440" bIns="45720" rtlCol="0">
             <a:normAutofit/>
           </a:bodyPr>
-          <a:lstStyle/>
-          <a:p>
-            <a:pPr marL="0" indent="0">
-              <a:buNone/>
-            </a:pPr>
-            <a:r>
-              <a:rPr lang="fr-FR" dirty="0"/>
-              <a:t>ML </a:t>
-            </a:r>
-            <a:r>
-              <a:rPr lang="fr-FR" dirty="0" err="1"/>
-              <a:t>library</a:t>
-            </a:r>
-            <a:r>
-              <a:rPr lang="fr-FR" dirty="0"/>
-              <a:t> </a:t>
-            </a:r>
-            <a:r>
-              <a:rPr lang="fr-FR" dirty="0" err="1"/>
-              <a:t>built</a:t>
-            </a:r>
-            <a:r>
-              <a:rPr lang="fr-FR" dirty="0"/>
-              <a:t> on top of Spark</a:t>
-            </a:r>
-          </a:p>
-          <a:p>
-            <a:pPr>
-              <a:buFontTx/>
-              <a:buChar char="-"/>
-            </a:pPr>
-            <a:r>
-              <a:rPr lang="fr-FR" dirty="0"/>
-              <a:t>Python  / Scala / Java</a:t>
-            </a:r>
-          </a:p>
-          <a:p>
-            <a:pPr>
-              <a:buFontTx/>
-              <a:buChar char="-"/>
-            </a:pPr>
-            <a:r>
-              <a:rPr lang="fr-FR" dirty="0"/>
-              <a:t>Distributed</a:t>
-            </a:r>
-          </a:p>
-          <a:p>
-            <a:pPr marL="0" indent="0">
-              <a:buNone/>
-            </a:pPr>
-            <a:r>
-              <a:rPr lang="en" dirty="0"/>
-              <a:t>Features</a:t>
-            </a:r>
-          </a:p>
-          <a:p>
-            <a:pPr>
-              <a:buFontTx/>
-              <a:buChar char="-"/>
-            </a:pPr>
-            <a:r>
-              <a:rPr lang="en" dirty="0"/>
-              <a:t>ML algorithms : classification, regression, clustering, collaborative filtering…</a:t>
-            </a:r>
-          </a:p>
-          <a:p>
-            <a:pPr>
-              <a:buFontTx/>
-              <a:buChar char="-"/>
-            </a:pPr>
-            <a:r>
-              <a:rPr lang="en" dirty="0"/>
-              <a:t>Feature extraction and transformation</a:t>
-            </a:r>
-          </a:p>
-          <a:p>
-            <a:pPr>
-              <a:buFontTx/>
-              <a:buChar char="-"/>
-            </a:pPr>
-            <a:r>
-              <a:rPr lang="en" dirty="0"/>
-              <a:t>Pipelines (with persistence)</a:t>
-            </a:r>
-          </a:p>
-          <a:p>
-            <a:endParaRPr lang="fr-FR" dirty="0">
-              <a:latin typeface="Source Sans Pro" panose="020F0502020204030204" pitchFamily="34" charset="0"/>
-              <a:cs typeface="Source Sans Pro" panose="020F0502020204030204" pitchFamily="34" charset="0"/>
-            </a:endParaRPr>
+          <a:lstStyle>
+            <a:lvl1pPr marL="0" indent="0" algn="ctr" defTabSz="914400" rtl="0" eaLnBrk="1" latinLnBrk="0" hangingPunct="1">
+              <a:lnSpc>
+                <a:spcPct val="90000"/>
+              </a:lnSpc>
+              <a:spcBef>
+                <a:spcPts val="1000"/>
+              </a:spcBef>
+              <a:buFont typeface="Arial" panose="020B0604020202020204" pitchFamily="34" charset="0"/>
+              <a:buNone/>
+              <a:defRPr sz="2400" kern="1200">
+                <a:solidFill>
+                  <a:schemeClr val="tx1"/>
+                </a:solidFill>
+                <a:latin typeface="+mn-lt"/>
+                <a:ea typeface="+mn-ea"/>
+                <a:cs typeface="+mn-cs"/>
+              </a:defRPr>
+            </a:lvl1pPr>
+            <a:lvl2pPr marL="457200" indent="0" algn="ctr" defTabSz="914400" rtl="0" eaLnBrk="1" latinLnBrk="0" hangingPunct="1">
+              <a:lnSpc>
+                <a:spcPct val="90000"/>
+              </a:lnSpc>
+              <a:spcBef>
+                <a:spcPts val="500"/>
+              </a:spcBef>
+              <a:buFont typeface="Arial" panose="020B0604020202020204" pitchFamily="34" charset="0"/>
+              <a:buNone/>
+              <a:defRPr sz="2000" kern="1200">
+                <a:solidFill>
+                  <a:schemeClr val="tx1"/>
+                </a:solidFill>
+                <a:latin typeface="+mn-lt"/>
+                <a:ea typeface="+mn-ea"/>
+                <a:cs typeface="+mn-cs"/>
+              </a:defRPr>
+            </a:lvl2pPr>
+            <a:lvl3pPr marL="914400" indent="0" algn="ctr" defTabSz="914400" rtl="0" eaLnBrk="1" latinLnBrk="0" hangingPunct="1">
+              <a:lnSpc>
+                <a:spcPct val="90000"/>
+              </a:lnSpc>
+              <a:spcBef>
+                <a:spcPts val="500"/>
+              </a:spcBef>
+              <a:buFont typeface="Arial" panose="020B0604020202020204" pitchFamily="34" charset="0"/>
+              <a:buNone/>
+              <a:defRPr sz="1800" kern="1200">
+                <a:solidFill>
+                  <a:schemeClr val="tx1"/>
+                </a:solidFill>
+                <a:latin typeface="+mn-lt"/>
+                <a:ea typeface="+mn-ea"/>
+                <a:cs typeface="+mn-cs"/>
+              </a:defRPr>
+            </a:lvl3pPr>
+            <a:lvl4pPr marL="1371600" indent="0" algn="ctr" defTabSz="914400" rtl="0" eaLnBrk="1" latinLnBrk="0" hangingPunct="1">
+              <a:lnSpc>
+                <a:spcPct val="90000"/>
+              </a:lnSpc>
+              <a:spcBef>
+                <a:spcPts val="500"/>
+              </a:spcBef>
+              <a:buFont typeface="Arial" panose="020B0604020202020204" pitchFamily="34" charset="0"/>
+              <a:buNone/>
+              <a:defRPr sz="1600" kern="1200">
+                <a:solidFill>
+                  <a:schemeClr val="tx1"/>
+                </a:solidFill>
+                <a:latin typeface="+mn-lt"/>
+                <a:ea typeface="+mn-ea"/>
+                <a:cs typeface="+mn-cs"/>
+              </a:defRPr>
+            </a:lvl4pPr>
+            <a:lvl5pPr marL="1828800" indent="0" algn="ctr" defTabSz="914400" rtl="0" eaLnBrk="1" latinLnBrk="0" hangingPunct="1">
+              <a:lnSpc>
+                <a:spcPct val="90000"/>
+              </a:lnSpc>
+              <a:spcBef>
+                <a:spcPts val="500"/>
+              </a:spcBef>
+              <a:buFont typeface="Arial" panose="020B0604020202020204" pitchFamily="34" charset="0"/>
+              <a:buNone/>
+              <a:defRPr sz="1600" kern="1200">
+                <a:solidFill>
+                  <a:schemeClr val="tx1"/>
+                </a:solidFill>
+                <a:latin typeface="+mn-lt"/>
+                <a:ea typeface="+mn-ea"/>
+                <a:cs typeface="+mn-cs"/>
+              </a:defRPr>
+            </a:lvl5pPr>
+            <a:lvl6pPr marL="2286000" indent="0" algn="ctr" defTabSz="914400" rtl="0" eaLnBrk="1" latinLnBrk="0" hangingPunct="1">
+              <a:lnSpc>
+                <a:spcPct val="90000"/>
+              </a:lnSpc>
+              <a:spcBef>
+                <a:spcPts val="500"/>
+              </a:spcBef>
+              <a:buFont typeface="Arial" panose="020B0604020202020204" pitchFamily="34" charset="0"/>
+              <a:buNone/>
+              <a:defRPr sz="1600" kern="1200">
+                <a:solidFill>
+                  <a:schemeClr val="tx1"/>
+                </a:solidFill>
+                <a:latin typeface="+mn-lt"/>
+                <a:ea typeface="+mn-ea"/>
+                <a:cs typeface="+mn-cs"/>
+              </a:defRPr>
+            </a:lvl6pPr>
+            <a:lvl7pPr marL="2743200" indent="0" algn="ctr" defTabSz="914400" rtl="0" eaLnBrk="1" latinLnBrk="0" hangingPunct="1">
+              <a:lnSpc>
+                <a:spcPct val="90000"/>
+              </a:lnSpc>
+              <a:spcBef>
+                <a:spcPts val="500"/>
+              </a:spcBef>
+              <a:buFont typeface="Arial" panose="020B0604020202020204" pitchFamily="34" charset="0"/>
+              <a:buNone/>
+              <a:defRPr sz="1600" kern="1200">
+                <a:solidFill>
+                  <a:schemeClr val="tx1"/>
+                </a:solidFill>
+                <a:latin typeface="+mn-lt"/>
+                <a:ea typeface="+mn-ea"/>
+                <a:cs typeface="+mn-cs"/>
+              </a:defRPr>
+            </a:lvl7pPr>
+            <a:lvl8pPr marL="3200400" indent="0" algn="ctr" defTabSz="914400" rtl="0" eaLnBrk="1" latinLnBrk="0" hangingPunct="1">
+              <a:lnSpc>
+                <a:spcPct val="90000"/>
+              </a:lnSpc>
+              <a:spcBef>
+                <a:spcPts val="500"/>
+              </a:spcBef>
+              <a:buFont typeface="Arial" panose="020B0604020202020204" pitchFamily="34" charset="0"/>
+              <a:buNone/>
+              <a:defRPr sz="1600" kern="1200">
+                <a:solidFill>
+                  <a:schemeClr val="tx1"/>
+                </a:solidFill>
+                <a:latin typeface="+mn-lt"/>
+                <a:ea typeface="+mn-ea"/>
+                <a:cs typeface="+mn-cs"/>
+              </a:defRPr>
+            </a:lvl8pPr>
+            <a:lvl9pPr marL="3657600" indent="0" algn="ctr" defTabSz="914400" rtl="0" eaLnBrk="1" latinLnBrk="0" hangingPunct="1">
+              <a:lnSpc>
+                <a:spcPct val="90000"/>
+              </a:lnSpc>
+              <a:spcBef>
+                <a:spcPts val="500"/>
+              </a:spcBef>
+              <a:buFont typeface="Arial" panose="020B0604020202020204" pitchFamily="34" charset="0"/>
+              <a:buNone/>
+              <a:defRPr sz="1600" kern="1200">
+                <a:solidFill>
+                  <a:schemeClr val="tx1"/>
+                </a:solidFill>
+                <a:latin typeface="+mn-lt"/>
+                <a:ea typeface="+mn-ea"/>
+                <a:cs typeface="+mn-cs"/>
+              </a:defRPr>
+            </a:lvl9pPr>
+          </a:lstStyle>
+          <a:p>
+            <a:r>
+              <a:rPr lang="fr-FR" i="1" dirty="0">
+                <a:latin typeface="Source Sans Pro Light" panose="020B0503030403020204" pitchFamily="34" charset="0"/>
+                <a:ea typeface="Source Sans Pro Light" panose="020B0503030403020204" pitchFamily="34" charset="0"/>
+                <a:cs typeface="Source Sans Pro" panose="020F0502020204030204" pitchFamily="34" charset="0"/>
+              </a:rPr>
+              <a:t>Version &gt;= 3.0</a:t>
+            </a:r>
           </a:p>
         </p:txBody>
       </p:sp>
     </p:spTree>
     <p:extLst>
       <p:ext uri="{BB962C8B-B14F-4D97-AF65-F5344CB8AC3E}">
-        <p14:creationId xmlns:p14="http://schemas.microsoft.com/office/powerpoint/2010/main" val="4042130698"/>
+        <p14:creationId xmlns:p14="http://schemas.microsoft.com/office/powerpoint/2010/main" val="1498740070"/>
       </p:ext>
     </p:extLst>
   </p:cSld>
@@ -13822,10 +15498,10 @@
       </p:grpSpPr>
       <p:sp>
         <p:nvSpPr>
-          <p:cNvPr id="788" name="Title 1">
-            <a:extLst>
-              <a:ext uri="{FF2B5EF4-FFF2-40B4-BE49-F238E27FC236}">
-                <a16:creationId xmlns:a16="http://schemas.microsoft.com/office/drawing/2014/main" id="{0C9B6291-4386-4D73-9B28-DC39DFF6A1ED}"/>
+          <p:cNvPr id="2" name="Title 1">
+            <a:extLst>
+              <a:ext uri="{FF2B5EF4-FFF2-40B4-BE49-F238E27FC236}">
+                <a16:creationId xmlns:a16="http://schemas.microsoft.com/office/drawing/2014/main" id="{E5B880AA-7B77-CD45-A051-9BEB76DD99F9}"/>
               </a:ext>
             </a:extLst>
           </p:cNvPr>
@@ -13836,12 +15512,7 @@
             <p:ph type="title"/>
           </p:nvPr>
         </p:nvSpPr>
-        <p:spPr>
-          <a:xfrm>
-            <a:off x="838200" y="365125"/>
-            <a:ext cx="10515600" cy="1325563"/>
-          </a:xfrm>
-        </p:spPr>
+        <p:spPr/>
         <p:txBody>
           <a:bodyPr/>
           <a:lstStyle/>
@@ -13856,84 +15527,11 @@
             </a:r>
             <a:r>
               <a:rPr lang="fr-FR" dirty="0"/>
-              <a:t> – Concepts</a:t>
-            </a:r>
-          </a:p>
-        </p:txBody>
-      </p:sp>
-      <p:pic>
-        <p:nvPicPr>
-          <p:cNvPr id="587" name="Image 586">
-            <a:extLst>
-              <a:ext uri="{FF2B5EF4-FFF2-40B4-BE49-F238E27FC236}">
-                <a16:creationId xmlns:a16="http://schemas.microsoft.com/office/drawing/2014/main" id="{930EF8FB-8F99-42B6-AA90-F83A71EA2270}"/>
-              </a:ext>
-            </a:extLst>
-          </p:cNvPr>
-          <p:cNvPicPr>
-            <a:picLocks noChangeAspect="1"/>
-          </p:cNvPicPr>
-          <p:nvPr/>
-        </p:nvPicPr>
-        <p:blipFill>
-          <a:blip r:embed="rId2"/>
-          <a:stretch>
-            <a:fillRect/>
-          </a:stretch>
-        </p:blipFill>
-        <p:spPr>
-          <a:xfrm>
-            <a:off x="1617879" y="1522244"/>
-            <a:ext cx="1094498" cy="894850"/>
-          </a:xfrm>
-          <a:prstGeom prst="rect">
-            <a:avLst/>
-          </a:prstGeom>
-        </p:spPr>
-      </p:pic>
-      <p:sp>
-        <p:nvSpPr>
-          <p:cNvPr id="588" name="Rectangle : coins arrondis 587">
-            <a:extLst>
-              <a:ext uri="{FF2B5EF4-FFF2-40B4-BE49-F238E27FC236}">
-                <a16:creationId xmlns:a16="http://schemas.microsoft.com/office/drawing/2014/main" id="{B6ED828A-F37B-434C-95B1-3C8838B87618}"/>
-              </a:ext>
-            </a:extLst>
-          </p:cNvPr>
-          <p:cNvSpPr/>
-          <p:nvPr/>
-        </p:nvSpPr>
-        <p:spPr>
-          <a:xfrm>
-            <a:off x="3812897" y="1587947"/>
-            <a:ext cx="1527952" cy="763445"/>
-          </a:xfrm>
-          <a:prstGeom prst="roundRect">
-            <a:avLst/>
-          </a:prstGeom>
-        </p:spPr>
-        <p:style>
-          <a:lnRef idx="1">
-            <a:schemeClr val="accent5"/>
-          </a:lnRef>
-          <a:fillRef idx="2">
-            <a:schemeClr val="accent5"/>
-          </a:fillRef>
-          <a:effectRef idx="1">
-            <a:schemeClr val="accent5"/>
-          </a:effectRef>
-          <a:fontRef idx="minor">
-            <a:schemeClr val="dk1"/>
-          </a:fontRef>
-        </p:style>
-        <p:txBody>
-          <a:bodyPr rtlCol="0" anchor="ctr"/>
-          <a:lstStyle/>
-          <a:p>
-            <a:pPr algn="ctr"/>
+              <a:t> - </a:t>
+            </a:r>
             <a:r>
               <a:rPr lang="fr-FR" dirty="0" err="1"/>
-              <a:t>Estimator</a:t>
+              <a:t>Features</a:t>
             </a:r>
             <a:endParaRPr lang="fr-FR" dirty="0"/>
           </a:p>
@@ -13941,1387 +15539,122 @@
       </p:sp>
       <p:sp>
         <p:nvSpPr>
-          <p:cNvPr id="631" name="Rectangle : coins arrondis 630">
-            <a:extLst>
-              <a:ext uri="{FF2B5EF4-FFF2-40B4-BE49-F238E27FC236}">
-                <a16:creationId xmlns:a16="http://schemas.microsoft.com/office/drawing/2014/main" id="{3B60CDBA-B1CA-48F7-A92F-7DC4019757AE}"/>
-              </a:ext>
-            </a:extLst>
-          </p:cNvPr>
-          <p:cNvSpPr/>
-          <p:nvPr/>
-        </p:nvSpPr>
-        <p:spPr>
-          <a:xfrm>
-            <a:off x="5816358" y="2581972"/>
-            <a:ext cx="1527954" cy="763446"/>
-          </a:xfrm>
-          <a:prstGeom prst="roundRect">
-            <a:avLst/>
-          </a:prstGeom>
-        </p:spPr>
-        <p:style>
-          <a:lnRef idx="1">
-            <a:schemeClr val="accent6"/>
-          </a:lnRef>
-          <a:fillRef idx="2">
-            <a:schemeClr val="accent6"/>
-          </a:fillRef>
-          <a:effectRef idx="1">
-            <a:schemeClr val="accent6"/>
-          </a:effectRef>
-          <a:fontRef idx="minor">
-            <a:schemeClr val="dk1"/>
-          </a:fontRef>
-        </p:style>
-        <p:txBody>
-          <a:bodyPr rtlCol="0" anchor="ctr"/>
-          <a:lstStyle/>
-          <a:p>
-            <a:pPr algn="ctr"/>
-            <a:r>
-              <a:rPr lang="fr-FR" dirty="0"/>
-              <a:t>Transformer</a:t>
-            </a:r>
-          </a:p>
-        </p:txBody>
-      </p:sp>
-      <p:cxnSp>
-        <p:nvCxnSpPr>
-          <p:cNvPr id="590" name="Connecteur droit avec flèche 589">
-            <a:extLst>
-              <a:ext uri="{FF2B5EF4-FFF2-40B4-BE49-F238E27FC236}">
-                <a16:creationId xmlns:a16="http://schemas.microsoft.com/office/drawing/2014/main" id="{42B9537C-BE6C-48F7-B4F2-F887CF5F0C9A}"/>
-              </a:ext>
-            </a:extLst>
-          </p:cNvPr>
-          <p:cNvCxnSpPr>
-            <a:stCxn id="587" idx="3"/>
-            <a:endCxn id="588" idx="1"/>
-          </p:cNvCxnSpPr>
-          <p:nvPr/>
-        </p:nvCxnSpPr>
-        <p:spPr>
-          <a:xfrm>
-            <a:off x="2712377" y="1969669"/>
-            <a:ext cx="1100520" cy="1"/>
-          </a:xfrm>
-          <a:prstGeom prst="straightConnector1">
-            <a:avLst/>
-          </a:prstGeom>
-          <a:ln>
-            <a:tailEnd type="triangle"/>
-          </a:ln>
-        </p:spPr>
-        <p:style>
-          <a:lnRef idx="1">
-            <a:schemeClr val="accent1"/>
-          </a:lnRef>
-          <a:fillRef idx="0">
-            <a:schemeClr val="accent1"/>
-          </a:fillRef>
-          <a:effectRef idx="0">
-            <a:schemeClr val="accent1"/>
-          </a:effectRef>
-          <a:fontRef idx="minor">
-            <a:schemeClr val="tx1"/>
-          </a:fontRef>
-        </p:style>
-      </p:cxnSp>
-      <p:cxnSp>
-        <p:nvCxnSpPr>
-          <p:cNvPr id="594" name="Connecteur : en angle 593">
-            <a:extLst>
-              <a:ext uri="{FF2B5EF4-FFF2-40B4-BE49-F238E27FC236}">
-                <a16:creationId xmlns:a16="http://schemas.microsoft.com/office/drawing/2014/main" id="{0DBC16B8-84E3-4066-9164-BDE74781F5F9}"/>
-              </a:ext>
-            </a:extLst>
-          </p:cNvPr>
-          <p:cNvCxnSpPr>
-            <a:stCxn id="588" idx="3"/>
-            <a:endCxn id="631" idx="0"/>
-          </p:cNvCxnSpPr>
-          <p:nvPr/>
-        </p:nvCxnSpPr>
-        <p:spPr>
-          <a:xfrm>
-            <a:off x="5340849" y="1969670"/>
-            <a:ext cx="1239486" cy="612302"/>
-          </a:xfrm>
-          <a:prstGeom prst="bentConnector2">
-            <a:avLst/>
-          </a:prstGeom>
-          <a:ln>
-            <a:tailEnd type="triangle"/>
-          </a:ln>
-        </p:spPr>
-        <p:style>
-          <a:lnRef idx="1">
-            <a:schemeClr val="accent1"/>
-          </a:lnRef>
-          <a:fillRef idx="0">
-            <a:schemeClr val="accent1"/>
-          </a:fillRef>
-          <a:effectRef idx="0">
-            <a:schemeClr val="accent1"/>
-          </a:effectRef>
-          <a:fontRef idx="minor">
-            <a:schemeClr val="tx1"/>
-          </a:fontRef>
-        </p:style>
-      </p:cxnSp>
-      <p:sp>
-        <p:nvSpPr>
-          <p:cNvPr id="595" name="ZoneTexte 594">
-            <a:extLst>
-              <a:ext uri="{FF2B5EF4-FFF2-40B4-BE49-F238E27FC236}">
-                <a16:creationId xmlns:a16="http://schemas.microsoft.com/office/drawing/2014/main" id="{4F50C0E6-9648-4B02-A235-071F9FD653A8}"/>
-              </a:ext>
-            </a:extLst>
-          </p:cNvPr>
-          <p:cNvSpPr txBox="1"/>
-          <p:nvPr/>
-        </p:nvSpPr>
-        <p:spPr>
-          <a:xfrm>
-            <a:off x="5782705" y="1686141"/>
-            <a:ext cx="487634" cy="338554"/>
-          </a:xfrm>
-          <a:prstGeom prst="rect">
-            <a:avLst/>
-          </a:prstGeom>
-          <a:noFill/>
-        </p:spPr>
-        <p:txBody>
-          <a:bodyPr wrap="none" rtlCol="0">
-            <a:spAutoFit/>
+          <p:cNvPr id="3" name="Content Placeholder 2">
+            <a:extLst>
+              <a:ext uri="{FF2B5EF4-FFF2-40B4-BE49-F238E27FC236}">
+                <a16:creationId xmlns:a16="http://schemas.microsoft.com/office/drawing/2014/main" id="{F9DFDAAA-0E06-3646-B9ED-48E3D656F6F1}"/>
+              </a:ext>
+            </a:extLst>
+          </p:cNvPr>
+          <p:cNvSpPr>
+            <a:spLocks noGrp="1"/>
+          </p:cNvSpPr>
+          <p:nvPr>
+            <p:ph idx="1"/>
+          </p:nvPr>
+        </p:nvSpPr>
+        <p:spPr/>
+        <p:txBody>
+          <a:bodyPr>
+            <a:normAutofit/>
           </a:bodyPr>
           <a:lstStyle/>
           <a:p>
-            <a:r>
-              <a:rPr lang="fr-FR" sz="1600" i="1" dirty="0"/>
-              <a:t>fit()</a:t>
-            </a:r>
-          </a:p>
-        </p:txBody>
-      </p:sp>
-      <p:sp>
-        <p:nvSpPr>
-          <p:cNvPr id="598" name="ZoneTexte 597">
-            <a:extLst>
-              <a:ext uri="{FF2B5EF4-FFF2-40B4-BE49-F238E27FC236}">
-                <a16:creationId xmlns:a16="http://schemas.microsoft.com/office/drawing/2014/main" id="{25DA31AF-C909-43E0-B9A2-A3B83D10C795}"/>
-              </a:ext>
-            </a:extLst>
-          </p:cNvPr>
-          <p:cNvSpPr txBox="1"/>
-          <p:nvPr/>
-        </p:nvSpPr>
-        <p:spPr>
-          <a:xfrm>
-            <a:off x="6270339" y="2311491"/>
-            <a:ext cx="668773" cy="215444"/>
-          </a:xfrm>
-          <a:prstGeom prst="rect">
-            <a:avLst/>
-          </a:prstGeom>
-          <a:noFill/>
-        </p:spPr>
-        <p:txBody>
-          <a:bodyPr wrap="none" rtlCol="0">
-            <a:spAutoFit/>
-          </a:bodyPr>
-          <a:lstStyle/>
-          <a:p>
-            <a:r>
-              <a:rPr lang="fr-FR" sz="800" i="1" dirty="0" err="1">
-                <a:solidFill>
-                  <a:schemeClr val="tx1">
-                    <a:lumMod val="50000"/>
-                    <a:lumOff val="50000"/>
-                  </a:schemeClr>
-                </a:solidFill>
-              </a:rPr>
-              <a:t>parameters</a:t>
-            </a:r>
-            <a:endParaRPr lang="fr-FR" sz="800" i="1" dirty="0">
-              <a:solidFill>
-                <a:schemeClr val="tx1">
-                  <a:lumMod val="50000"/>
-                  <a:lumOff val="50000"/>
-                </a:schemeClr>
-              </a:solidFill>
+            <a:pPr marL="0" indent="0">
+              <a:buNone/>
+            </a:pPr>
+            <a:r>
+              <a:rPr lang="fr-FR" dirty="0"/>
+              <a:t>ML </a:t>
+            </a:r>
+            <a:r>
+              <a:rPr lang="fr-FR" dirty="0" err="1"/>
+              <a:t>library</a:t>
+            </a:r>
+            <a:r>
+              <a:rPr lang="fr-FR" dirty="0"/>
+              <a:t> </a:t>
+            </a:r>
+            <a:r>
+              <a:rPr lang="fr-FR" dirty="0" err="1"/>
+              <a:t>built</a:t>
+            </a:r>
+            <a:r>
+              <a:rPr lang="fr-FR" dirty="0"/>
+              <a:t> on top of Spark</a:t>
+            </a:r>
+          </a:p>
+          <a:p>
+            <a:pPr>
+              <a:buFontTx/>
+              <a:buChar char="-"/>
+            </a:pPr>
+            <a:r>
+              <a:rPr lang="fr-FR" dirty="0"/>
+              <a:t>Python  / Scala / Java</a:t>
+            </a:r>
+          </a:p>
+          <a:p>
+            <a:pPr>
+              <a:buFontTx/>
+              <a:buChar char="-"/>
+            </a:pPr>
+            <a:r>
+              <a:rPr lang="fr-FR" dirty="0"/>
+              <a:t>Distributed</a:t>
+            </a:r>
+          </a:p>
+          <a:p>
+            <a:pPr marL="0" indent="0">
+              <a:buNone/>
+            </a:pPr>
+            <a:r>
+              <a:rPr lang="en" dirty="0"/>
+              <a:t>Features</a:t>
+            </a:r>
+          </a:p>
+          <a:p>
+            <a:pPr>
+              <a:buFontTx/>
+              <a:buChar char="-"/>
+            </a:pPr>
+            <a:r>
+              <a:rPr lang="en" dirty="0"/>
+              <a:t>ML algorithms : classification, regression, clustering, collaborative filtering…</a:t>
+            </a:r>
+          </a:p>
+          <a:p>
+            <a:pPr>
+              <a:buFontTx/>
+              <a:buChar char="-"/>
+            </a:pPr>
+            <a:r>
+              <a:rPr lang="en" dirty="0"/>
+              <a:t>Feature extraction and transformation</a:t>
+            </a:r>
+          </a:p>
+          <a:p>
+            <a:pPr>
+              <a:buFontTx/>
+              <a:buChar char="-"/>
+            </a:pPr>
+            <a:r>
+              <a:rPr lang="en" dirty="0"/>
+              <a:t>Pipelines (with persistence)</a:t>
+            </a:r>
+          </a:p>
+          <a:p>
+            <a:endParaRPr lang="fr-FR" dirty="0">
+              <a:latin typeface="Source Sans Pro" panose="020F0502020204030204" pitchFamily="34" charset="0"/>
+              <a:cs typeface="Source Sans Pro" panose="020F0502020204030204" pitchFamily="34" charset="0"/>
             </a:endParaRPr>
           </a:p>
         </p:txBody>
       </p:sp>
-      <p:pic>
-        <p:nvPicPr>
-          <p:cNvPr id="642" name="Image 641">
-            <a:extLst>
-              <a:ext uri="{FF2B5EF4-FFF2-40B4-BE49-F238E27FC236}">
-                <a16:creationId xmlns:a16="http://schemas.microsoft.com/office/drawing/2014/main" id="{52F355C6-6DCC-493C-8849-7CC5B05F6289}"/>
-              </a:ext>
-            </a:extLst>
-          </p:cNvPr>
-          <p:cNvPicPr>
-            <a:picLocks noChangeAspect="1"/>
-          </p:cNvPicPr>
-          <p:nvPr/>
-        </p:nvPicPr>
-        <p:blipFill>
-          <a:blip r:embed="rId2"/>
-          <a:stretch>
-            <a:fillRect/>
-          </a:stretch>
-        </p:blipFill>
-        <p:spPr>
-          <a:xfrm>
-            <a:off x="8411249" y="2516270"/>
-            <a:ext cx="1094498" cy="894850"/>
-          </a:xfrm>
-          <a:prstGeom prst="rect">
-            <a:avLst/>
-          </a:prstGeom>
-        </p:spPr>
-      </p:pic>
-      <p:cxnSp>
-        <p:nvCxnSpPr>
-          <p:cNvPr id="600" name="Connecteur droit avec flèche 599">
-            <a:extLst>
-              <a:ext uri="{FF2B5EF4-FFF2-40B4-BE49-F238E27FC236}">
-                <a16:creationId xmlns:a16="http://schemas.microsoft.com/office/drawing/2014/main" id="{2BA4A1D4-BE50-4656-B74A-9764DE09D053}"/>
-              </a:ext>
-            </a:extLst>
-          </p:cNvPr>
-          <p:cNvCxnSpPr>
-            <a:stCxn id="631" idx="3"/>
-            <a:endCxn id="642" idx="1"/>
-          </p:cNvCxnSpPr>
-          <p:nvPr/>
-        </p:nvCxnSpPr>
-        <p:spPr>
-          <a:xfrm>
-            <a:off x="7344312" y="2963695"/>
-            <a:ext cx="1066937" cy="0"/>
-          </a:xfrm>
-          <a:prstGeom prst="straightConnector1">
-            <a:avLst/>
-          </a:prstGeom>
-          <a:ln>
-            <a:tailEnd type="triangle"/>
-          </a:ln>
-        </p:spPr>
-        <p:style>
-          <a:lnRef idx="1">
-            <a:schemeClr val="accent1"/>
-          </a:lnRef>
-          <a:fillRef idx="0">
-            <a:schemeClr val="accent1"/>
-          </a:fillRef>
-          <a:effectRef idx="0">
-            <a:schemeClr val="accent1"/>
-          </a:effectRef>
-          <a:fontRef idx="minor">
-            <a:schemeClr val="tx1"/>
-          </a:fontRef>
-        </p:style>
-      </p:cxnSp>
-      <p:sp>
-        <p:nvSpPr>
-          <p:cNvPr id="645" name="Rectangle : coins arrondis 644">
-            <a:extLst>
-              <a:ext uri="{FF2B5EF4-FFF2-40B4-BE49-F238E27FC236}">
-                <a16:creationId xmlns:a16="http://schemas.microsoft.com/office/drawing/2014/main" id="{14A9210F-804C-4A82-925B-22A9C20F51CD}"/>
-              </a:ext>
-            </a:extLst>
-          </p:cNvPr>
-          <p:cNvSpPr/>
-          <p:nvPr/>
-        </p:nvSpPr>
-        <p:spPr>
-          <a:xfrm>
-            <a:off x="1470390" y="4101534"/>
-            <a:ext cx="1093966" cy="546603"/>
-          </a:xfrm>
-          <a:prstGeom prst="roundRect">
-            <a:avLst/>
-          </a:prstGeom>
-        </p:spPr>
-        <p:style>
-          <a:lnRef idx="1">
-            <a:schemeClr val="accent5"/>
-          </a:lnRef>
-          <a:fillRef idx="2">
-            <a:schemeClr val="accent5"/>
-          </a:fillRef>
-          <a:effectRef idx="1">
-            <a:schemeClr val="accent5"/>
-          </a:effectRef>
-          <a:fontRef idx="minor">
-            <a:schemeClr val="dk1"/>
-          </a:fontRef>
-        </p:style>
-        <p:txBody>
-          <a:bodyPr rtlCol="0" anchor="ctr"/>
-          <a:lstStyle/>
-          <a:p>
-            <a:pPr algn="ctr"/>
-            <a:r>
-              <a:rPr lang="fr-FR" sz="1400" dirty="0" err="1"/>
-              <a:t>Estimator</a:t>
-            </a:r>
-            <a:endParaRPr lang="fr-FR" sz="1400" dirty="0"/>
-          </a:p>
-        </p:txBody>
-      </p:sp>
-      <p:sp>
-        <p:nvSpPr>
-          <p:cNvPr id="646" name="Rectangle : coins arrondis 645">
-            <a:extLst>
-              <a:ext uri="{FF2B5EF4-FFF2-40B4-BE49-F238E27FC236}">
-                <a16:creationId xmlns:a16="http://schemas.microsoft.com/office/drawing/2014/main" id="{DADC8BD0-8485-49AB-B7BF-7C405DD9E9EF}"/>
-              </a:ext>
-            </a:extLst>
-          </p:cNvPr>
-          <p:cNvSpPr/>
-          <p:nvPr/>
-        </p:nvSpPr>
-        <p:spPr>
-          <a:xfrm>
-            <a:off x="2993386" y="4101534"/>
-            <a:ext cx="1093966" cy="546603"/>
-          </a:xfrm>
-          <a:prstGeom prst="roundRect">
-            <a:avLst/>
-          </a:prstGeom>
-        </p:spPr>
-        <p:style>
-          <a:lnRef idx="1">
-            <a:schemeClr val="accent5"/>
-          </a:lnRef>
-          <a:fillRef idx="2">
-            <a:schemeClr val="accent5"/>
-          </a:fillRef>
-          <a:effectRef idx="1">
-            <a:schemeClr val="accent5"/>
-          </a:effectRef>
-          <a:fontRef idx="minor">
-            <a:schemeClr val="dk1"/>
-          </a:fontRef>
-        </p:style>
-        <p:txBody>
-          <a:bodyPr rtlCol="0" anchor="ctr"/>
-          <a:lstStyle/>
-          <a:p>
-            <a:pPr algn="ctr"/>
-            <a:r>
-              <a:rPr lang="fr-FR" sz="1400" dirty="0" err="1"/>
-              <a:t>Estimator</a:t>
-            </a:r>
-            <a:endParaRPr lang="fr-FR" sz="1400" dirty="0"/>
-          </a:p>
-        </p:txBody>
-      </p:sp>
-      <p:cxnSp>
-        <p:nvCxnSpPr>
-          <p:cNvPr id="602" name="Connecteur droit avec flèche 601">
-            <a:extLst>
-              <a:ext uri="{FF2B5EF4-FFF2-40B4-BE49-F238E27FC236}">
-                <a16:creationId xmlns:a16="http://schemas.microsoft.com/office/drawing/2014/main" id="{DFB6EB42-0ABE-4195-8FC8-6442CD82FA1A}"/>
-              </a:ext>
-            </a:extLst>
-          </p:cNvPr>
-          <p:cNvCxnSpPr>
-            <a:stCxn id="645" idx="3"/>
-            <a:endCxn id="646" idx="1"/>
-          </p:cNvCxnSpPr>
-          <p:nvPr/>
-        </p:nvCxnSpPr>
-        <p:spPr>
-          <a:xfrm>
-            <a:off x="2564356" y="4374836"/>
-            <a:ext cx="429030" cy="0"/>
-          </a:xfrm>
-          <a:prstGeom prst="straightConnector1">
-            <a:avLst/>
-          </a:prstGeom>
-          <a:ln>
-            <a:tailEnd type="triangle"/>
-          </a:ln>
-        </p:spPr>
-        <p:style>
-          <a:lnRef idx="1">
-            <a:schemeClr val="accent1"/>
-          </a:lnRef>
-          <a:fillRef idx="0">
-            <a:schemeClr val="accent1"/>
-          </a:fillRef>
-          <a:effectRef idx="0">
-            <a:schemeClr val="accent1"/>
-          </a:effectRef>
-          <a:fontRef idx="minor">
-            <a:schemeClr val="tx1"/>
-          </a:fontRef>
-        </p:style>
-      </p:cxnSp>
-      <p:sp>
-        <p:nvSpPr>
-          <p:cNvPr id="649" name="Rectangle : coins arrondis 648">
-            <a:extLst>
-              <a:ext uri="{FF2B5EF4-FFF2-40B4-BE49-F238E27FC236}">
-                <a16:creationId xmlns:a16="http://schemas.microsoft.com/office/drawing/2014/main" id="{2E6989A3-6553-4454-84C1-466E8A013D23}"/>
-              </a:ext>
-            </a:extLst>
-          </p:cNvPr>
-          <p:cNvSpPr/>
-          <p:nvPr/>
-        </p:nvSpPr>
-        <p:spPr>
-          <a:xfrm>
-            <a:off x="5358805" y="4101534"/>
-            <a:ext cx="1093966" cy="546603"/>
-          </a:xfrm>
-          <a:prstGeom prst="roundRect">
-            <a:avLst/>
-          </a:prstGeom>
-        </p:spPr>
-        <p:style>
-          <a:lnRef idx="1">
-            <a:schemeClr val="accent5"/>
-          </a:lnRef>
-          <a:fillRef idx="2">
-            <a:schemeClr val="accent5"/>
-          </a:fillRef>
-          <a:effectRef idx="1">
-            <a:schemeClr val="accent5"/>
-          </a:effectRef>
-          <a:fontRef idx="minor">
-            <a:schemeClr val="dk1"/>
-          </a:fontRef>
-        </p:style>
-        <p:txBody>
-          <a:bodyPr rtlCol="0" anchor="ctr"/>
-          <a:lstStyle/>
-          <a:p>
-            <a:pPr algn="ctr"/>
-            <a:r>
-              <a:rPr lang="fr-FR" sz="1400" dirty="0" err="1"/>
-              <a:t>Estimator</a:t>
-            </a:r>
-            <a:endParaRPr lang="fr-FR" sz="1400" dirty="0"/>
-          </a:p>
-        </p:txBody>
-      </p:sp>
-      <p:cxnSp>
-        <p:nvCxnSpPr>
-          <p:cNvPr id="604" name="Connecteur droit avec flèche 603">
-            <a:extLst>
-              <a:ext uri="{FF2B5EF4-FFF2-40B4-BE49-F238E27FC236}">
-                <a16:creationId xmlns:a16="http://schemas.microsoft.com/office/drawing/2014/main" id="{EF05CB0A-5B9E-4BE2-A276-06833E3F9400}"/>
-              </a:ext>
-            </a:extLst>
-          </p:cNvPr>
-          <p:cNvCxnSpPr>
-            <a:cxnSpLocks/>
-          </p:cNvCxnSpPr>
-          <p:nvPr/>
-        </p:nvCxnSpPr>
-        <p:spPr>
-          <a:xfrm>
-            <a:off x="4085589" y="4377307"/>
-            <a:ext cx="429030" cy="0"/>
-          </a:xfrm>
-          <a:prstGeom prst="straightConnector1">
-            <a:avLst/>
-          </a:prstGeom>
-          <a:ln>
-            <a:tailEnd type="triangle"/>
-          </a:ln>
-        </p:spPr>
-        <p:style>
-          <a:lnRef idx="1">
-            <a:schemeClr val="accent1"/>
-          </a:lnRef>
-          <a:fillRef idx="0">
-            <a:schemeClr val="accent1"/>
-          </a:fillRef>
-          <a:effectRef idx="0">
-            <a:schemeClr val="accent1"/>
-          </a:effectRef>
-          <a:fontRef idx="minor">
-            <a:schemeClr val="tx1"/>
-          </a:fontRef>
-        </p:style>
-      </p:cxnSp>
-      <p:cxnSp>
-        <p:nvCxnSpPr>
-          <p:cNvPr id="654" name="Connecteur droit avec flèche 653">
-            <a:extLst>
-              <a:ext uri="{FF2B5EF4-FFF2-40B4-BE49-F238E27FC236}">
-                <a16:creationId xmlns:a16="http://schemas.microsoft.com/office/drawing/2014/main" id="{5D2EFC3F-7ED3-4C11-BB33-8B1209640488}"/>
-              </a:ext>
-            </a:extLst>
-          </p:cNvPr>
-          <p:cNvCxnSpPr>
-            <a:cxnSpLocks/>
-          </p:cNvCxnSpPr>
-          <p:nvPr/>
-        </p:nvCxnSpPr>
-        <p:spPr>
-          <a:xfrm>
-            <a:off x="4929775" y="4374835"/>
-            <a:ext cx="429030" cy="0"/>
-          </a:xfrm>
-          <a:prstGeom prst="straightConnector1">
-            <a:avLst/>
-          </a:prstGeom>
-          <a:ln>
-            <a:tailEnd type="triangle"/>
-          </a:ln>
-        </p:spPr>
-        <p:style>
-          <a:lnRef idx="1">
-            <a:schemeClr val="accent1"/>
-          </a:lnRef>
-          <a:fillRef idx="0">
-            <a:schemeClr val="accent1"/>
-          </a:fillRef>
-          <a:effectRef idx="0">
-            <a:schemeClr val="accent1"/>
-          </a:effectRef>
-          <a:fontRef idx="minor">
-            <a:schemeClr val="tx1"/>
-          </a:fontRef>
-        </p:style>
-      </p:cxnSp>
-      <p:sp>
-        <p:nvSpPr>
-          <p:cNvPr id="607" name="ZoneTexte 606">
-            <a:extLst>
-              <a:ext uri="{FF2B5EF4-FFF2-40B4-BE49-F238E27FC236}">
-                <a16:creationId xmlns:a16="http://schemas.microsoft.com/office/drawing/2014/main" id="{8804EEF8-1832-4328-969F-E139A8F831C3}"/>
-              </a:ext>
-            </a:extLst>
-          </p:cNvPr>
-          <p:cNvSpPr txBox="1"/>
-          <p:nvPr/>
-        </p:nvSpPr>
-        <p:spPr>
-          <a:xfrm>
-            <a:off x="4550515" y="4146065"/>
-            <a:ext cx="343364" cy="369332"/>
-          </a:xfrm>
-          <a:prstGeom prst="rect">
-            <a:avLst/>
-          </a:prstGeom>
-          <a:noFill/>
-        </p:spPr>
-        <p:txBody>
-          <a:bodyPr wrap="none" rtlCol="0">
-            <a:spAutoFit/>
-          </a:bodyPr>
-          <a:lstStyle/>
-          <a:p>
-            <a:r>
-              <a:rPr lang="fr-FR" dirty="0"/>
-              <a:t>…</a:t>
-            </a:r>
-          </a:p>
-        </p:txBody>
-      </p:sp>
-      <p:sp>
-        <p:nvSpPr>
-          <p:cNvPr id="656" name="Rectangle : coins arrondis 655">
-            <a:extLst>
-              <a:ext uri="{FF2B5EF4-FFF2-40B4-BE49-F238E27FC236}">
-                <a16:creationId xmlns:a16="http://schemas.microsoft.com/office/drawing/2014/main" id="{9C8CDDD8-ED4D-4431-8E56-2751BA980695}"/>
-              </a:ext>
-            </a:extLst>
-          </p:cNvPr>
-          <p:cNvSpPr/>
-          <p:nvPr/>
-        </p:nvSpPr>
-        <p:spPr>
-          <a:xfrm>
-            <a:off x="5214200" y="5532885"/>
-            <a:ext cx="1093966" cy="546603"/>
-          </a:xfrm>
-          <a:prstGeom prst="roundRect">
-            <a:avLst/>
-          </a:prstGeom>
-        </p:spPr>
-        <p:style>
-          <a:lnRef idx="1">
-            <a:schemeClr val="accent6"/>
-          </a:lnRef>
-          <a:fillRef idx="2">
-            <a:schemeClr val="accent6"/>
-          </a:fillRef>
-          <a:effectRef idx="1">
-            <a:schemeClr val="accent6"/>
-          </a:effectRef>
-          <a:fontRef idx="minor">
-            <a:schemeClr val="dk1"/>
-          </a:fontRef>
-        </p:style>
-        <p:txBody>
-          <a:bodyPr rtlCol="0" anchor="ctr"/>
-          <a:lstStyle/>
-          <a:p>
-            <a:pPr algn="ctr"/>
-            <a:r>
-              <a:rPr lang="fr-FR" sz="1200" dirty="0"/>
-              <a:t>Transformer</a:t>
-            </a:r>
-          </a:p>
-        </p:txBody>
-      </p:sp>
-      <p:sp>
-        <p:nvSpPr>
-          <p:cNvPr id="657" name="Rectangle : coins arrondis 656">
-            <a:extLst>
-              <a:ext uri="{FF2B5EF4-FFF2-40B4-BE49-F238E27FC236}">
-                <a16:creationId xmlns:a16="http://schemas.microsoft.com/office/drawing/2014/main" id="{F4766EC1-D9FB-4B50-AC63-596A5E34EC33}"/>
-              </a:ext>
-            </a:extLst>
-          </p:cNvPr>
-          <p:cNvSpPr/>
-          <p:nvPr/>
-        </p:nvSpPr>
-        <p:spPr>
-          <a:xfrm>
-            <a:off x="6737196" y="5532885"/>
-            <a:ext cx="1093966" cy="546603"/>
-          </a:xfrm>
-          <a:prstGeom prst="roundRect">
-            <a:avLst/>
-          </a:prstGeom>
-        </p:spPr>
-        <p:style>
-          <a:lnRef idx="1">
-            <a:schemeClr val="accent6"/>
-          </a:lnRef>
-          <a:fillRef idx="2">
-            <a:schemeClr val="accent6"/>
-          </a:fillRef>
-          <a:effectRef idx="1">
-            <a:schemeClr val="accent6"/>
-          </a:effectRef>
-          <a:fontRef idx="minor">
-            <a:schemeClr val="dk1"/>
-          </a:fontRef>
-        </p:style>
-        <p:txBody>
-          <a:bodyPr rtlCol="0" anchor="ctr"/>
-          <a:lstStyle/>
-          <a:p>
-            <a:pPr algn="ctr"/>
-            <a:r>
-              <a:rPr lang="fr-FR" sz="1200" dirty="0"/>
-              <a:t>Transformer</a:t>
-            </a:r>
-          </a:p>
-        </p:txBody>
-      </p:sp>
-      <p:cxnSp>
-        <p:nvCxnSpPr>
-          <p:cNvPr id="664" name="Connecteur droit avec flèche 663">
-            <a:extLst>
-              <a:ext uri="{FF2B5EF4-FFF2-40B4-BE49-F238E27FC236}">
-                <a16:creationId xmlns:a16="http://schemas.microsoft.com/office/drawing/2014/main" id="{8D9909BC-96AA-45E4-A28F-F63FA633626A}"/>
-              </a:ext>
-            </a:extLst>
-          </p:cNvPr>
-          <p:cNvCxnSpPr>
-            <a:stCxn id="656" idx="3"/>
-            <a:endCxn id="657" idx="1"/>
-          </p:cNvCxnSpPr>
-          <p:nvPr/>
-        </p:nvCxnSpPr>
-        <p:spPr>
-          <a:xfrm>
-            <a:off x="6308166" y="5806187"/>
-            <a:ext cx="429030" cy="0"/>
-          </a:xfrm>
-          <a:prstGeom prst="straightConnector1">
-            <a:avLst/>
-          </a:prstGeom>
-          <a:ln>
-            <a:tailEnd type="triangle"/>
-          </a:ln>
-        </p:spPr>
-        <p:style>
-          <a:lnRef idx="1">
-            <a:schemeClr val="accent1"/>
-          </a:lnRef>
-          <a:fillRef idx="0">
-            <a:schemeClr val="accent1"/>
-          </a:fillRef>
-          <a:effectRef idx="0">
-            <a:schemeClr val="accent1"/>
-          </a:effectRef>
-          <a:fontRef idx="minor">
-            <a:schemeClr val="tx1"/>
-          </a:fontRef>
-        </p:style>
-      </p:cxnSp>
-      <p:sp>
-        <p:nvSpPr>
-          <p:cNvPr id="665" name="Rectangle : coins arrondis 664">
-            <a:extLst>
-              <a:ext uri="{FF2B5EF4-FFF2-40B4-BE49-F238E27FC236}">
-                <a16:creationId xmlns:a16="http://schemas.microsoft.com/office/drawing/2014/main" id="{51666C73-4BB0-4A04-B8F9-D602830E9250}"/>
-              </a:ext>
-            </a:extLst>
-          </p:cNvPr>
-          <p:cNvSpPr/>
-          <p:nvPr/>
-        </p:nvSpPr>
-        <p:spPr>
-          <a:xfrm>
-            <a:off x="9102615" y="5532885"/>
-            <a:ext cx="1093966" cy="546603"/>
-          </a:xfrm>
-          <a:prstGeom prst="roundRect">
-            <a:avLst/>
-          </a:prstGeom>
-        </p:spPr>
-        <p:style>
-          <a:lnRef idx="1">
-            <a:schemeClr val="accent6"/>
-          </a:lnRef>
-          <a:fillRef idx="2">
-            <a:schemeClr val="accent6"/>
-          </a:fillRef>
-          <a:effectRef idx="1">
-            <a:schemeClr val="accent6"/>
-          </a:effectRef>
-          <a:fontRef idx="minor">
-            <a:schemeClr val="dk1"/>
-          </a:fontRef>
-        </p:style>
-        <p:txBody>
-          <a:bodyPr rtlCol="0" anchor="ctr"/>
-          <a:lstStyle/>
-          <a:p>
-            <a:pPr algn="ctr"/>
-            <a:r>
-              <a:rPr lang="fr-FR" sz="1200" dirty="0"/>
-              <a:t>Transformer</a:t>
-            </a:r>
-          </a:p>
-        </p:txBody>
-      </p:sp>
-      <p:cxnSp>
-        <p:nvCxnSpPr>
-          <p:cNvPr id="666" name="Connecteur droit avec flèche 665">
-            <a:extLst>
-              <a:ext uri="{FF2B5EF4-FFF2-40B4-BE49-F238E27FC236}">
-                <a16:creationId xmlns:a16="http://schemas.microsoft.com/office/drawing/2014/main" id="{EA54F460-C1FB-4C79-997D-E3CFA7ABDDC6}"/>
-              </a:ext>
-            </a:extLst>
-          </p:cNvPr>
-          <p:cNvCxnSpPr>
-            <a:cxnSpLocks/>
-          </p:cNvCxnSpPr>
-          <p:nvPr/>
-        </p:nvCxnSpPr>
-        <p:spPr>
-          <a:xfrm>
-            <a:off x="7829399" y="5808658"/>
-            <a:ext cx="429030" cy="0"/>
-          </a:xfrm>
-          <a:prstGeom prst="straightConnector1">
-            <a:avLst/>
-          </a:prstGeom>
-          <a:ln>
-            <a:tailEnd type="triangle"/>
-          </a:ln>
-        </p:spPr>
-        <p:style>
-          <a:lnRef idx="1">
-            <a:schemeClr val="accent1"/>
-          </a:lnRef>
-          <a:fillRef idx="0">
-            <a:schemeClr val="accent1"/>
-          </a:fillRef>
-          <a:effectRef idx="0">
-            <a:schemeClr val="accent1"/>
-          </a:effectRef>
-          <a:fontRef idx="minor">
-            <a:schemeClr val="tx1"/>
-          </a:fontRef>
-        </p:style>
-      </p:cxnSp>
-      <p:cxnSp>
-        <p:nvCxnSpPr>
-          <p:cNvPr id="667" name="Connecteur droit avec flèche 666">
-            <a:extLst>
-              <a:ext uri="{FF2B5EF4-FFF2-40B4-BE49-F238E27FC236}">
-                <a16:creationId xmlns:a16="http://schemas.microsoft.com/office/drawing/2014/main" id="{9445612B-6809-4C70-9C95-5705E518CCBF}"/>
-              </a:ext>
-            </a:extLst>
-          </p:cNvPr>
-          <p:cNvCxnSpPr>
-            <a:cxnSpLocks/>
-          </p:cNvCxnSpPr>
-          <p:nvPr/>
-        </p:nvCxnSpPr>
-        <p:spPr>
-          <a:xfrm>
-            <a:off x="8673585" y="5806186"/>
-            <a:ext cx="429030" cy="0"/>
-          </a:xfrm>
-          <a:prstGeom prst="straightConnector1">
-            <a:avLst/>
-          </a:prstGeom>
-          <a:ln>
-            <a:tailEnd type="triangle"/>
-          </a:ln>
-        </p:spPr>
-        <p:style>
-          <a:lnRef idx="1">
-            <a:schemeClr val="accent1"/>
-          </a:lnRef>
-          <a:fillRef idx="0">
-            <a:schemeClr val="accent1"/>
-          </a:fillRef>
-          <a:effectRef idx="0">
-            <a:schemeClr val="accent1"/>
-          </a:effectRef>
-          <a:fontRef idx="minor">
-            <a:schemeClr val="tx1"/>
-          </a:fontRef>
-        </p:style>
-      </p:cxnSp>
-      <p:sp>
-        <p:nvSpPr>
-          <p:cNvPr id="668" name="ZoneTexte 667">
-            <a:extLst>
-              <a:ext uri="{FF2B5EF4-FFF2-40B4-BE49-F238E27FC236}">
-                <a16:creationId xmlns:a16="http://schemas.microsoft.com/office/drawing/2014/main" id="{1A1FB2E4-CB3F-4720-9227-914F0269B7B4}"/>
-              </a:ext>
-            </a:extLst>
-          </p:cNvPr>
-          <p:cNvSpPr txBox="1"/>
-          <p:nvPr/>
-        </p:nvSpPr>
-        <p:spPr>
-          <a:xfrm>
-            <a:off x="8294325" y="5577416"/>
-            <a:ext cx="343364" cy="369332"/>
-          </a:xfrm>
-          <a:prstGeom prst="rect">
-            <a:avLst/>
-          </a:prstGeom>
-          <a:noFill/>
-        </p:spPr>
-        <p:txBody>
-          <a:bodyPr wrap="none" rtlCol="0">
-            <a:spAutoFit/>
-          </a:bodyPr>
-          <a:lstStyle/>
-          <a:p>
-            <a:r>
-              <a:rPr lang="fr-FR" dirty="0"/>
-              <a:t>…</a:t>
-            </a:r>
-          </a:p>
-        </p:txBody>
-      </p:sp>
-      <p:sp>
-        <p:nvSpPr>
-          <p:cNvPr id="669" name="ZoneTexte 668">
-            <a:extLst>
-              <a:ext uri="{FF2B5EF4-FFF2-40B4-BE49-F238E27FC236}">
-                <a16:creationId xmlns:a16="http://schemas.microsoft.com/office/drawing/2014/main" id="{59AA5D8C-3F1F-4D13-A79D-228D657C80B2}"/>
-              </a:ext>
-            </a:extLst>
-          </p:cNvPr>
-          <p:cNvSpPr txBox="1"/>
-          <p:nvPr/>
-        </p:nvSpPr>
-        <p:spPr>
-          <a:xfrm>
-            <a:off x="7424709" y="2882138"/>
-            <a:ext cx="889987" cy="338554"/>
-          </a:xfrm>
-          <a:prstGeom prst="rect">
-            <a:avLst/>
-          </a:prstGeom>
-          <a:noFill/>
-        </p:spPr>
-        <p:txBody>
-          <a:bodyPr wrap="none" rtlCol="0">
-            <a:spAutoFit/>
-          </a:bodyPr>
-          <a:lstStyle/>
-          <a:p>
-            <a:r>
-              <a:rPr lang="fr-FR" sz="1600" i="1" dirty="0" err="1"/>
-              <a:t>predict</a:t>
-            </a:r>
-            <a:r>
-              <a:rPr lang="fr-FR" sz="1600" i="1" dirty="0"/>
-              <a:t>()</a:t>
-            </a:r>
-          </a:p>
-        </p:txBody>
-      </p:sp>
-      <p:sp>
-        <p:nvSpPr>
-          <p:cNvPr id="610" name="Rectangle 609">
-            <a:extLst>
-              <a:ext uri="{FF2B5EF4-FFF2-40B4-BE49-F238E27FC236}">
-                <a16:creationId xmlns:a16="http://schemas.microsoft.com/office/drawing/2014/main" id="{0D5F8D97-579E-4B49-9ECE-A8F7AFC5315F}"/>
-              </a:ext>
-            </a:extLst>
-          </p:cNvPr>
-          <p:cNvSpPr/>
-          <p:nvPr/>
-        </p:nvSpPr>
-        <p:spPr>
-          <a:xfrm>
-            <a:off x="1345351" y="3944460"/>
-            <a:ext cx="5234984" cy="880961"/>
-          </a:xfrm>
-          <a:prstGeom prst="rect">
-            <a:avLst/>
-          </a:prstGeom>
-          <a:solidFill>
-            <a:schemeClr val="accent1">
-              <a:alpha val="0"/>
-            </a:schemeClr>
-          </a:solidFill>
-          <a:ln>
-            <a:prstDash val="dash"/>
-          </a:ln>
-        </p:spPr>
-        <p:style>
-          <a:lnRef idx="2">
-            <a:schemeClr val="accent1">
-              <a:shade val="50000"/>
-            </a:schemeClr>
-          </a:lnRef>
-          <a:fillRef idx="1">
-            <a:schemeClr val="accent1"/>
-          </a:fillRef>
-          <a:effectRef idx="0">
-            <a:schemeClr val="accent1"/>
-          </a:effectRef>
-          <a:fontRef idx="minor">
-            <a:schemeClr val="lt1"/>
-          </a:fontRef>
-        </p:style>
-        <p:txBody>
-          <a:bodyPr rtlCol="0" anchor="ctr"/>
-          <a:lstStyle/>
-          <a:p>
-            <a:pPr algn="ctr"/>
-            <a:endParaRPr lang="fr-FR"/>
-          </a:p>
-        </p:txBody>
-      </p:sp>
-      <p:sp>
-        <p:nvSpPr>
-          <p:cNvPr id="673" name="Rectangle 672">
-            <a:extLst>
-              <a:ext uri="{FF2B5EF4-FFF2-40B4-BE49-F238E27FC236}">
-                <a16:creationId xmlns:a16="http://schemas.microsoft.com/office/drawing/2014/main" id="{1CB8BD6A-CC8D-494D-92C4-B60106331EFB}"/>
-              </a:ext>
-            </a:extLst>
-          </p:cNvPr>
-          <p:cNvSpPr/>
-          <p:nvPr/>
-        </p:nvSpPr>
-        <p:spPr>
-          <a:xfrm>
-            <a:off x="5092696" y="5365705"/>
-            <a:ext cx="5234984" cy="880961"/>
-          </a:xfrm>
-          <a:prstGeom prst="rect">
-            <a:avLst/>
-          </a:prstGeom>
-          <a:solidFill>
-            <a:schemeClr val="accent1">
-              <a:alpha val="0"/>
-            </a:schemeClr>
-          </a:solidFill>
-          <a:ln>
-            <a:prstDash val="dash"/>
-          </a:ln>
-        </p:spPr>
-        <p:style>
-          <a:lnRef idx="2">
-            <a:schemeClr val="accent1">
-              <a:shade val="50000"/>
-            </a:schemeClr>
-          </a:lnRef>
-          <a:fillRef idx="1">
-            <a:schemeClr val="accent1"/>
-          </a:fillRef>
-          <a:effectRef idx="0">
-            <a:schemeClr val="accent1"/>
-          </a:effectRef>
-          <a:fontRef idx="minor">
-            <a:schemeClr val="lt1"/>
-          </a:fontRef>
-        </p:style>
-        <p:txBody>
-          <a:bodyPr rtlCol="0" anchor="ctr"/>
-          <a:lstStyle/>
-          <a:p>
-            <a:pPr algn="ctr"/>
-            <a:endParaRPr lang="fr-FR"/>
-          </a:p>
-        </p:txBody>
-      </p:sp>
-      <p:cxnSp>
-        <p:nvCxnSpPr>
-          <p:cNvPr id="617" name="Connecteur : en angle 616">
-            <a:extLst>
-              <a:ext uri="{FF2B5EF4-FFF2-40B4-BE49-F238E27FC236}">
-                <a16:creationId xmlns:a16="http://schemas.microsoft.com/office/drawing/2014/main" id="{56A29C64-9225-4660-9519-73DEC5F9D828}"/>
-              </a:ext>
-            </a:extLst>
-          </p:cNvPr>
-          <p:cNvCxnSpPr>
-            <a:stCxn id="610" idx="3"/>
-            <a:endCxn id="673" idx="0"/>
-          </p:cNvCxnSpPr>
-          <p:nvPr/>
-        </p:nvCxnSpPr>
-        <p:spPr>
-          <a:xfrm>
-            <a:off x="6580335" y="4384941"/>
-            <a:ext cx="1129853" cy="980764"/>
-          </a:xfrm>
-          <a:prstGeom prst="bentConnector2">
-            <a:avLst/>
-          </a:prstGeom>
-          <a:ln>
-            <a:tailEnd type="triangle"/>
-          </a:ln>
-        </p:spPr>
-        <p:style>
-          <a:lnRef idx="1">
-            <a:schemeClr val="accent1"/>
-          </a:lnRef>
-          <a:fillRef idx="0">
-            <a:schemeClr val="accent1"/>
-          </a:fillRef>
-          <a:effectRef idx="0">
-            <a:schemeClr val="accent1"/>
-          </a:effectRef>
-          <a:fontRef idx="minor">
-            <a:schemeClr val="tx1"/>
-          </a:fontRef>
-        </p:style>
-      </p:cxnSp>
-      <p:sp>
-        <p:nvSpPr>
-          <p:cNvPr id="674" name="ZoneTexte 673">
-            <a:extLst>
-              <a:ext uri="{FF2B5EF4-FFF2-40B4-BE49-F238E27FC236}">
-                <a16:creationId xmlns:a16="http://schemas.microsoft.com/office/drawing/2014/main" id="{27F4315C-863F-4C32-A375-FA890BB2BD41}"/>
-              </a:ext>
-            </a:extLst>
-          </p:cNvPr>
-          <p:cNvSpPr txBox="1"/>
-          <p:nvPr/>
-        </p:nvSpPr>
-        <p:spPr>
-          <a:xfrm>
-            <a:off x="7007435" y="4090938"/>
-            <a:ext cx="487634" cy="338554"/>
-          </a:xfrm>
-          <a:prstGeom prst="rect">
-            <a:avLst/>
-          </a:prstGeom>
-          <a:noFill/>
-        </p:spPr>
-        <p:txBody>
-          <a:bodyPr wrap="none" rtlCol="0">
-            <a:spAutoFit/>
-          </a:bodyPr>
-          <a:lstStyle/>
-          <a:p>
-            <a:r>
-              <a:rPr lang="fr-FR" sz="1600" i="1" dirty="0"/>
-              <a:t>fit()</a:t>
-            </a:r>
-          </a:p>
-        </p:txBody>
-      </p:sp>
-      <p:cxnSp>
-        <p:nvCxnSpPr>
-          <p:cNvPr id="675" name="Connecteur droit avec flèche 674">
-            <a:extLst>
-              <a:ext uri="{FF2B5EF4-FFF2-40B4-BE49-F238E27FC236}">
-                <a16:creationId xmlns:a16="http://schemas.microsoft.com/office/drawing/2014/main" id="{B92A383F-E9A6-43FE-A264-151501A14CE8}"/>
-              </a:ext>
-            </a:extLst>
-          </p:cNvPr>
-          <p:cNvCxnSpPr/>
-          <p:nvPr/>
-        </p:nvCxnSpPr>
-        <p:spPr>
-          <a:xfrm>
-            <a:off x="10210757" y="5812634"/>
-            <a:ext cx="1066937" cy="0"/>
-          </a:xfrm>
-          <a:prstGeom prst="straightConnector1">
-            <a:avLst/>
-          </a:prstGeom>
-          <a:ln>
-            <a:tailEnd type="triangle"/>
-          </a:ln>
-        </p:spPr>
-        <p:style>
-          <a:lnRef idx="1">
-            <a:schemeClr val="accent1"/>
-          </a:lnRef>
-          <a:fillRef idx="0">
-            <a:schemeClr val="accent1"/>
-          </a:fillRef>
-          <a:effectRef idx="0">
-            <a:schemeClr val="accent1"/>
-          </a:effectRef>
-          <a:fontRef idx="minor">
-            <a:schemeClr val="tx1"/>
-          </a:fontRef>
-        </p:style>
-      </p:cxnSp>
-      <p:sp>
-        <p:nvSpPr>
-          <p:cNvPr id="676" name="ZoneTexte 675">
-            <a:extLst>
-              <a:ext uri="{FF2B5EF4-FFF2-40B4-BE49-F238E27FC236}">
-                <a16:creationId xmlns:a16="http://schemas.microsoft.com/office/drawing/2014/main" id="{C5A95A07-684D-4929-9EAA-E92FF9EF0E9D}"/>
-              </a:ext>
-            </a:extLst>
-          </p:cNvPr>
-          <p:cNvSpPr txBox="1"/>
-          <p:nvPr/>
-        </p:nvSpPr>
-        <p:spPr>
-          <a:xfrm>
-            <a:off x="10291154" y="5731077"/>
-            <a:ext cx="889987" cy="338554"/>
-          </a:xfrm>
-          <a:prstGeom prst="rect">
-            <a:avLst/>
-          </a:prstGeom>
-          <a:noFill/>
-        </p:spPr>
-        <p:txBody>
-          <a:bodyPr wrap="none" rtlCol="0">
-            <a:spAutoFit/>
-          </a:bodyPr>
-          <a:lstStyle/>
-          <a:p>
-            <a:r>
-              <a:rPr lang="fr-FR" sz="1600" i="1" dirty="0" err="1"/>
-              <a:t>predict</a:t>
-            </a:r>
-            <a:r>
-              <a:rPr lang="fr-FR" sz="1600" i="1" dirty="0"/>
-              <a:t>()</a:t>
-            </a:r>
-          </a:p>
-        </p:txBody>
-      </p:sp>
-      <p:sp>
-        <p:nvSpPr>
-          <p:cNvPr id="618" name="ZoneTexte 617">
-            <a:extLst>
-              <a:ext uri="{FF2B5EF4-FFF2-40B4-BE49-F238E27FC236}">
-                <a16:creationId xmlns:a16="http://schemas.microsoft.com/office/drawing/2014/main" id="{815ABD41-1B93-43C1-AB11-712D3683C56F}"/>
-              </a:ext>
-            </a:extLst>
-          </p:cNvPr>
-          <p:cNvSpPr txBox="1"/>
-          <p:nvPr/>
-        </p:nvSpPr>
-        <p:spPr>
-          <a:xfrm>
-            <a:off x="1228653" y="3617347"/>
-            <a:ext cx="936475" cy="369332"/>
-          </a:xfrm>
-          <a:prstGeom prst="rect">
-            <a:avLst/>
-          </a:prstGeom>
-          <a:noFill/>
-        </p:spPr>
-        <p:txBody>
-          <a:bodyPr wrap="none" rtlCol="0">
-            <a:spAutoFit/>
-          </a:bodyPr>
-          <a:lstStyle/>
-          <a:p>
-            <a:r>
-              <a:rPr lang="fr-FR" dirty="0"/>
-              <a:t>Pipeline</a:t>
-            </a:r>
-          </a:p>
-        </p:txBody>
-      </p:sp>
-      <p:cxnSp>
-        <p:nvCxnSpPr>
-          <p:cNvPr id="620" name="Connecteur droit avec flèche 619">
-            <a:extLst>
-              <a:ext uri="{FF2B5EF4-FFF2-40B4-BE49-F238E27FC236}">
-                <a16:creationId xmlns:a16="http://schemas.microsoft.com/office/drawing/2014/main" id="{8EAB0854-63F5-4D6C-8077-D76A6A2D73C7}"/>
-              </a:ext>
-            </a:extLst>
-          </p:cNvPr>
-          <p:cNvCxnSpPr/>
-          <p:nvPr/>
-        </p:nvCxnSpPr>
-        <p:spPr>
-          <a:xfrm flipH="1">
-            <a:off x="9505747" y="2147299"/>
-            <a:ext cx="254702" cy="368971"/>
-          </a:xfrm>
-          <a:prstGeom prst="straightConnector1">
-            <a:avLst/>
-          </a:prstGeom>
-          <a:ln>
-            <a:tailEnd type="triangle"/>
-          </a:ln>
-        </p:spPr>
-        <p:style>
-          <a:lnRef idx="1">
-            <a:schemeClr val="accent1"/>
-          </a:lnRef>
-          <a:fillRef idx="0">
-            <a:schemeClr val="accent1"/>
-          </a:fillRef>
-          <a:effectRef idx="0">
-            <a:schemeClr val="accent1"/>
-          </a:effectRef>
-          <a:fontRef idx="minor">
-            <a:schemeClr val="tx1"/>
-          </a:fontRef>
-        </p:style>
-      </p:cxnSp>
-      <p:sp>
-        <p:nvSpPr>
-          <p:cNvPr id="621" name="ZoneTexte 620">
-            <a:extLst>
-              <a:ext uri="{FF2B5EF4-FFF2-40B4-BE49-F238E27FC236}">
-                <a16:creationId xmlns:a16="http://schemas.microsoft.com/office/drawing/2014/main" id="{1295C5AD-4088-43BA-814C-50B0E05BF374}"/>
-              </a:ext>
-            </a:extLst>
-          </p:cNvPr>
-          <p:cNvSpPr txBox="1"/>
-          <p:nvPr/>
-        </p:nvSpPr>
-        <p:spPr>
-          <a:xfrm>
-            <a:off x="9433960" y="1943739"/>
-            <a:ext cx="1063946" cy="276999"/>
-          </a:xfrm>
-          <a:prstGeom prst="rect">
-            <a:avLst/>
-          </a:prstGeom>
-          <a:noFill/>
-        </p:spPr>
-        <p:txBody>
-          <a:bodyPr wrap="none" rtlCol="0">
-            <a:spAutoFit/>
-          </a:bodyPr>
-          <a:lstStyle/>
-          <a:p>
-            <a:r>
-              <a:rPr lang="fr-FR" sz="1200" dirty="0"/>
-              <a:t>Extra </a:t>
-            </a:r>
-            <a:r>
-              <a:rPr lang="fr-FR" sz="1200" dirty="0" err="1"/>
-              <a:t>columns</a:t>
-            </a:r>
-            <a:endParaRPr lang="fr-FR" sz="1200" dirty="0"/>
-          </a:p>
-        </p:txBody>
-      </p:sp>
-      <p:pic>
-        <p:nvPicPr>
-          <p:cNvPr id="679" name="Image 678">
-            <a:extLst>
-              <a:ext uri="{FF2B5EF4-FFF2-40B4-BE49-F238E27FC236}">
-                <a16:creationId xmlns:a16="http://schemas.microsoft.com/office/drawing/2014/main" id="{DA97012B-F336-412C-8A7A-46D3953FD5D3}"/>
-              </a:ext>
-            </a:extLst>
-          </p:cNvPr>
-          <p:cNvPicPr>
-            <a:picLocks noChangeAspect="1"/>
-          </p:cNvPicPr>
-          <p:nvPr/>
-        </p:nvPicPr>
-        <p:blipFill>
-          <a:blip r:embed="rId2"/>
-          <a:stretch>
-            <a:fillRect/>
-          </a:stretch>
-        </p:blipFill>
-        <p:spPr>
-          <a:xfrm>
-            <a:off x="1614455" y="2516270"/>
-            <a:ext cx="1094498" cy="894850"/>
-          </a:xfrm>
-          <a:prstGeom prst="rect">
-            <a:avLst/>
-          </a:prstGeom>
-        </p:spPr>
-      </p:pic>
-      <p:cxnSp>
-        <p:nvCxnSpPr>
-          <p:cNvPr id="629" name="Connecteur droit avec flèche 628">
-            <a:extLst>
-              <a:ext uri="{FF2B5EF4-FFF2-40B4-BE49-F238E27FC236}">
-                <a16:creationId xmlns:a16="http://schemas.microsoft.com/office/drawing/2014/main" id="{E02B58AE-D7C0-4406-9DBD-1F4EBD7296CF}"/>
-              </a:ext>
-            </a:extLst>
-          </p:cNvPr>
-          <p:cNvCxnSpPr>
-            <a:stCxn id="679" idx="3"/>
-            <a:endCxn id="631" idx="1"/>
-          </p:cNvCxnSpPr>
-          <p:nvPr/>
-        </p:nvCxnSpPr>
-        <p:spPr>
-          <a:xfrm>
-            <a:off x="2708953" y="2963695"/>
-            <a:ext cx="3107405" cy="0"/>
-          </a:xfrm>
-          <a:prstGeom prst="straightConnector1">
-            <a:avLst/>
-          </a:prstGeom>
-          <a:ln>
-            <a:tailEnd type="triangle"/>
-          </a:ln>
-        </p:spPr>
-        <p:style>
-          <a:lnRef idx="1">
-            <a:schemeClr val="accent1"/>
-          </a:lnRef>
-          <a:fillRef idx="0">
-            <a:schemeClr val="accent1"/>
-          </a:fillRef>
-          <a:effectRef idx="0">
-            <a:schemeClr val="accent1"/>
-          </a:effectRef>
-          <a:fontRef idx="minor">
-            <a:schemeClr val="tx1"/>
-          </a:fontRef>
-        </p:style>
-      </p:cxnSp>
     </p:spTree>
     <p:extLst>
       <p:ext uri="{BB962C8B-B14F-4D97-AF65-F5344CB8AC3E}">
-        <p14:creationId xmlns:p14="http://schemas.microsoft.com/office/powerpoint/2010/main" val="338862293"/>
+        <p14:creationId xmlns:p14="http://schemas.microsoft.com/office/powerpoint/2010/main" val="4042130698"/>
       </p:ext>
     </p:extLst>
   </p:cSld>
